--- a/CapStone Presentation.pptx
+++ b/CapStone Presentation.pptx
@@ -5,27 +5,33 @@
     <p:sldMasterId id="2147483706" r:id="rId1"/>
   </p:sldMasterIdLst>
   <p:notesMasterIdLst>
-    <p:notesMasterId r:id="rId6"/>
+    <p:notesMasterId r:id="rId12"/>
   </p:notesMasterIdLst>
   <p:sldIdLst>
     <p:sldId id="256" r:id="rId2"/>
     <p:sldId id="259" r:id="rId3"/>
-    <p:sldId id="257" r:id="rId4"/>
-    <p:sldId id="258" r:id="rId5"/>
+    <p:sldId id="258" r:id="rId4"/>
+    <p:sldId id="261" r:id="rId5"/>
+    <p:sldId id="257" r:id="rId6"/>
+    <p:sldId id="260" r:id="rId7"/>
+    <p:sldId id="262" r:id="rId8"/>
+    <p:sldId id="263" r:id="rId9"/>
+    <p:sldId id="265" r:id="rId10"/>
+    <p:sldId id="266" r:id="rId11"/>
   </p:sldIdLst>
   <p:sldSz cx="9144000" cy="5143500" type="screen16x9"/>
   <p:notesSz cx="6858000" cy="9144000"/>
   <p:embeddedFontLst>
     <p:embeddedFont>
       <p:font typeface="Alfa Slab One" panose="020B0604020202020204" charset="0"/>
-      <p:regular r:id="rId7"/>
+      <p:regular r:id="rId13"/>
     </p:embeddedFont>
     <p:embeddedFont>
       <p:font typeface="Roboto" panose="02000000000000000000" pitchFamily="2" charset="0"/>
-      <p:regular r:id="rId8"/>
-      <p:bold r:id="rId9"/>
-      <p:italic r:id="rId10"/>
-      <p:boldItalic r:id="rId11"/>
+      <p:regular r:id="rId14"/>
+      <p:bold r:id="rId15"/>
+      <p:italic r:id="rId16"/>
+      <p:boldItalic r:id="rId17"/>
     </p:embeddedFont>
   </p:embeddedFontLst>
   <p:defaultTextStyle>
@@ -257,6 +263,11 @@
       </a:defRPr>
     </a:lvl9pPr>
   </p:defaultTextStyle>
+  <p:extLst>
+    <p:ext uri="{EFAFB233-063F-42B5-8137-9DF3F51BA10A}">
+      <p15:sldGuideLst xmlns:p15="http://schemas.microsoft.com/office/powerpoint/2012/main"/>
+    </p:ext>
+  </p:extLst>
 </p:presentation>
 </file>
 
@@ -5594,6 +5605,454 @@
                                         <p:cTn id="7" dur="1000"/>
                                         <p:tgtEl>
                                           <p:spTgt spid="456"/>
+                                        </p:tgtEl>
+                                      </p:cBhvr>
+                                    </p:animEffect>
+                                  </p:childTnLst>
+                                </p:cTn>
+                              </p:par>
+                            </p:childTnLst>
+                          </p:cTn>
+                        </p:par>
+                      </p:childTnLst>
+                    </p:cTn>
+                  </p:par>
+                </p:childTnLst>
+              </p:cTn>
+              <p:prevCondLst>
+                <p:cond evt="onPrev" delay="0">
+                  <p:tgtEl>
+                    <p:sldTgt/>
+                  </p:tgtEl>
+                </p:cond>
+              </p:prevCondLst>
+              <p:nextCondLst>
+                <p:cond evt="onNext" delay="0">
+                  <p:tgtEl>
+                    <p:sldTgt/>
+                  </p:tgtEl>
+                </p:cond>
+              </p:nextCondLst>
+            </p:seq>
+          </p:childTnLst>
+        </p:cTn>
+      </p:par>
+    </p:tnLst>
+  </p:timing>
+</p:sld>
+</file>
+
+<file path=ppt/slides/slide10.xml><?xml version="1.0" encoding="utf-8"?>
+<p:sld xmlns:a="http://schemas.openxmlformats.org/drawingml/2006/main" xmlns:r="http://schemas.openxmlformats.org/officeDocument/2006/relationships" xmlns:p="http://schemas.openxmlformats.org/presentationml/2006/main">
+  <p:cSld>
+    <p:spTree>
+      <p:nvGrpSpPr>
+        <p:cNvPr id="1" name=""/>
+        <p:cNvGrpSpPr/>
+        <p:nvPr/>
+      </p:nvGrpSpPr>
+      <p:grpSpPr>
+        <a:xfrm>
+          <a:off x="0" y="0"/>
+          <a:ext cx="0" cy="0"/>
+          <a:chOff x="0" y="0"/>
+          <a:chExt cx="0" cy="0"/>
+        </a:xfrm>
+      </p:grpSpPr>
+      <p:pic>
+        <p:nvPicPr>
+          <p:cNvPr id="8" name="Picture 7">
+            <a:extLst>
+              <a:ext uri="{FF2B5EF4-FFF2-40B4-BE49-F238E27FC236}">
+                <a16:creationId xmlns:a16="http://schemas.microsoft.com/office/drawing/2014/main" id="{4B0BCA86-DA61-5E8F-7CEA-150DAE152E74}"/>
+              </a:ext>
+            </a:extLst>
+          </p:cNvPr>
+          <p:cNvPicPr>
+            <a:picLocks noChangeAspect="1"/>
+          </p:cNvPicPr>
+          <p:nvPr/>
+        </p:nvPicPr>
+        <p:blipFill>
+          <a:blip r:embed="rId2"/>
+          <a:stretch>
+            <a:fillRect/>
+          </a:stretch>
+        </p:blipFill>
+        <p:spPr>
+          <a:xfrm>
+            <a:off x="933134" y="1567369"/>
+            <a:ext cx="7277731" cy="2796782"/>
+          </a:xfrm>
+          <a:prstGeom prst="rect">
+            <a:avLst/>
+          </a:prstGeom>
+        </p:spPr>
+      </p:pic>
+      <p:sp>
+        <p:nvSpPr>
+          <p:cNvPr id="2" name="Google Shape;480;p63">
+            <a:extLst>
+              <a:ext uri="{FF2B5EF4-FFF2-40B4-BE49-F238E27FC236}">
+                <a16:creationId xmlns:a16="http://schemas.microsoft.com/office/drawing/2014/main" id="{8CF545BF-2F6F-08B2-005B-9B0E80DDA40E}"/>
+              </a:ext>
+            </a:extLst>
+          </p:cNvPr>
+          <p:cNvSpPr txBox="1">
+            <a:spLocks/>
+          </p:cNvSpPr>
+          <p:nvPr/>
+        </p:nvSpPr>
+        <p:spPr>
+          <a:xfrm>
+            <a:off x="713250" y="552758"/>
+            <a:ext cx="7717500" cy="703613"/>
+          </a:xfrm>
+          <a:prstGeom prst="rect">
+            <a:avLst/>
+          </a:prstGeom>
+          <a:ln>
+            <a:solidFill>
+              <a:schemeClr val="accent1"/>
+            </a:solidFill>
+          </a:ln>
+        </p:spPr>
+        <p:txBody>
+          <a:bodyPr spcFirstLastPara="1" wrap="square" lIns="91425" tIns="91425" rIns="91425" bIns="91425" anchor="ctr" anchorCtr="0">
+            <a:noAutofit/>
+          </a:bodyPr>
+          <a:lstStyle>
+            <a:defPPr marR="0" lvl="0" algn="l" rtl="0">
+              <a:lnSpc>
+                <a:spcPct val="100000"/>
+              </a:lnSpc>
+              <a:spcBef>
+                <a:spcPts val="0"/>
+              </a:spcBef>
+              <a:spcAft>
+                <a:spcPts val="0"/>
+              </a:spcAft>
+            </a:defPPr>
+            <a:lvl1pPr marR="0" lvl="0" algn="l" rtl="0">
+              <a:lnSpc>
+                <a:spcPct val="100000"/>
+              </a:lnSpc>
+              <a:spcBef>
+                <a:spcPts val="0"/>
+              </a:spcBef>
+              <a:spcAft>
+                <a:spcPts val="0"/>
+              </a:spcAft>
+              <a:buClr>
+                <a:srgbClr val="000000"/>
+              </a:buClr>
+              <a:buFont typeface="Arial"/>
+              <a:defRPr sz="1400" b="0" i="0" u="none" strike="noStrike" cap="none">
+                <a:solidFill>
+                  <a:srgbClr val="000000"/>
+                </a:solidFill>
+                <a:latin typeface="Arial"/>
+                <a:ea typeface="Arial"/>
+                <a:cs typeface="Arial"/>
+                <a:sym typeface="Arial"/>
+              </a:defRPr>
+            </a:lvl1pPr>
+            <a:lvl2pPr marR="0" lvl="1" algn="l" rtl="0">
+              <a:lnSpc>
+                <a:spcPct val="100000"/>
+              </a:lnSpc>
+              <a:spcBef>
+                <a:spcPts val="0"/>
+              </a:spcBef>
+              <a:spcAft>
+                <a:spcPts val="0"/>
+              </a:spcAft>
+              <a:buClr>
+                <a:srgbClr val="000000"/>
+              </a:buClr>
+              <a:buFont typeface="Arial"/>
+              <a:defRPr sz="1400" b="0" i="0" u="none" strike="noStrike" cap="none">
+                <a:solidFill>
+                  <a:srgbClr val="000000"/>
+                </a:solidFill>
+                <a:latin typeface="Arial"/>
+                <a:ea typeface="Arial"/>
+                <a:cs typeface="Arial"/>
+                <a:sym typeface="Arial"/>
+              </a:defRPr>
+            </a:lvl2pPr>
+            <a:lvl3pPr marR="0" lvl="2" algn="l" rtl="0">
+              <a:lnSpc>
+                <a:spcPct val="100000"/>
+              </a:lnSpc>
+              <a:spcBef>
+                <a:spcPts val="0"/>
+              </a:spcBef>
+              <a:spcAft>
+                <a:spcPts val="0"/>
+              </a:spcAft>
+              <a:buClr>
+                <a:srgbClr val="000000"/>
+              </a:buClr>
+              <a:buFont typeface="Arial"/>
+              <a:defRPr sz="1400" b="0" i="0" u="none" strike="noStrike" cap="none">
+                <a:solidFill>
+                  <a:srgbClr val="000000"/>
+                </a:solidFill>
+                <a:latin typeface="Arial"/>
+                <a:ea typeface="Arial"/>
+                <a:cs typeface="Arial"/>
+                <a:sym typeface="Arial"/>
+              </a:defRPr>
+            </a:lvl3pPr>
+            <a:lvl4pPr marR="0" lvl="3" algn="l" rtl="0">
+              <a:lnSpc>
+                <a:spcPct val="100000"/>
+              </a:lnSpc>
+              <a:spcBef>
+                <a:spcPts val="0"/>
+              </a:spcBef>
+              <a:spcAft>
+                <a:spcPts val="0"/>
+              </a:spcAft>
+              <a:buClr>
+                <a:srgbClr val="000000"/>
+              </a:buClr>
+              <a:buFont typeface="Arial"/>
+              <a:defRPr sz="1400" b="0" i="0" u="none" strike="noStrike" cap="none">
+                <a:solidFill>
+                  <a:srgbClr val="000000"/>
+                </a:solidFill>
+                <a:latin typeface="Arial"/>
+                <a:ea typeface="Arial"/>
+                <a:cs typeface="Arial"/>
+                <a:sym typeface="Arial"/>
+              </a:defRPr>
+            </a:lvl4pPr>
+            <a:lvl5pPr marR="0" lvl="4" algn="l" rtl="0">
+              <a:lnSpc>
+                <a:spcPct val="100000"/>
+              </a:lnSpc>
+              <a:spcBef>
+                <a:spcPts val="0"/>
+              </a:spcBef>
+              <a:spcAft>
+                <a:spcPts val="0"/>
+              </a:spcAft>
+              <a:buClr>
+                <a:srgbClr val="000000"/>
+              </a:buClr>
+              <a:buFont typeface="Arial"/>
+              <a:defRPr sz="1400" b="0" i="0" u="none" strike="noStrike" cap="none">
+                <a:solidFill>
+                  <a:srgbClr val="000000"/>
+                </a:solidFill>
+                <a:latin typeface="Arial"/>
+                <a:ea typeface="Arial"/>
+                <a:cs typeface="Arial"/>
+                <a:sym typeface="Arial"/>
+              </a:defRPr>
+            </a:lvl5pPr>
+            <a:lvl6pPr marR="0" lvl="5" algn="l" rtl="0">
+              <a:lnSpc>
+                <a:spcPct val="100000"/>
+              </a:lnSpc>
+              <a:spcBef>
+                <a:spcPts val="0"/>
+              </a:spcBef>
+              <a:spcAft>
+                <a:spcPts val="0"/>
+              </a:spcAft>
+              <a:buClr>
+                <a:srgbClr val="000000"/>
+              </a:buClr>
+              <a:buFont typeface="Arial"/>
+              <a:defRPr sz="1400" b="0" i="0" u="none" strike="noStrike" cap="none">
+                <a:solidFill>
+                  <a:srgbClr val="000000"/>
+                </a:solidFill>
+                <a:latin typeface="Arial"/>
+                <a:ea typeface="Arial"/>
+                <a:cs typeface="Arial"/>
+                <a:sym typeface="Arial"/>
+              </a:defRPr>
+            </a:lvl6pPr>
+            <a:lvl7pPr marR="0" lvl="6" algn="l" rtl="0">
+              <a:lnSpc>
+                <a:spcPct val="100000"/>
+              </a:lnSpc>
+              <a:spcBef>
+                <a:spcPts val="0"/>
+              </a:spcBef>
+              <a:spcAft>
+                <a:spcPts val="0"/>
+              </a:spcAft>
+              <a:buClr>
+                <a:srgbClr val="000000"/>
+              </a:buClr>
+              <a:buFont typeface="Arial"/>
+              <a:defRPr sz="1400" b="0" i="0" u="none" strike="noStrike" cap="none">
+                <a:solidFill>
+                  <a:srgbClr val="000000"/>
+                </a:solidFill>
+                <a:latin typeface="Arial"/>
+                <a:ea typeface="Arial"/>
+                <a:cs typeface="Arial"/>
+                <a:sym typeface="Arial"/>
+              </a:defRPr>
+            </a:lvl7pPr>
+            <a:lvl8pPr marR="0" lvl="7" algn="l" rtl="0">
+              <a:lnSpc>
+                <a:spcPct val="100000"/>
+              </a:lnSpc>
+              <a:spcBef>
+                <a:spcPts val="0"/>
+              </a:spcBef>
+              <a:spcAft>
+                <a:spcPts val="0"/>
+              </a:spcAft>
+              <a:buClr>
+                <a:srgbClr val="000000"/>
+              </a:buClr>
+              <a:buFont typeface="Arial"/>
+              <a:defRPr sz="1400" b="0" i="0" u="none" strike="noStrike" cap="none">
+                <a:solidFill>
+                  <a:srgbClr val="000000"/>
+                </a:solidFill>
+                <a:latin typeface="Arial"/>
+                <a:ea typeface="Arial"/>
+                <a:cs typeface="Arial"/>
+                <a:sym typeface="Arial"/>
+              </a:defRPr>
+            </a:lvl8pPr>
+            <a:lvl9pPr marR="0" lvl="8" algn="l" rtl="0">
+              <a:lnSpc>
+                <a:spcPct val="100000"/>
+              </a:lnSpc>
+              <a:spcBef>
+                <a:spcPts val="0"/>
+              </a:spcBef>
+              <a:spcAft>
+                <a:spcPts val="0"/>
+              </a:spcAft>
+              <a:buClr>
+                <a:srgbClr val="000000"/>
+              </a:buClr>
+              <a:buFont typeface="Arial"/>
+              <a:defRPr sz="1400" b="0" i="0" u="none" strike="noStrike" cap="none">
+                <a:solidFill>
+                  <a:srgbClr val="000000"/>
+                </a:solidFill>
+                <a:latin typeface="Arial"/>
+                <a:ea typeface="Arial"/>
+                <a:cs typeface="Arial"/>
+                <a:sym typeface="Arial"/>
+              </a:defRPr>
+            </a:lvl9pPr>
+          </a:lstStyle>
+          <a:p>
+            <a:pPr algn="ctr"/>
+            <a:r>
+              <a:rPr lang="en-US" sz="2800" u="sng" dirty="0">
+                <a:solidFill>
+                  <a:schemeClr val="lt1"/>
+                </a:solidFill>
+                <a:latin typeface="Alfa Slab One" panose="020B0604020202020204" charset="0"/>
+              </a:rPr>
+              <a:t>Does Efficiency Lead to Winning?</a:t>
+            </a:r>
+          </a:p>
+        </p:txBody>
+      </p:sp>
+      <p:pic>
+        <p:nvPicPr>
+          <p:cNvPr id="10" name="Picture 9">
+            <a:extLst>
+              <a:ext uri="{FF2B5EF4-FFF2-40B4-BE49-F238E27FC236}">
+                <a16:creationId xmlns:a16="http://schemas.microsoft.com/office/drawing/2014/main" id="{9052479A-C412-E13D-E8C0-F64612F58DB7}"/>
+              </a:ext>
+            </a:extLst>
+          </p:cNvPr>
+          <p:cNvPicPr>
+            <a:picLocks noChangeAspect="1"/>
+          </p:cNvPicPr>
+          <p:nvPr/>
+        </p:nvPicPr>
+        <p:blipFill>
+          <a:blip r:embed="rId3"/>
+          <a:stretch>
+            <a:fillRect/>
+          </a:stretch>
+        </p:blipFill>
+        <p:spPr>
+          <a:xfrm>
+            <a:off x="933134" y="1567369"/>
+            <a:ext cx="7277731" cy="2796782"/>
+          </a:xfrm>
+          <a:prstGeom prst="rect">
+            <a:avLst/>
+          </a:prstGeom>
+        </p:spPr>
+      </p:pic>
+    </p:spTree>
+    <p:extLst>
+      <p:ext uri="{BB962C8B-B14F-4D97-AF65-F5344CB8AC3E}">
+        <p14:creationId xmlns:p14="http://schemas.microsoft.com/office/powerpoint/2010/main" val="81497335"/>
+      </p:ext>
+    </p:extLst>
+  </p:cSld>
+  <p:clrMapOvr>
+    <a:masterClrMapping/>
+  </p:clrMapOvr>
+  <p:timing>
+    <p:tnLst>
+      <p:par>
+        <p:cTn id="1" dur="indefinite" restart="never" nodeType="tmRoot">
+          <p:childTnLst>
+            <p:seq concurrent="1" nextAc="seek">
+              <p:cTn id="2" dur="indefinite" nodeType="mainSeq">
+                <p:childTnLst>
+                  <p:par>
+                    <p:cTn id="3" fill="hold">
+                      <p:stCondLst>
+                        <p:cond delay="indefinite"/>
+                      </p:stCondLst>
+                      <p:childTnLst>
+                        <p:par>
+                          <p:cTn id="4" fill="hold">
+                            <p:stCondLst>
+                              <p:cond delay="0"/>
+                            </p:stCondLst>
+                            <p:childTnLst>
+                              <p:par>
+                                <p:cTn id="5" presetID="10" presetClass="entr" presetSubtype="0" fill="hold" nodeType="clickEffect">
+                                  <p:stCondLst>
+                                    <p:cond delay="0"/>
+                                  </p:stCondLst>
+                                  <p:childTnLst>
+                                    <p:set>
+                                      <p:cBhvr>
+                                        <p:cTn id="6" dur="1" fill="hold">
+                                          <p:stCondLst>
+                                            <p:cond delay="0"/>
+                                          </p:stCondLst>
+                                        </p:cTn>
+                                        <p:tgtEl>
+                                          <p:spTgt spid="10"/>
+                                        </p:tgtEl>
+                                        <p:attrNameLst>
+                                          <p:attrName>style.visibility</p:attrName>
+                                        </p:attrNameLst>
+                                      </p:cBhvr>
+                                      <p:to>
+                                        <p:strVal val="visible"/>
+                                      </p:to>
+                                    </p:set>
+                                    <p:animEffect transition="in" filter="fade">
+                                      <p:cBhvr>
+                                        <p:cTn id="7" dur="500"/>
+                                        <p:tgtEl>
+                                          <p:spTgt spid="10"/>
                                         </p:tgtEl>
                                       </p:cBhvr>
                                     </p:animEffect>
@@ -6699,40 +7158,553 @@
           <a:chExt cx="0" cy="0"/>
         </a:xfrm>
       </p:grpSpPr>
-      <p:pic>
-        <p:nvPicPr>
-          <p:cNvPr id="3" name="Picture 2">
+      <p:sp>
+        <p:nvSpPr>
+          <p:cNvPr id="4" name="Google Shape;480;p63">
             <a:extLst>
               <a:ext uri="{FF2B5EF4-FFF2-40B4-BE49-F238E27FC236}">
-                <a16:creationId xmlns:a16="http://schemas.microsoft.com/office/drawing/2014/main" id="{8B25CDE0-76B0-C792-F245-8944C9EE9F8A}"/>
+                <a16:creationId xmlns:a16="http://schemas.microsoft.com/office/drawing/2014/main" id="{BB9610B0-020F-B914-BEA2-74421A75D67E}"/>
               </a:ext>
             </a:extLst>
           </p:cNvPr>
-          <p:cNvPicPr>
-            <a:picLocks noChangeAspect="1"/>
-          </p:cNvPicPr>
+          <p:cNvSpPr txBox="1">
+            <a:spLocks/>
+          </p:cNvSpPr>
           <p:nvPr/>
-        </p:nvPicPr>
-        <p:blipFill>
-          <a:blip r:embed="rId2"/>
-          <a:stretch>
-            <a:fillRect/>
-          </a:stretch>
-        </p:blipFill>
+        </p:nvSpPr>
         <p:spPr>
           <a:xfrm>
-            <a:off x="1645227" y="1213030"/>
-            <a:ext cx="5853545" cy="2717440"/>
+            <a:off x="713250" y="539525"/>
+            <a:ext cx="7717500" cy="572700"/>
           </a:xfrm>
           <a:prstGeom prst="rect">
             <a:avLst/>
           </a:prstGeom>
         </p:spPr>
-      </p:pic>
+        <p:txBody>
+          <a:bodyPr spcFirstLastPara="1" wrap="square" lIns="91425" tIns="91425" rIns="91425" bIns="91425" anchor="ctr" anchorCtr="0">
+            <a:noAutofit/>
+          </a:bodyPr>
+          <a:lstStyle>
+            <a:defPPr marR="0" lvl="0" algn="l" rtl="0">
+              <a:lnSpc>
+                <a:spcPct val="100000"/>
+              </a:lnSpc>
+              <a:spcBef>
+                <a:spcPts val="0"/>
+              </a:spcBef>
+              <a:spcAft>
+                <a:spcPts val="0"/>
+              </a:spcAft>
+            </a:defPPr>
+            <a:lvl1pPr marR="0" lvl="0" algn="l" rtl="0">
+              <a:lnSpc>
+                <a:spcPct val="100000"/>
+              </a:lnSpc>
+              <a:spcBef>
+                <a:spcPts val="0"/>
+              </a:spcBef>
+              <a:spcAft>
+                <a:spcPts val="0"/>
+              </a:spcAft>
+              <a:buClr>
+                <a:srgbClr val="000000"/>
+              </a:buClr>
+              <a:buFont typeface="Arial"/>
+              <a:defRPr sz="1400" b="0" i="0" u="none" strike="noStrike" cap="none">
+                <a:solidFill>
+                  <a:srgbClr val="000000"/>
+                </a:solidFill>
+                <a:latin typeface="Arial"/>
+                <a:ea typeface="Arial"/>
+                <a:cs typeface="Arial"/>
+                <a:sym typeface="Arial"/>
+              </a:defRPr>
+            </a:lvl1pPr>
+            <a:lvl2pPr marR="0" lvl="1" algn="l" rtl="0">
+              <a:lnSpc>
+                <a:spcPct val="100000"/>
+              </a:lnSpc>
+              <a:spcBef>
+                <a:spcPts val="0"/>
+              </a:spcBef>
+              <a:spcAft>
+                <a:spcPts val="0"/>
+              </a:spcAft>
+              <a:buClr>
+                <a:srgbClr val="000000"/>
+              </a:buClr>
+              <a:buFont typeface="Arial"/>
+              <a:defRPr sz="1400" b="0" i="0" u="none" strike="noStrike" cap="none">
+                <a:solidFill>
+                  <a:srgbClr val="000000"/>
+                </a:solidFill>
+                <a:latin typeface="Arial"/>
+                <a:ea typeface="Arial"/>
+                <a:cs typeface="Arial"/>
+                <a:sym typeface="Arial"/>
+              </a:defRPr>
+            </a:lvl2pPr>
+            <a:lvl3pPr marR="0" lvl="2" algn="l" rtl="0">
+              <a:lnSpc>
+                <a:spcPct val="100000"/>
+              </a:lnSpc>
+              <a:spcBef>
+                <a:spcPts val="0"/>
+              </a:spcBef>
+              <a:spcAft>
+                <a:spcPts val="0"/>
+              </a:spcAft>
+              <a:buClr>
+                <a:srgbClr val="000000"/>
+              </a:buClr>
+              <a:buFont typeface="Arial"/>
+              <a:defRPr sz="1400" b="0" i="0" u="none" strike="noStrike" cap="none">
+                <a:solidFill>
+                  <a:srgbClr val="000000"/>
+                </a:solidFill>
+                <a:latin typeface="Arial"/>
+                <a:ea typeface="Arial"/>
+                <a:cs typeface="Arial"/>
+                <a:sym typeface="Arial"/>
+              </a:defRPr>
+            </a:lvl3pPr>
+            <a:lvl4pPr marR="0" lvl="3" algn="l" rtl="0">
+              <a:lnSpc>
+                <a:spcPct val="100000"/>
+              </a:lnSpc>
+              <a:spcBef>
+                <a:spcPts val="0"/>
+              </a:spcBef>
+              <a:spcAft>
+                <a:spcPts val="0"/>
+              </a:spcAft>
+              <a:buClr>
+                <a:srgbClr val="000000"/>
+              </a:buClr>
+              <a:buFont typeface="Arial"/>
+              <a:defRPr sz="1400" b="0" i="0" u="none" strike="noStrike" cap="none">
+                <a:solidFill>
+                  <a:srgbClr val="000000"/>
+                </a:solidFill>
+                <a:latin typeface="Arial"/>
+                <a:ea typeface="Arial"/>
+                <a:cs typeface="Arial"/>
+                <a:sym typeface="Arial"/>
+              </a:defRPr>
+            </a:lvl4pPr>
+            <a:lvl5pPr marR="0" lvl="4" algn="l" rtl="0">
+              <a:lnSpc>
+                <a:spcPct val="100000"/>
+              </a:lnSpc>
+              <a:spcBef>
+                <a:spcPts val="0"/>
+              </a:spcBef>
+              <a:spcAft>
+                <a:spcPts val="0"/>
+              </a:spcAft>
+              <a:buClr>
+                <a:srgbClr val="000000"/>
+              </a:buClr>
+              <a:buFont typeface="Arial"/>
+              <a:defRPr sz="1400" b="0" i="0" u="none" strike="noStrike" cap="none">
+                <a:solidFill>
+                  <a:srgbClr val="000000"/>
+                </a:solidFill>
+                <a:latin typeface="Arial"/>
+                <a:ea typeface="Arial"/>
+                <a:cs typeface="Arial"/>
+                <a:sym typeface="Arial"/>
+              </a:defRPr>
+            </a:lvl5pPr>
+            <a:lvl6pPr marR="0" lvl="5" algn="l" rtl="0">
+              <a:lnSpc>
+                <a:spcPct val="100000"/>
+              </a:lnSpc>
+              <a:spcBef>
+                <a:spcPts val="0"/>
+              </a:spcBef>
+              <a:spcAft>
+                <a:spcPts val="0"/>
+              </a:spcAft>
+              <a:buClr>
+                <a:srgbClr val="000000"/>
+              </a:buClr>
+              <a:buFont typeface="Arial"/>
+              <a:defRPr sz="1400" b="0" i="0" u="none" strike="noStrike" cap="none">
+                <a:solidFill>
+                  <a:srgbClr val="000000"/>
+                </a:solidFill>
+                <a:latin typeface="Arial"/>
+                <a:ea typeface="Arial"/>
+                <a:cs typeface="Arial"/>
+                <a:sym typeface="Arial"/>
+              </a:defRPr>
+            </a:lvl6pPr>
+            <a:lvl7pPr marR="0" lvl="6" algn="l" rtl="0">
+              <a:lnSpc>
+                <a:spcPct val="100000"/>
+              </a:lnSpc>
+              <a:spcBef>
+                <a:spcPts val="0"/>
+              </a:spcBef>
+              <a:spcAft>
+                <a:spcPts val="0"/>
+              </a:spcAft>
+              <a:buClr>
+                <a:srgbClr val="000000"/>
+              </a:buClr>
+              <a:buFont typeface="Arial"/>
+              <a:defRPr sz="1400" b="0" i="0" u="none" strike="noStrike" cap="none">
+                <a:solidFill>
+                  <a:srgbClr val="000000"/>
+                </a:solidFill>
+                <a:latin typeface="Arial"/>
+                <a:ea typeface="Arial"/>
+                <a:cs typeface="Arial"/>
+                <a:sym typeface="Arial"/>
+              </a:defRPr>
+            </a:lvl7pPr>
+            <a:lvl8pPr marR="0" lvl="7" algn="l" rtl="0">
+              <a:lnSpc>
+                <a:spcPct val="100000"/>
+              </a:lnSpc>
+              <a:spcBef>
+                <a:spcPts val="0"/>
+              </a:spcBef>
+              <a:spcAft>
+                <a:spcPts val="0"/>
+              </a:spcAft>
+              <a:buClr>
+                <a:srgbClr val="000000"/>
+              </a:buClr>
+              <a:buFont typeface="Arial"/>
+              <a:defRPr sz="1400" b="0" i="0" u="none" strike="noStrike" cap="none">
+                <a:solidFill>
+                  <a:srgbClr val="000000"/>
+                </a:solidFill>
+                <a:latin typeface="Arial"/>
+                <a:ea typeface="Arial"/>
+                <a:cs typeface="Arial"/>
+                <a:sym typeface="Arial"/>
+              </a:defRPr>
+            </a:lvl8pPr>
+            <a:lvl9pPr marR="0" lvl="8" algn="l" rtl="0">
+              <a:lnSpc>
+                <a:spcPct val="100000"/>
+              </a:lnSpc>
+              <a:spcBef>
+                <a:spcPts val="0"/>
+              </a:spcBef>
+              <a:spcAft>
+                <a:spcPts val="0"/>
+              </a:spcAft>
+              <a:buClr>
+                <a:srgbClr val="000000"/>
+              </a:buClr>
+              <a:buFont typeface="Arial"/>
+              <a:defRPr sz="1400" b="0" i="0" u="none" strike="noStrike" cap="none">
+                <a:solidFill>
+                  <a:srgbClr val="000000"/>
+                </a:solidFill>
+                <a:latin typeface="Arial"/>
+                <a:ea typeface="Arial"/>
+                <a:cs typeface="Arial"/>
+                <a:sym typeface="Arial"/>
+              </a:defRPr>
+            </a:lvl9pPr>
+          </a:lstStyle>
+          <a:p>
+            <a:pPr algn="ctr"/>
+            <a:r>
+              <a:rPr lang="en-US" sz="2800" dirty="0">
+                <a:solidFill>
+                  <a:schemeClr val="lt1"/>
+                </a:solidFill>
+                <a:latin typeface="Alfa Slab One" panose="020B0604020202020204" charset="0"/>
+              </a:rPr>
+              <a:t>Statistical Background</a:t>
+            </a:r>
+          </a:p>
+        </p:txBody>
+      </p:sp>
+      <p:sp>
+        <p:nvSpPr>
+          <p:cNvPr id="5" name="TextBox 4">
+            <a:extLst>
+              <a:ext uri="{FF2B5EF4-FFF2-40B4-BE49-F238E27FC236}">
+                <a16:creationId xmlns:a16="http://schemas.microsoft.com/office/drawing/2014/main" id="{497343F3-9F5B-1132-9DB0-EAB286E2BC1B}"/>
+              </a:ext>
+            </a:extLst>
+          </p:cNvPr>
+          <p:cNvSpPr txBox="1"/>
+          <p:nvPr/>
+        </p:nvSpPr>
+        <p:spPr>
+          <a:xfrm>
+            <a:off x="1025912" y="1141962"/>
+            <a:ext cx="7092176" cy="3108543"/>
+          </a:xfrm>
+          <a:prstGeom prst="rect">
+            <a:avLst/>
+          </a:prstGeom>
+          <a:noFill/>
+        </p:spPr>
+        <p:txBody>
+          <a:bodyPr wrap="square" rtlCol="0">
+            <a:spAutoFit/>
+          </a:bodyPr>
+          <a:lstStyle/>
+          <a:p>
+            <a:pPr marL="285750" indent="-285750">
+              <a:buClr>
+                <a:schemeClr val="bg1"/>
+              </a:buClr>
+              <a:buFont typeface="Wingdings" panose="05000000000000000000" pitchFamily="2" charset="2"/>
+              <a:buChar char="q"/>
+            </a:pPr>
+            <a:r>
+              <a:rPr lang="en-US" dirty="0">
+                <a:solidFill>
+                  <a:schemeClr val="bg1"/>
+                </a:solidFill>
+              </a:rPr>
+              <a:t>Player Efficiency Rating (PER)</a:t>
+            </a:r>
+          </a:p>
+          <a:p>
+            <a:pPr>
+              <a:buClr>
+                <a:schemeClr val="bg1"/>
+              </a:buClr>
+            </a:pPr>
+            <a:endParaRPr lang="en-US" dirty="0">
+              <a:solidFill>
+                <a:schemeClr val="bg1"/>
+              </a:solidFill>
+            </a:endParaRPr>
+          </a:p>
+          <a:p>
+            <a:pPr algn="ctr">
+              <a:buClr>
+                <a:schemeClr val="bg1"/>
+              </a:buClr>
+            </a:pPr>
+            <a:r>
+              <a:rPr lang="en-US" dirty="0">
+                <a:solidFill>
+                  <a:schemeClr val="bg1"/>
+                </a:solidFill>
+              </a:rPr>
+              <a:t>*PER = 0.68 + 26.77(FG) – 35.58(FGA) + 26.32(FT) – 25.47(FTA) + </a:t>
+            </a:r>
+          </a:p>
+          <a:p>
+            <a:pPr algn="ctr">
+              <a:buClr>
+                <a:schemeClr val="bg1"/>
+              </a:buClr>
+            </a:pPr>
+            <a:r>
+              <a:rPr lang="en-US" dirty="0">
+                <a:solidFill>
+                  <a:schemeClr val="bg1"/>
+                </a:solidFill>
+              </a:rPr>
+              <a:t>42.74(OR) + 11.45(DR) + 29.7(AST) + 47.3 (STL) + </a:t>
+            </a:r>
+          </a:p>
+          <a:p>
+            <a:pPr algn="ctr">
+              <a:buClr>
+                <a:schemeClr val="bg1"/>
+              </a:buClr>
+            </a:pPr>
+            <a:r>
+              <a:rPr lang="en-US" dirty="0">
+                <a:solidFill>
+                  <a:schemeClr val="bg1"/>
+                </a:solidFill>
+              </a:rPr>
+              <a:t>38(BLK) – 47.9(TO) – 18.8(PF) + 41.1(PTS)</a:t>
+            </a:r>
+          </a:p>
+          <a:p>
+            <a:pPr algn="ctr">
+              <a:buClr>
+                <a:schemeClr val="bg1"/>
+              </a:buClr>
+            </a:pPr>
+            <a:endParaRPr lang="en-US" dirty="0">
+              <a:solidFill>
+                <a:schemeClr val="bg1"/>
+              </a:solidFill>
+            </a:endParaRPr>
+          </a:p>
+          <a:p>
+            <a:pPr marL="285750" indent="-285750">
+              <a:buClr>
+                <a:schemeClr val="bg1"/>
+              </a:buClr>
+              <a:buFont typeface="Wingdings" panose="05000000000000000000" pitchFamily="2" charset="2"/>
+              <a:buChar char="q"/>
+            </a:pPr>
+            <a:r>
+              <a:rPr lang="en-US" dirty="0">
+                <a:solidFill>
+                  <a:schemeClr val="bg1"/>
+                </a:solidFill>
+              </a:rPr>
+              <a:t>Win Shares (WS): Estimated number of wins contributed by the player</a:t>
+            </a:r>
+          </a:p>
+          <a:p>
+            <a:pPr marL="285750" indent="-285750">
+              <a:buClr>
+                <a:schemeClr val="bg1"/>
+              </a:buClr>
+              <a:buFont typeface="Wingdings" panose="05000000000000000000" pitchFamily="2" charset="2"/>
+              <a:buChar char="q"/>
+            </a:pPr>
+            <a:endParaRPr lang="en-US" dirty="0">
+              <a:solidFill>
+                <a:schemeClr val="bg1"/>
+              </a:solidFill>
+            </a:endParaRPr>
+          </a:p>
+          <a:p>
+            <a:pPr marL="285750" indent="-285750">
+              <a:buClr>
+                <a:schemeClr val="bg1"/>
+              </a:buClr>
+              <a:buFont typeface="Wingdings" panose="05000000000000000000" pitchFamily="2" charset="2"/>
+              <a:buChar char="q"/>
+            </a:pPr>
+            <a:r>
+              <a:rPr lang="en-US" dirty="0">
+                <a:solidFill>
+                  <a:schemeClr val="bg1"/>
+                </a:solidFill>
+              </a:rPr>
+              <a:t>Box Plus/Minus (BPM): Box score estimate of points per 100 possessions normalized against the average player</a:t>
+            </a:r>
+          </a:p>
+          <a:p>
+            <a:pPr marL="285750" indent="-285750">
+              <a:buClr>
+                <a:schemeClr val="bg1"/>
+              </a:buClr>
+              <a:buFont typeface="Wingdings" panose="05000000000000000000" pitchFamily="2" charset="2"/>
+              <a:buChar char="q"/>
+            </a:pPr>
+            <a:endParaRPr lang="en-US" dirty="0">
+              <a:solidFill>
+                <a:schemeClr val="bg1"/>
+              </a:solidFill>
+            </a:endParaRPr>
+          </a:p>
+          <a:p>
+            <a:pPr marL="285750" indent="-285750">
+              <a:buClr>
+                <a:schemeClr val="bg1"/>
+              </a:buClr>
+              <a:buFont typeface="Wingdings" panose="05000000000000000000" pitchFamily="2" charset="2"/>
+              <a:buChar char="q"/>
+            </a:pPr>
+            <a:r>
+              <a:rPr lang="en-US" dirty="0">
+                <a:solidFill>
+                  <a:schemeClr val="bg1"/>
+                </a:solidFill>
+              </a:rPr>
+              <a:t>Value Over Replacement Player (VORP): A metric for a players worth compared to a replacement level player.</a:t>
+            </a:r>
+          </a:p>
+          <a:p>
+            <a:pPr algn="ctr">
+              <a:buClr>
+                <a:schemeClr val="bg1"/>
+              </a:buClr>
+            </a:pPr>
+            <a:endParaRPr lang="en-US" dirty="0">
+              <a:solidFill>
+                <a:schemeClr val="bg1"/>
+              </a:solidFill>
+            </a:endParaRPr>
+          </a:p>
+        </p:txBody>
+      </p:sp>
+      <p:sp>
+        <p:nvSpPr>
+          <p:cNvPr id="6" name="TextBox 5">
+            <a:extLst>
+              <a:ext uri="{FF2B5EF4-FFF2-40B4-BE49-F238E27FC236}">
+                <a16:creationId xmlns:a16="http://schemas.microsoft.com/office/drawing/2014/main" id="{5EB6D38D-F179-F5F9-61E4-868132BE1E32}"/>
+              </a:ext>
+            </a:extLst>
+          </p:cNvPr>
+          <p:cNvSpPr txBox="1"/>
+          <p:nvPr/>
+        </p:nvSpPr>
+        <p:spPr>
+          <a:xfrm>
+            <a:off x="713251" y="4676078"/>
+            <a:ext cx="7717500" cy="338554"/>
+          </a:xfrm>
+          <a:prstGeom prst="rect">
+            <a:avLst/>
+          </a:prstGeom>
+          <a:noFill/>
+        </p:spPr>
+        <p:txBody>
+          <a:bodyPr wrap="square" rtlCol="0">
+            <a:spAutoFit/>
+          </a:bodyPr>
+          <a:lstStyle/>
+          <a:p>
+            <a:r>
+              <a:rPr lang="en-US" sz="800" b="0" i="0" dirty="0">
+                <a:solidFill>
+                  <a:schemeClr val="bg1"/>
+                </a:solidFill>
+                <a:effectLst/>
+                <a:latin typeface="+mj-lt"/>
+              </a:rPr>
+              <a:t>* Winston, W. L. (2009). </a:t>
+            </a:r>
+            <a:r>
+              <a:rPr lang="en-US" sz="800" b="0" i="1" dirty="0">
+                <a:solidFill>
+                  <a:schemeClr val="bg1"/>
+                </a:solidFill>
+                <a:effectLst/>
+                <a:latin typeface="+mj-lt"/>
+              </a:rPr>
+              <a:t>Mathletics: how gamblers, managers, and sports enthusiasts use mathematics in baseball, basketball, and football.</a:t>
+            </a:r>
+            <a:r>
+              <a:rPr lang="en-US" sz="800" b="0" i="0" dirty="0">
+                <a:solidFill>
+                  <a:schemeClr val="bg1"/>
+                </a:solidFill>
+                <a:effectLst/>
+                <a:latin typeface="+mj-lt"/>
+              </a:rPr>
+              <a:t> Princeton, Princeton University Press.</a:t>
+            </a:r>
+            <a:endParaRPr lang="en-US" sz="800" dirty="0">
+              <a:solidFill>
+                <a:schemeClr val="bg1"/>
+              </a:solidFill>
+              <a:latin typeface="+mj-lt"/>
+            </a:endParaRPr>
+          </a:p>
+        </p:txBody>
+      </p:sp>
     </p:spTree>
     <p:extLst>
       <p:ext uri="{BB962C8B-B14F-4D97-AF65-F5344CB8AC3E}">
-        <p14:creationId xmlns:p14="http://schemas.microsoft.com/office/powerpoint/2010/main" val="2501046867"/>
+        <p14:creationId xmlns:p14="http://schemas.microsoft.com/office/powerpoint/2010/main" val="2566303867"/>
       </p:ext>
     </p:extLst>
   </p:cSld>
@@ -6759,10 +7731,4307 @@
           <a:chExt cx="0" cy="0"/>
         </a:xfrm>
       </p:grpSpPr>
+      <p:sp>
+        <p:nvSpPr>
+          <p:cNvPr id="2" name="Google Shape;480;p63">
+            <a:extLst>
+              <a:ext uri="{FF2B5EF4-FFF2-40B4-BE49-F238E27FC236}">
+                <a16:creationId xmlns:a16="http://schemas.microsoft.com/office/drawing/2014/main" id="{E4E53FDE-A16C-5C07-74CD-0823EA0AB856}"/>
+              </a:ext>
+            </a:extLst>
+          </p:cNvPr>
+          <p:cNvSpPr txBox="1">
+            <a:spLocks/>
+          </p:cNvSpPr>
+          <p:nvPr/>
+        </p:nvSpPr>
+        <p:spPr>
+          <a:xfrm>
+            <a:off x="713250" y="539525"/>
+            <a:ext cx="7717500" cy="572700"/>
+          </a:xfrm>
+          <a:prstGeom prst="rect">
+            <a:avLst/>
+          </a:prstGeom>
+        </p:spPr>
+        <p:txBody>
+          <a:bodyPr spcFirstLastPara="1" wrap="square" lIns="91425" tIns="91425" rIns="91425" bIns="91425" anchor="ctr" anchorCtr="0">
+            <a:noAutofit/>
+          </a:bodyPr>
+          <a:lstStyle>
+            <a:defPPr marR="0" lvl="0" algn="l" rtl="0">
+              <a:lnSpc>
+                <a:spcPct val="100000"/>
+              </a:lnSpc>
+              <a:spcBef>
+                <a:spcPts val="0"/>
+              </a:spcBef>
+              <a:spcAft>
+                <a:spcPts val="0"/>
+              </a:spcAft>
+            </a:defPPr>
+            <a:lvl1pPr marR="0" lvl="0" algn="l" rtl="0">
+              <a:lnSpc>
+                <a:spcPct val="100000"/>
+              </a:lnSpc>
+              <a:spcBef>
+                <a:spcPts val="0"/>
+              </a:spcBef>
+              <a:spcAft>
+                <a:spcPts val="0"/>
+              </a:spcAft>
+              <a:buClr>
+                <a:srgbClr val="000000"/>
+              </a:buClr>
+              <a:buFont typeface="Arial"/>
+              <a:defRPr sz="1400" b="0" i="0" u="none" strike="noStrike" cap="none">
+                <a:solidFill>
+                  <a:srgbClr val="000000"/>
+                </a:solidFill>
+                <a:latin typeface="Arial"/>
+                <a:ea typeface="Arial"/>
+                <a:cs typeface="Arial"/>
+                <a:sym typeface="Arial"/>
+              </a:defRPr>
+            </a:lvl1pPr>
+            <a:lvl2pPr marR="0" lvl="1" algn="l" rtl="0">
+              <a:lnSpc>
+                <a:spcPct val="100000"/>
+              </a:lnSpc>
+              <a:spcBef>
+                <a:spcPts val="0"/>
+              </a:spcBef>
+              <a:spcAft>
+                <a:spcPts val="0"/>
+              </a:spcAft>
+              <a:buClr>
+                <a:srgbClr val="000000"/>
+              </a:buClr>
+              <a:buFont typeface="Arial"/>
+              <a:defRPr sz="1400" b="0" i="0" u="none" strike="noStrike" cap="none">
+                <a:solidFill>
+                  <a:srgbClr val="000000"/>
+                </a:solidFill>
+                <a:latin typeface="Arial"/>
+                <a:ea typeface="Arial"/>
+                <a:cs typeface="Arial"/>
+                <a:sym typeface="Arial"/>
+              </a:defRPr>
+            </a:lvl2pPr>
+            <a:lvl3pPr marR="0" lvl="2" algn="l" rtl="0">
+              <a:lnSpc>
+                <a:spcPct val="100000"/>
+              </a:lnSpc>
+              <a:spcBef>
+                <a:spcPts val="0"/>
+              </a:spcBef>
+              <a:spcAft>
+                <a:spcPts val="0"/>
+              </a:spcAft>
+              <a:buClr>
+                <a:srgbClr val="000000"/>
+              </a:buClr>
+              <a:buFont typeface="Arial"/>
+              <a:defRPr sz="1400" b="0" i="0" u="none" strike="noStrike" cap="none">
+                <a:solidFill>
+                  <a:srgbClr val="000000"/>
+                </a:solidFill>
+                <a:latin typeface="Arial"/>
+                <a:ea typeface="Arial"/>
+                <a:cs typeface="Arial"/>
+                <a:sym typeface="Arial"/>
+              </a:defRPr>
+            </a:lvl3pPr>
+            <a:lvl4pPr marR="0" lvl="3" algn="l" rtl="0">
+              <a:lnSpc>
+                <a:spcPct val="100000"/>
+              </a:lnSpc>
+              <a:spcBef>
+                <a:spcPts val="0"/>
+              </a:spcBef>
+              <a:spcAft>
+                <a:spcPts val="0"/>
+              </a:spcAft>
+              <a:buClr>
+                <a:srgbClr val="000000"/>
+              </a:buClr>
+              <a:buFont typeface="Arial"/>
+              <a:defRPr sz="1400" b="0" i="0" u="none" strike="noStrike" cap="none">
+                <a:solidFill>
+                  <a:srgbClr val="000000"/>
+                </a:solidFill>
+                <a:latin typeface="Arial"/>
+                <a:ea typeface="Arial"/>
+                <a:cs typeface="Arial"/>
+                <a:sym typeface="Arial"/>
+              </a:defRPr>
+            </a:lvl4pPr>
+            <a:lvl5pPr marR="0" lvl="4" algn="l" rtl="0">
+              <a:lnSpc>
+                <a:spcPct val="100000"/>
+              </a:lnSpc>
+              <a:spcBef>
+                <a:spcPts val="0"/>
+              </a:spcBef>
+              <a:spcAft>
+                <a:spcPts val="0"/>
+              </a:spcAft>
+              <a:buClr>
+                <a:srgbClr val="000000"/>
+              </a:buClr>
+              <a:buFont typeface="Arial"/>
+              <a:defRPr sz="1400" b="0" i="0" u="none" strike="noStrike" cap="none">
+                <a:solidFill>
+                  <a:srgbClr val="000000"/>
+                </a:solidFill>
+                <a:latin typeface="Arial"/>
+                <a:ea typeface="Arial"/>
+                <a:cs typeface="Arial"/>
+                <a:sym typeface="Arial"/>
+              </a:defRPr>
+            </a:lvl5pPr>
+            <a:lvl6pPr marR="0" lvl="5" algn="l" rtl="0">
+              <a:lnSpc>
+                <a:spcPct val="100000"/>
+              </a:lnSpc>
+              <a:spcBef>
+                <a:spcPts val="0"/>
+              </a:spcBef>
+              <a:spcAft>
+                <a:spcPts val="0"/>
+              </a:spcAft>
+              <a:buClr>
+                <a:srgbClr val="000000"/>
+              </a:buClr>
+              <a:buFont typeface="Arial"/>
+              <a:defRPr sz="1400" b="0" i="0" u="none" strike="noStrike" cap="none">
+                <a:solidFill>
+                  <a:srgbClr val="000000"/>
+                </a:solidFill>
+                <a:latin typeface="Arial"/>
+                <a:ea typeface="Arial"/>
+                <a:cs typeface="Arial"/>
+                <a:sym typeface="Arial"/>
+              </a:defRPr>
+            </a:lvl6pPr>
+            <a:lvl7pPr marR="0" lvl="6" algn="l" rtl="0">
+              <a:lnSpc>
+                <a:spcPct val="100000"/>
+              </a:lnSpc>
+              <a:spcBef>
+                <a:spcPts val="0"/>
+              </a:spcBef>
+              <a:spcAft>
+                <a:spcPts val="0"/>
+              </a:spcAft>
+              <a:buClr>
+                <a:srgbClr val="000000"/>
+              </a:buClr>
+              <a:buFont typeface="Arial"/>
+              <a:defRPr sz="1400" b="0" i="0" u="none" strike="noStrike" cap="none">
+                <a:solidFill>
+                  <a:srgbClr val="000000"/>
+                </a:solidFill>
+                <a:latin typeface="Arial"/>
+                <a:ea typeface="Arial"/>
+                <a:cs typeface="Arial"/>
+                <a:sym typeface="Arial"/>
+              </a:defRPr>
+            </a:lvl7pPr>
+            <a:lvl8pPr marR="0" lvl="7" algn="l" rtl="0">
+              <a:lnSpc>
+                <a:spcPct val="100000"/>
+              </a:lnSpc>
+              <a:spcBef>
+                <a:spcPts val="0"/>
+              </a:spcBef>
+              <a:spcAft>
+                <a:spcPts val="0"/>
+              </a:spcAft>
+              <a:buClr>
+                <a:srgbClr val="000000"/>
+              </a:buClr>
+              <a:buFont typeface="Arial"/>
+              <a:defRPr sz="1400" b="0" i="0" u="none" strike="noStrike" cap="none">
+                <a:solidFill>
+                  <a:srgbClr val="000000"/>
+                </a:solidFill>
+                <a:latin typeface="Arial"/>
+                <a:ea typeface="Arial"/>
+                <a:cs typeface="Arial"/>
+                <a:sym typeface="Arial"/>
+              </a:defRPr>
+            </a:lvl8pPr>
+            <a:lvl9pPr marR="0" lvl="8" algn="l" rtl="0">
+              <a:lnSpc>
+                <a:spcPct val="100000"/>
+              </a:lnSpc>
+              <a:spcBef>
+                <a:spcPts val="0"/>
+              </a:spcBef>
+              <a:spcAft>
+                <a:spcPts val="0"/>
+              </a:spcAft>
+              <a:buClr>
+                <a:srgbClr val="000000"/>
+              </a:buClr>
+              <a:buFont typeface="Arial"/>
+              <a:defRPr sz="1400" b="0" i="0" u="none" strike="noStrike" cap="none">
+                <a:solidFill>
+                  <a:srgbClr val="000000"/>
+                </a:solidFill>
+                <a:latin typeface="Arial"/>
+                <a:ea typeface="Arial"/>
+                <a:cs typeface="Arial"/>
+                <a:sym typeface="Arial"/>
+              </a:defRPr>
+            </a:lvl9pPr>
+          </a:lstStyle>
+          <a:p>
+            <a:pPr algn="ctr"/>
+            <a:r>
+              <a:rPr lang="en-US" sz="2800" dirty="0">
+                <a:solidFill>
+                  <a:schemeClr val="lt1"/>
+                </a:solidFill>
+                <a:latin typeface="Alfa Slab One" panose="020B0604020202020204" charset="0"/>
+              </a:rPr>
+              <a:t>Who’s Data Are We Looking At?</a:t>
+            </a:r>
+          </a:p>
+        </p:txBody>
+      </p:sp>
+      <p:sp>
+        <p:nvSpPr>
+          <p:cNvPr id="3" name="TextBox 2">
+            <a:extLst>
+              <a:ext uri="{FF2B5EF4-FFF2-40B4-BE49-F238E27FC236}">
+                <a16:creationId xmlns:a16="http://schemas.microsoft.com/office/drawing/2014/main" id="{65636117-29E4-9178-2CA8-9BA331566F8C}"/>
+              </a:ext>
+            </a:extLst>
+          </p:cNvPr>
+          <p:cNvSpPr txBox="1"/>
+          <p:nvPr/>
+        </p:nvSpPr>
+        <p:spPr>
+          <a:xfrm>
+            <a:off x="862363" y="1525040"/>
+            <a:ext cx="2469579" cy="2462213"/>
+          </a:xfrm>
+          <a:prstGeom prst="rect">
+            <a:avLst/>
+          </a:prstGeom>
+          <a:noFill/>
+        </p:spPr>
+        <p:txBody>
+          <a:bodyPr wrap="square" rtlCol="0">
+            <a:spAutoFit/>
+          </a:bodyPr>
+          <a:lstStyle/>
+          <a:p>
+            <a:pPr marL="285750" indent="-285750">
+              <a:buClr>
+                <a:schemeClr val="bg1"/>
+              </a:buClr>
+              <a:buFont typeface="Wingdings" panose="05000000000000000000" pitchFamily="2" charset="2"/>
+              <a:buChar char="q"/>
+            </a:pPr>
+            <a:r>
+              <a:rPr lang="en-US" dirty="0">
+                <a:solidFill>
+                  <a:schemeClr val="bg1"/>
+                </a:solidFill>
+              </a:rPr>
+              <a:t>NBA rookies who have been drafted in the last ten years (2014-2023)</a:t>
+            </a:r>
+          </a:p>
+          <a:p>
+            <a:pPr marL="285750" indent="-285750">
+              <a:buClr>
+                <a:schemeClr val="bg1"/>
+              </a:buClr>
+              <a:buFont typeface="Wingdings" panose="05000000000000000000" pitchFamily="2" charset="2"/>
+              <a:buChar char="q"/>
+            </a:pPr>
+            <a:endParaRPr lang="en-US" dirty="0">
+              <a:solidFill>
+                <a:schemeClr val="bg1"/>
+              </a:solidFill>
+            </a:endParaRPr>
+          </a:p>
+          <a:p>
+            <a:pPr marL="285750" lvl="8" indent="-285750">
+              <a:buClr>
+                <a:schemeClr val="bg1"/>
+              </a:buClr>
+              <a:buFont typeface="Wingdings" panose="05000000000000000000" pitchFamily="2" charset="2"/>
+              <a:buChar char="q"/>
+            </a:pPr>
+            <a:r>
+              <a:rPr lang="en-US" dirty="0">
+                <a:solidFill>
+                  <a:schemeClr val="bg1"/>
+                </a:solidFill>
+              </a:rPr>
+              <a:t>An NBA Draft consist of two rounds of thirty picks, sixty in total</a:t>
+            </a:r>
+          </a:p>
+          <a:p>
+            <a:pPr marL="285750" lvl="8" indent="-285750">
+              <a:buClr>
+                <a:schemeClr val="bg1"/>
+              </a:buClr>
+              <a:buFont typeface="Wingdings" panose="05000000000000000000" pitchFamily="2" charset="2"/>
+              <a:buChar char="q"/>
+            </a:pPr>
+            <a:endParaRPr lang="en-US" dirty="0">
+              <a:solidFill>
+                <a:schemeClr val="bg1"/>
+              </a:solidFill>
+            </a:endParaRPr>
+          </a:p>
+          <a:p>
+            <a:pPr marL="285750" lvl="8" indent="-285750">
+              <a:buClr>
+                <a:schemeClr val="bg1"/>
+              </a:buClr>
+              <a:buFont typeface="Wingdings" panose="05000000000000000000" pitchFamily="2" charset="2"/>
+              <a:buChar char="q"/>
+            </a:pPr>
+            <a:r>
+              <a:rPr lang="en-US" dirty="0">
+                <a:solidFill>
+                  <a:schemeClr val="bg1"/>
+                </a:solidFill>
+              </a:rPr>
+              <a:t>All statistics come from the rookie year of the athlete</a:t>
+            </a:r>
+          </a:p>
+        </p:txBody>
+      </p:sp>
+      <p:pic>
+        <p:nvPicPr>
+          <p:cNvPr id="7" name="Picture 6" descr="A graph of a number of different colored bars&#10;&#10;Description automatically generated with medium confidence">
+            <a:extLst>
+              <a:ext uri="{FF2B5EF4-FFF2-40B4-BE49-F238E27FC236}">
+                <a16:creationId xmlns:a16="http://schemas.microsoft.com/office/drawing/2014/main" id="{6E1FB403-1EB4-27D8-8D09-58A430D77F83}"/>
+              </a:ext>
+            </a:extLst>
+          </p:cNvPr>
+          <p:cNvPicPr>
+            <a:picLocks noChangeAspect="1"/>
+          </p:cNvPicPr>
+          <p:nvPr/>
+        </p:nvPicPr>
+        <p:blipFill>
+          <a:blip r:embed="rId2"/>
+          <a:stretch>
+            <a:fillRect/>
+          </a:stretch>
+        </p:blipFill>
+        <p:spPr>
+          <a:xfrm>
+            <a:off x="3331942" y="1271239"/>
+            <a:ext cx="4949695" cy="2969817"/>
+          </a:xfrm>
+          <a:prstGeom prst="rect">
+            <a:avLst/>
+          </a:prstGeom>
+        </p:spPr>
+      </p:pic>
     </p:spTree>
     <p:extLst>
       <p:ext uri="{BB962C8B-B14F-4D97-AF65-F5344CB8AC3E}">
-        <p14:creationId xmlns:p14="http://schemas.microsoft.com/office/powerpoint/2010/main" val="2566303867"/>
+        <p14:creationId xmlns:p14="http://schemas.microsoft.com/office/powerpoint/2010/main" val="1917241445"/>
+      </p:ext>
+    </p:extLst>
+  </p:cSld>
+  <p:clrMapOvr>
+    <a:masterClrMapping/>
+  </p:clrMapOvr>
+</p:sld>
+</file>
+
+<file path=ppt/slides/slide5.xml><?xml version="1.0" encoding="utf-8"?>
+<p:sld xmlns:a="http://schemas.openxmlformats.org/drawingml/2006/main" xmlns:r="http://schemas.openxmlformats.org/officeDocument/2006/relationships" xmlns:p="http://schemas.openxmlformats.org/presentationml/2006/main">
+  <p:cSld>
+    <p:spTree>
+      <p:nvGrpSpPr>
+        <p:cNvPr id="1" name=""/>
+        <p:cNvGrpSpPr/>
+        <p:nvPr/>
+      </p:nvGrpSpPr>
+      <p:grpSpPr>
+        <a:xfrm>
+          <a:off x="0" y="0"/>
+          <a:ext cx="0" cy="0"/>
+          <a:chOff x="0" y="0"/>
+          <a:chExt cx="0" cy="0"/>
+        </a:xfrm>
+      </p:grpSpPr>
+      <p:sp>
+        <p:nvSpPr>
+          <p:cNvPr id="2" name="Google Shape;480;p63">
+            <a:extLst>
+              <a:ext uri="{FF2B5EF4-FFF2-40B4-BE49-F238E27FC236}">
+                <a16:creationId xmlns:a16="http://schemas.microsoft.com/office/drawing/2014/main" id="{9F35CD73-536A-D308-A0A2-3D1785C7F79B}"/>
+              </a:ext>
+            </a:extLst>
+          </p:cNvPr>
+          <p:cNvSpPr txBox="1">
+            <a:spLocks/>
+          </p:cNvSpPr>
+          <p:nvPr/>
+        </p:nvSpPr>
+        <p:spPr>
+          <a:xfrm>
+            <a:off x="713250" y="539525"/>
+            <a:ext cx="7717500" cy="572700"/>
+          </a:xfrm>
+          <a:prstGeom prst="rect">
+            <a:avLst/>
+          </a:prstGeom>
+        </p:spPr>
+        <p:txBody>
+          <a:bodyPr spcFirstLastPara="1" wrap="square" lIns="91425" tIns="91425" rIns="91425" bIns="91425" anchor="ctr" anchorCtr="0">
+            <a:noAutofit/>
+          </a:bodyPr>
+          <a:lstStyle>
+            <a:defPPr marR="0" lvl="0" algn="l" rtl="0">
+              <a:lnSpc>
+                <a:spcPct val="100000"/>
+              </a:lnSpc>
+              <a:spcBef>
+                <a:spcPts val="0"/>
+              </a:spcBef>
+              <a:spcAft>
+                <a:spcPts val="0"/>
+              </a:spcAft>
+            </a:defPPr>
+            <a:lvl1pPr marR="0" lvl="0" algn="l" rtl="0">
+              <a:lnSpc>
+                <a:spcPct val="100000"/>
+              </a:lnSpc>
+              <a:spcBef>
+                <a:spcPts val="0"/>
+              </a:spcBef>
+              <a:spcAft>
+                <a:spcPts val="0"/>
+              </a:spcAft>
+              <a:buClr>
+                <a:srgbClr val="000000"/>
+              </a:buClr>
+              <a:buFont typeface="Arial"/>
+              <a:defRPr sz="1400" b="0" i="0" u="none" strike="noStrike" cap="none">
+                <a:solidFill>
+                  <a:srgbClr val="000000"/>
+                </a:solidFill>
+                <a:latin typeface="Arial"/>
+                <a:ea typeface="Arial"/>
+                <a:cs typeface="Arial"/>
+                <a:sym typeface="Arial"/>
+              </a:defRPr>
+            </a:lvl1pPr>
+            <a:lvl2pPr marR="0" lvl="1" algn="l" rtl="0">
+              <a:lnSpc>
+                <a:spcPct val="100000"/>
+              </a:lnSpc>
+              <a:spcBef>
+                <a:spcPts val="0"/>
+              </a:spcBef>
+              <a:spcAft>
+                <a:spcPts val="0"/>
+              </a:spcAft>
+              <a:buClr>
+                <a:srgbClr val="000000"/>
+              </a:buClr>
+              <a:buFont typeface="Arial"/>
+              <a:defRPr sz="1400" b="0" i="0" u="none" strike="noStrike" cap="none">
+                <a:solidFill>
+                  <a:srgbClr val="000000"/>
+                </a:solidFill>
+                <a:latin typeface="Arial"/>
+                <a:ea typeface="Arial"/>
+                <a:cs typeface="Arial"/>
+                <a:sym typeface="Arial"/>
+              </a:defRPr>
+            </a:lvl2pPr>
+            <a:lvl3pPr marR="0" lvl="2" algn="l" rtl="0">
+              <a:lnSpc>
+                <a:spcPct val="100000"/>
+              </a:lnSpc>
+              <a:spcBef>
+                <a:spcPts val="0"/>
+              </a:spcBef>
+              <a:spcAft>
+                <a:spcPts val="0"/>
+              </a:spcAft>
+              <a:buClr>
+                <a:srgbClr val="000000"/>
+              </a:buClr>
+              <a:buFont typeface="Arial"/>
+              <a:defRPr sz="1400" b="0" i="0" u="none" strike="noStrike" cap="none">
+                <a:solidFill>
+                  <a:srgbClr val="000000"/>
+                </a:solidFill>
+                <a:latin typeface="Arial"/>
+                <a:ea typeface="Arial"/>
+                <a:cs typeface="Arial"/>
+                <a:sym typeface="Arial"/>
+              </a:defRPr>
+            </a:lvl3pPr>
+            <a:lvl4pPr marR="0" lvl="3" algn="l" rtl="0">
+              <a:lnSpc>
+                <a:spcPct val="100000"/>
+              </a:lnSpc>
+              <a:spcBef>
+                <a:spcPts val="0"/>
+              </a:spcBef>
+              <a:spcAft>
+                <a:spcPts val="0"/>
+              </a:spcAft>
+              <a:buClr>
+                <a:srgbClr val="000000"/>
+              </a:buClr>
+              <a:buFont typeface="Arial"/>
+              <a:defRPr sz="1400" b="0" i="0" u="none" strike="noStrike" cap="none">
+                <a:solidFill>
+                  <a:srgbClr val="000000"/>
+                </a:solidFill>
+                <a:latin typeface="Arial"/>
+                <a:ea typeface="Arial"/>
+                <a:cs typeface="Arial"/>
+                <a:sym typeface="Arial"/>
+              </a:defRPr>
+            </a:lvl4pPr>
+            <a:lvl5pPr marR="0" lvl="4" algn="l" rtl="0">
+              <a:lnSpc>
+                <a:spcPct val="100000"/>
+              </a:lnSpc>
+              <a:spcBef>
+                <a:spcPts val="0"/>
+              </a:spcBef>
+              <a:spcAft>
+                <a:spcPts val="0"/>
+              </a:spcAft>
+              <a:buClr>
+                <a:srgbClr val="000000"/>
+              </a:buClr>
+              <a:buFont typeface="Arial"/>
+              <a:defRPr sz="1400" b="0" i="0" u="none" strike="noStrike" cap="none">
+                <a:solidFill>
+                  <a:srgbClr val="000000"/>
+                </a:solidFill>
+                <a:latin typeface="Arial"/>
+                <a:ea typeface="Arial"/>
+                <a:cs typeface="Arial"/>
+                <a:sym typeface="Arial"/>
+              </a:defRPr>
+            </a:lvl5pPr>
+            <a:lvl6pPr marR="0" lvl="5" algn="l" rtl="0">
+              <a:lnSpc>
+                <a:spcPct val="100000"/>
+              </a:lnSpc>
+              <a:spcBef>
+                <a:spcPts val="0"/>
+              </a:spcBef>
+              <a:spcAft>
+                <a:spcPts val="0"/>
+              </a:spcAft>
+              <a:buClr>
+                <a:srgbClr val="000000"/>
+              </a:buClr>
+              <a:buFont typeface="Arial"/>
+              <a:defRPr sz="1400" b="0" i="0" u="none" strike="noStrike" cap="none">
+                <a:solidFill>
+                  <a:srgbClr val="000000"/>
+                </a:solidFill>
+                <a:latin typeface="Arial"/>
+                <a:ea typeface="Arial"/>
+                <a:cs typeface="Arial"/>
+                <a:sym typeface="Arial"/>
+              </a:defRPr>
+            </a:lvl6pPr>
+            <a:lvl7pPr marR="0" lvl="6" algn="l" rtl="0">
+              <a:lnSpc>
+                <a:spcPct val="100000"/>
+              </a:lnSpc>
+              <a:spcBef>
+                <a:spcPts val="0"/>
+              </a:spcBef>
+              <a:spcAft>
+                <a:spcPts val="0"/>
+              </a:spcAft>
+              <a:buClr>
+                <a:srgbClr val="000000"/>
+              </a:buClr>
+              <a:buFont typeface="Arial"/>
+              <a:defRPr sz="1400" b="0" i="0" u="none" strike="noStrike" cap="none">
+                <a:solidFill>
+                  <a:srgbClr val="000000"/>
+                </a:solidFill>
+                <a:latin typeface="Arial"/>
+                <a:ea typeface="Arial"/>
+                <a:cs typeface="Arial"/>
+                <a:sym typeface="Arial"/>
+              </a:defRPr>
+            </a:lvl7pPr>
+            <a:lvl8pPr marR="0" lvl="7" algn="l" rtl="0">
+              <a:lnSpc>
+                <a:spcPct val="100000"/>
+              </a:lnSpc>
+              <a:spcBef>
+                <a:spcPts val="0"/>
+              </a:spcBef>
+              <a:spcAft>
+                <a:spcPts val="0"/>
+              </a:spcAft>
+              <a:buClr>
+                <a:srgbClr val="000000"/>
+              </a:buClr>
+              <a:buFont typeface="Arial"/>
+              <a:defRPr sz="1400" b="0" i="0" u="none" strike="noStrike" cap="none">
+                <a:solidFill>
+                  <a:srgbClr val="000000"/>
+                </a:solidFill>
+                <a:latin typeface="Arial"/>
+                <a:ea typeface="Arial"/>
+                <a:cs typeface="Arial"/>
+                <a:sym typeface="Arial"/>
+              </a:defRPr>
+            </a:lvl8pPr>
+            <a:lvl9pPr marR="0" lvl="8" algn="l" rtl="0">
+              <a:lnSpc>
+                <a:spcPct val="100000"/>
+              </a:lnSpc>
+              <a:spcBef>
+                <a:spcPts val="0"/>
+              </a:spcBef>
+              <a:spcAft>
+                <a:spcPts val="0"/>
+              </a:spcAft>
+              <a:buClr>
+                <a:srgbClr val="000000"/>
+              </a:buClr>
+              <a:buFont typeface="Arial"/>
+              <a:defRPr sz="1400" b="0" i="0" u="none" strike="noStrike" cap="none">
+                <a:solidFill>
+                  <a:srgbClr val="000000"/>
+                </a:solidFill>
+                <a:latin typeface="Arial"/>
+                <a:ea typeface="Arial"/>
+                <a:cs typeface="Arial"/>
+                <a:sym typeface="Arial"/>
+              </a:defRPr>
+            </a:lvl9pPr>
+          </a:lstStyle>
+          <a:p>
+            <a:pPr algn="ctr"/>
+            <a:endParaRPr lang="en-US" sz="2800" dirty="0">
+              <a:solidFill>
+                <a:schemeClr val="lt1"/>
+              </a:solidFill>
+              <a:latin typeface="Alfa Slab One" panose="020B0604020202020204" charset="0"/>
+            </a:endParaRPr>
+          </a:p>
+        </p:txBody>
+      </p:sp>
+      <p:sp>
+        <p:nvSpPr>
+          <p:cNvPr id="5" name="Google Shape;480;p63">
+            <a:extLst>
+              <a:ext uri="{FF2B5EF4-FFF2-40B4-BE49-F238E27FC236}">
+                <a16:creationId xmlns:a16="http://schemas.microsoft.com/office/drawing/2014/main" id="{A920EB35-0A71-FE51-C31B-5BC540752E83}"/>
+              </a:ext>
+            </a:extLst>
+          </p:cNvPr>
+          <p:cNvSpPr txBox="1">
+            <a:spLocks/>
+          </p:cNvSpPr>
+          <p:nvPr/>
+        </p:nvSpPr>
+        <p:spPr>
+          <a:xfrm>
+            <a:off x="713250" y="552758"/>
+            <a:ext cx="7717500" cy="867164"/>
+          </a:xfrm>
+          <a:prstGeom prst="rect">
+            <a:avLst/>
+          </a:prstGeom>
+        </p:spPr>
+        <p:txBody>
+          <a:bodyPr spcFirstLastPara="1" wrap="square" lIns="91425" tIns="91425" rIns="91425" bIns="91425" anchor="ctr" anchorCtr="0">
+            <a:noAutofit/>
+          </a:bodyPr>
+          <a:lstStyle>
+            <a:defPPr marR="0" lvl="0" algn="l" rtl="0">
+              <a:lnSpc>
+                <a:spcPct val="100000"/>
+              </a:lnSpc>
+              <a:spcBef>
+                <a:spcPts val="0"/>
+              </a:spcBef>
+              <a:spcAft>
+                <a:spcPts val="0"/>
+              </a:spcAft>
+            </a:defPPr>
+            <a:lvl1pPr marR="0" lvl="0" algn="l" rtl="0">
+              <a:lnSpc>
+                <a:spcPct val="100000"/>
+              </a:lnSpc>
+              <a:spcBef>
+                <a:spcPts val="0"/>
+              </a:spcBef>
+              <a:spcAft>
+                <a:spcPts val="0"/>
+              </a:spcAft>
+              <a:buClr>
+                <a:srgbClr val="000000"/>
+              </a:buClr>
+              <a:buFont typeface="Arial"/>
+              <a:defRPr sz="1400" b="0" i="0" u="none" strike="noStrike" cap="none">
+                <a:solidFill>
+                  <a:srgbClr val="000000"/>
+                </a:solidFill>
+                <a:latin typeface="Arial"/>
+                <a:ea typeface="Arial"/>
+                <a:cs typeface="Arial"/>
+                <a:sym typeface="Arial"/>
+              </a:defRPr>
+            </a:lvl1pPr>
+            <a:lvl2pPr marR="0" lvl="1" algn="l" rtl="0">
+              <a:lnSpc>
+                <a:spcPct val="100000"/>
+              </a:lnSpc>
+              <a:spcBef>
+                <a:spcPts val="0"/>
+              </a:spcBef>
+              <a:spcAft>
+                <a:spcPts val="0"/>
+              </a:spcAft>
+              <a:buClr>
+                <a:srgbClr val="000000"/>
+              </a:buClr>
+              <a:buFont typeface="Arial"/>
+              <a:defRPr sz="1400" b="0" i="0" u="none" strike="noStrike" cap="none">
+                <a:solidFill>
+                  <a:srgbClr val="000000"/>
+                </a:solidFill>
+                <a:latin typeface="Arial"/>
+                <a:ea typeface="Arial"/>
+                <a:cs typeface="Arial"/>
+                <a:sym typeface="Arial"/>
+              </a:defRPr>
+            </a:lvl2pPr>
+            <a:lvl3pPr marR="0" lvl="2" algn="l" rtl="0">
+              <a:lnSpc>
+                <a:spcPct val="100000"/>
+              </a:lnSpc>
+              <a:spcBef>
+                <a:spcPts val="0"/>
+              </a:spcBef>
+              <a:spcAft>
+                <a:spcPts val="0"/>
+              </a:spcAft>
+              <a:buClr>
+                <a:srgbClr val="000000"/>
+              </a:buClr>
+              <a:buFont typeface="Arial"/>
+              <a:defRPr sz="1400" b="0" i="0" u="none" strike="noStrike" cap="none">
+                <a:solidFill>
+                  <a:srgbClr val="000000"/>
+                </a:solidFill>
+                <a:latin typeface="Arial"/>
+                <a:ea typeface="Arial"/>
+                <a:cs typeface="Arial"/>
+                <a:sym typeface="Arial"/>
+              </a:defRPr>
+            </a:lvl3pPr>
+            <a:lvl4pPr marR="0" lvl="3" algn="l" rtl="0">
+              <a:lnSpc>
+                <a:spcPct val="100000"/>
+              </a:lnSpc>
+              <a:spcBef>
+                <a:spcPts val="0"/>
+              </a:spcBef>
+              <a:spcAft>
+                <a:spcPts val="0"/>
+              </a:spcAft>
+              <a:buClr>
+                <a:srgbClr val="000000"/>
+              </a:buClr>
+              <a:buFont typeface="Arial"/>
+              <a:defRPr sz="1400" b="0" i="0" u="none" strike="noStrike" cap="none">
+                <a:solidFill>
+                  <a:srgbClr val="000000"/>
+                </a:solidFill>
+                <a:latin typeface="Arial"/>
+                <a:ea typeface="Arial"/>
+                <a:cs typeface="Arial"/>
+                <a:sym typeface="Arial"/>
+              </a:defRPr>
+            </a:lvl4pPr>
+            <a:lvl5pPr marR="0" lvl="4" algn="l" rtl="0">
+              <a:lnSpc>
+                <a:spcPct val="100000"/>
+              </a:lnSpc>
+              <a:spcBef>
+                <a:spcPts val="0"/>
+              </a:spcBef>
+              <a:spcAft>
+                <a:spcPts val="0"/>
+              </a:spcAft>
+              <a:buClr>
+                <a:srgbClr val="000000"/>
+              </a:buClr>
+              <a:buFont typeface="Arial"/>
+              <a:defRPr sz="1400" b="0" i="0" u="none" strike="noStrike" cap="none">
+                <a:solidFill>
+                  <a:srgbClr val="000000"/>
+                </a:solidFill>
+                <a:latin typeface="Arial"/>
+                <a:ea typeface="Arial"/>
+                <a:cs typeface="Arial"/>
+                <a:sym typeface="Arial"/>
+              </a:defRPr>
+            </a:lvl5pPr>
+            <a:lvl6pPr marR="0" lvl="5" algn="l" rtl="0">
+              <a:lnSpc>
+                <a:spcPct val="100000"/>
+              </a:lnSpc>
+              <a:spcBef>
+                <a:spcPts val="0"/>
+              </a:spcBef>
+              <a:spcAft>
+                <a:spcPts val="0"/>
+              </a:spcAft>
+              <a:buClr>
+                <a:srgbClr val="000000"/>
+              </a:buClr>
+              <a:buFont typeface="Arial"/>
+              <a:defRPr sz="1400" b="0" i="0" u="none" strike="noStrike" cap="none">
+                <a:solidFill>
+                  <a:srgbClr val="000000"/>
+                </a:solidFill>
+                <a:latin typeface="Arial"/>
+                <a:ea typeface="Arial"/>
+                <a:cs typeface="Arial"/>
+                <a:sym typeface="Arial"/>
+              </a:defRPr>
+            </a:lvl6pPr>
+            <a:lvl7pPr marR="0" lvl="6" algn="l" rtl="0">
+              <a:lnSpc>
+                <a:spcPct val="100000"/>
+              </a:lnSpc>
+              <a:spcBef>
+                <a:spcPts val="0"/>
+              </a:spcBef>
+              <a:spcAft>
+                <a:spcPts val="0"/>
+              </a:spcAft>
+              <a:buClr>
+                <a:srgbClr val="000000"/>
+              </a:buClr>
+              <a:buFont typeface="Arial"/>
+              <a:defRPr sz="1400" b="0" i="0" u="none" strike="noStrike" cap="none">
+                <a:solidFill>
+                  <a:srgbClr val="000000"/>
+                </a:solidFill>
+                <a:latin typeface="Arial"/>
+                <a:ea typeface="Arial"/>
+                <a:cs typeface="Arial"/>
+                <a:sym typeface="Arial"/>
+              </a:defRPr>
+            </a:lvl7pPr>
+            <a:lvl8pPr marR="0" lvl="7" algn="l" rtl="0">
+              <a:lnSpc>
+                <a:spcPct val="100000"/>
+              </a:lnSpc>
+              <a:spcBef>
+                <a:spcPts val="0"/>
+              </a:spcBef>
+              <a:spcAft>
+                <a:spcPts val="0"/>
+              </a:spcAft>
+              <a:buClr>
+                <a:srgbClr val="000000"/>
+              </a:buClr>
+              <a:buFont typeface="Arial"/>
+              <a:defRPr sz="1400" b="0" i="0" u="none" strike="noStrike" cap="none">
+                <a:solidFill>
+                  <a:srgbClr val="000000"/>
+                </a:solidFill>
+                <a:latin typeface="Arial"/>
+                <a:ea typeface="Arial"/>
+                <a:cs typeface="Arial"/>
+                <a:sym typeface="Arial"/>
+              </a:defRPr>
+            </a:lvl8pPr>
+            <a:lvl9pPr marR="0" lvl="8" algn="l" rtl="0">
+              <a:lnSpc>
+                <a:spcPct val="100000"/>
+              </a:lnSpc>
+              <a:spcBef>
+                <a:spcPts val="0"/>
+              </a:spcBef>
+              <a:spcAft>
+                <a:spcPts val="0"/>
+              </a:spcAft>
+              <a:buClr>
+                <a:srgbClr val="000000"/>
+              </a:buClr>
+              <a:buFont typeface="Arial"/>
+              <a:defRPr sz="1400" b="0" i="0" u="none" strike="noStrike" cap="none">
+                <a:solidFill>
+                  <a:srgbClr val="000000"/>
+                </a:solidFill>
+                <a:latin typeface="Arial"/>
+                <a:ea typeface="Arial"/>
+                <a:cs typeface="Arial"/>
+                <a:sym typeface="Arial"/>
+              </a:defRPr>
+            </a:lvl9pPr>
+          </a:lstStyle>
+          <a:p>
+            <a:pPr algn="ctr"/>
+            <a:r>
+              <a:rPr lang="en-US" sz="2800" u="sng" dirty="0">
+                <a:solidFill>
+                  <a:schemeClr val="lt1"/>
+                </a:solidFill>
+                <a:latin typeface="Alfa Slab One" panose="020B0604020202020204" charset="0"/>
+              </a:rPr>
+              <a:t>Analyzing Team’s Scouting Department</a:t>
+            </a:r>
+          </a:p>
+          <a:p>
+            <a:pPr algn="ctr"/>
+            <a:r>
+              <a:rPr lang="en-US" dirty="0">
+                <a:solidFill>
+                  <a:schemeClr val="lt1"/>
+                </a:solidFill>
+                <a:latin typeface="Alfa Slab One" panose="020B0604020202020204" charset="0"/>
+              </a:rPr>
+              <a:t>Average Player Efficiency Rating for Each Team</a:t>
+            </a:r>
+          </a:p>
+        </p:txBody>
+      </p:sp>
+      <p:pic>
+        <p:nvPicPr>
+          <p:cNvPr id="8" name="Picture 7">
+            <a:extLst>
+              <a:ext uri="{FF2B5EF4-FFF2-40B4-BE49-F238E27FC236}">
+                <a16:creationId xmlns:a16="http://schemas.microsoft.com/office/drawing/2014/main" id="{B026513E-AC36-9D9B-2309-FB808FAB8EDA}"/>
+              </a:ext>
+            </a:extLst>
+          </p:cNvPr>
+          <p:cNvPicPr>
+            <a:picLocks noChangeAspect="1"/>
+          </p:cNvPicPr>
+          <p:nvPr/>
+        </p:nvPicPr>
+        <p:blipFill>
+          <a:blip r:embed="rId2"/>
+          <a:stretch>
+            <a:fillRect/>
+          </a:stretch>
+        </p:blipFill>
+        <p:spPr>
+          <a:xfrm>
+            <a:off x="860564" y="1714442"/>
+            <a:ext cx="7422872" cy="2495807"/>
+          </a:xfrm>
+          <a:prstGeom prst="rect">
+            <a:avLst/>
+          </a:prstGeom>
+        </p:spPr>
+      </p:pic>
+    </p:spTree>
+    <p:extLst>
+      <p:ext uri="{BB962C8B-B14F-4D97-AF65-F5344CB8AC3E}">
+        <p14:creationId xmlns:p14="http://schemas.microsoft.com/office/powerpoint/2010/main" val="2501046867"/>
+      </p:ext>
+    </p:extLst>
+  </p:cSld>
+  <p:clrMapOvr>
+    <a:masterClrMapping/>
+  </p:clrMapOvr>
+</p:sld>
+</file>
+
+<file path=ppt/slides/slide6.xml><?xml version="1.0" encoding="utf-8"?>
+<p:sld xmlns:a="http://schemas.openxmlformats.org/drawingml/2006/main" xmlns:r="http://schemas.openxmlformats.org/officeDocument/2006/relationships" xmlns:p="http://schemas.openxmlformats.org/presentationml/2006/main">
+  <p:cSld>
+    <p:spTree>
+      <p:nvGrpSpPr>
+        <p:cNvPr id="1" name=""/>
+        <p:cNvGrpSpPr/>
+        <p:nvPr/>
+      </p:nvGrpSpPr>
+      <p:grpSpPr>
+        <a:xfrm>
+          <a:off x="0" y="0"/>
+          <a:ext cx="0" cy="0"/>
+          <a:chOff x="0" y="0"/>
+          <a:chExt cx="0" cy="0"/>
+        </a:xfrm>
+      </p:grpSpPr>
+      <p:sp>
+        <p:nvSpPr>
+          <p:cNvPr id="2" name="Google Shape;480;p63">
+            <a:extLst>
+              <a:ext uri="{FF2B5EF4-FFF2-40B4-BE49-F238E27FC236}">
+                <a16:creationId xmlns:a16="http://schemas.microsoft.com/office/drawing/2014/main" id="{49C6CFFE-42C7-9581-97FB-4A6D2901E6B0}"/>
+              </a:ext>
+            </a:extLst>
+          </p:cNvPr>
+          <p:cNvSpPr txBox="1">
+            <a:spLocks/>
+          </p:cNvSpPr>
+          <p:nvPr/>
+        </p:nvSpPr>
+        <p:spPr>
+          <a:xfrm>
+            <a:off x="713250" y="552758"/>
+            <a:ext cx="7717500" cy="572700"/>
+          </a:xfrm>
+          <a:prstGeom prst="rect">
+            <a:avLst/>
+          </a:prstGeom>
+        </p:spPr>
+        <p:txBody>
+          <a:bodyPr spcFirstLastPara="1" wrap="square" lIns="91425" tIns="91425" rIns="91425" bIns="91425" anchor="ctr" anchorCtr="0">
+            <a:noAutofit/>
+          </a:bodyPr>
+          <a:lstStyle>
+            <a:defPPr marR="0" lvl="0" algn="l" rtl="0">
+              <a:lnSpc>
+                <a:spcPct val="100000"/>
+              </a:lnSpc>
+              <a:spcBef>
+                <a:spcPts val="0"/>
+              </a:spcBef>
+              <a:spcAft>
+                <a:spcPts val="0"/>
+              </a:spcAft>
+            </a:defPPr>
+            <a:lvl1pPr marR="0" lvl="0" algn="l" rtl="0">
+              <a:lnSpc>
+                <a:spcPct val="100000"/>
+              </a:lnSpc>
+              <a:spcBef>
+                <a:spcPts val="0"/>
+              </a:spcBef>
+              <a:spcAft>
+                <a:spcPts val="0"/>
+              </a:spcAft>
+              <a:buClr>
+                <a:srgbClr val="000000"/>
+              </a:buClr>
+              <a:buFont typeface="Arial"/>
+              <a:defRPr sz="1400" b="0" i="0" u="none" strike="noStrike" cap="none">
+                <a:solidFill>
+                  <a:srgbClr val="000000"/>
+                </a:solidFill>
+                <a:latin typeface="Arial"/>
+                <a:ea typeface="Arial"/>
+                <a:cs typeface="Arial"/>
+                <a:sym typeface="Arial"/>
+              </a:defRPr>
+            </a:lvl1pPr>
+            <a:lvl2pPr marR="0" lvl="1" algn="l" rtl="0">
+              <a:lnSpc>
+                <a:spcPct val="100000"/>
+              </a:lnSpc>
+              <a:spcBef>
+                <a:spcPts val="0"/>
+              </a:spcBef>
+              <a:spcAft>
+                <a:spcPts val="0"/>
+              </a:spcAft>
+              <a:buClr>
+                <a:srgbClr val="000000"/>
+              </a:buClr>
+              <a:buFont typeface="Arial"/>
+              <a:defRPr sz="1400" b="0" i="0" u="none" strike="noStrike" cap="none">
+                <a:solidFill>
+                  <a:srgbClr val="000000"/>
+                </a:solidFill>
+                <a:latin typeface="Arial"/>
+                <a:ea typeface="Arial"/>
+                <a:cs typeface="Arial"/>
+                <a:sym typeface="Arial"/>
+              </a:defRPr>
+            </a:lvl2pPr>
+            <a:lvl3pPr marR="0" lvl="2" algn="l" rtl="0">
+              <a:lnSpc>
+                <a:spcPct val="100000"/>
+              </a:lnSpc>
+              <a:spcBef>
+                <a:spcPts val="0"/>
+              </a:spcBef>
+              <a:spcAft>
+                <a:spcPts val="0"/>
+              </a:spcAft>
+              <a:buClr>
+                <a:srgbClr val="000000"/>
+              </a:buClr>
+              <a:buFont typeface="Arial"/>
+              <a:defRPr sz="1400" b="0" i="0" u="none" strike="noStrike" cap="none">
+                <a:solidFill>
+                  <a:srgbClr val="000000"/>
+                </a:solidFill>
+                <a:latin typeface="Arial"/>
+                <a:ea typeface="Arial"/>
+                <a:cs typeface="Arial"/>
+                <a:sym typeface="Arial"/>
+              </a:defRPr>
+            </a:lvl3pPr>
+            <a:lvl4pPr marR="0" lvl="3" algn="l" rtl="0">
+              <a:lnSpc>
+                <a:spcPct val="100000"/>
+              </a:lnSpc>
+              <a:spcBef>
+                <a:spcPts val="0"/>
+              </a:spcBef>
+              <a:spcAft>
+                <a:spcPts val="0"/>
+              </a:spcAft>
+              <a:buClr>
+                <a:srgbClr val="000000"/>
+              </a:buClr>
+              <a:buFont typeface="Arial"/>
+              <a:defRPr sz="1400" b="0" i="0" u="none" strike="noStrike" cap="none">
+                <a:solidFill>
+                  <a:srgbClr val="000000"/>
+                </a:solidFill>
+                <a:latin typeface="Arial"/>
+                <a:ea typeface="Arial"/>
+                <a:cs typeface="Arial"/>
+                <a:sym typeface="Arial"/>
+              </a:defRPr>
+            </a:lvl4pPr>
+            <a:lvl5pPr marR="0" lvl="4" algn="l" rtl="0">
+              <a:lnSpc>
+                <a:spcPct val="100000"/>
+              </a:lnSpc>
+              <a:spcBef>
+                <a:spcPts val="0"/>
+              </a:spcBef>
+              <a:spcAft>
+                <a:spcPts val="0"/>
+              </a:spcAft>
+              <a:buClr>
+                <a:srgbClr val="000000"/>
+              </a:buClr>
+              <a:buFont typeface="Arial"/>
+              <a:defRPr sz="1400" b="0" i="0" u="none" strike="noStrike" cap="none">
+                <a:solidFill>
+                  <a:srgbClr val="000000"/>
+                </a:solidFill>
+                <a:latin typeface="Arial"/>
+                <a:ea typeface="Arial"/>
+                <a:cs typeface="Arial"/>
+                <a:sym typeface="Arial"/>
+              </a:defRPr>
+            </a:lvl5pPr>
+            <a:lvl6pPr marR="0" lvl="5" algn="l" rtl="0">
+              <a:lnSpc>
+                <a:spcPct val="100000"/>
+              </a:lnSpc>
+              <a:spcBef>
+                <a:spcPts val="0"/>
+              </a:spcBef>
+              <a:spcAft>
+                <a:spcPts val="0"/>
+              </a:spcAft>
+              <a:buClr>
+                <a:srgbClr val="000000"/>
+              </a:buClr>
+              <a:buFont typeface="Arial"/>
+              <a:defRPr sz="1400" b="0" i="0" u="none" strike="noStrike" cap="none">
+                <a:solidFill>
+                  <a:srgbClr val="000000"/>
+                </a:solidFill>
+                <a:latin typeface="Arial"/>
+                <a:ea typeface="Arial"/>
+                <a:cs typeface="Arial"/>
+                <a:sym typeface="Arial"/>
+              </a:defRPr>
+            </a:lvl6pPr>
+            <a:lvl7pPr marR="0" lvl="6" algn="l" rtl="0">
+              <a:lnSpc>
+                <a:spcPct val="100000"/>
+              </a:lnSpc>
+              <a:spcBef>
+                <a:spcPts val="0"/>
+              </a:spcBef>
+              <a:spcAft>
+                <a:spcPts val="0"/>
+              </a:spcAft>
+              <a:buClr>
+                <a:srgbClr val="000000"/>
+              </a:buClr>
+              <a:buFont typeface="Arial"/>
+              <a:defRPr sz="1400" b="0" i="0" u="none" strike="noStrike" cap="none">
+                <a:solidFill>
+                  <a:srgbClr val="000000"/>
+                </a:solidFill>
+                <a:latin typeface="Arial"/>
+                <a:ea typeface="Arial"/>
+                <a:cs typeface="Arial"/>
+                <a:sym typeface="Arial"/>
+              </a:defRPr>
+            </a:lvl7pPr>
+            <a:lvl8pPr marR="0" lvl="7" algn="l" rtl="0">
+              <a:lnSpc>
+                <a:spcPct val="100000"/>
+              </a:lnSpc>
+              <a:spcBef>
+                <a:spcPts val="0"/>
+              </a:spcBef>
+              <a:spcAft>
+                <a:spcPts val="0"/>
+              </a:spcAft>
+              <a:buClr>
+                <a:srgbClr val="000000"/>
+              </a:buClr>
+              <a:buFont typeface="Arial"/>
+              <a:defRPr sz="1400" b="0" i="0" u="none" strike="noStrike" cap="none">
+                <a:solidFill>
+                  <a:srgbClr val="000000"/>
+                </a:solidFill>
+                <a:latin typeface="Arial"/>
+                <a:ea typeface="Arial"/>
+                <a:cs typeface="Arial"/>
+                <a:sym typeface="Arial"/>
+              </a:defRPr>
+            </a:lvl8pPr>
+            <a:lvl9pPr marR="0" lvl="8" algn="l" rtl="0">
+              <a:lnSpc>
+                <a:spcPct val="100000"/>
+              </a:lnSpc>
+              <a:spcBef>
+                <a:spcPts val="0"/>
+              </a:spcBef>
+              <a:spcAft>
+                <a:spcPts val="0"/>
+              </a:spcAft>
+              <a:buClr>
+                <a:srgbClr val="000000"/>
+              </a:buClr>
+              <a:buFont typeface="Arial"/>
+              <a:defRPr sz="1400" b="0" i="0" u="none" strike="noStrike" cap="none">
+                <a:solidFill>
+                  <a:srgbClr val="000000"/>
+                </a:solidFill>
+                <a:latin typeface="Arial"/>
+                <a:ea typeface="Arial"/>
+                <a:cs typeface="Arial"/>
+                <a:sym typeface="Arial"/>
+              </a:defRPr>
+            </a:lvl9pPr>
+          </a:lstStyle>
+          <a:p>
+            <a:pPr algn="ctr"/>
+            <a:r>
+              <a:rPr lang="en-US" sz="2800" dirty="0">
+                <a:solidFill>
+                  <a:schemeClr val="lt1"/>
+                </a:solidFill>
+                <a:latin typeface="Alfa Slab One" panose="020B0604020202020204" charset="0"/>
+              </a:rPr>
+              <a:t>Analyzing Team’s Scouting Department</a:t>
+            </a:r>
+          </a:p>
+        </p:txBody>
+      </p:sp>
+      <p:pic>
+        <p:nvPicPr>
+          <p:cNvPr id="4" name="Picture 3">
+            <a:extLst>
+              <a:ext uri="{FF2B5EF4-FFF2-40B4-BE49-F238E27FC236}">
+                <a16:creationId xmlns:a16="http://schemas.microsoft.com/office/drawing/2014/main" id="{6FDF6437-A5FA-4438-9BB4-486B15491042}"/>
+              </a:ext>
+            </a:extLst>
+          </p:cNvPr>
+          <p:cNvPicPr>
+            <a:picLocks noChangeAspect="1"/>
+          </p:cNvPicPr>
+          <p:nvPr/>
+        </p:nvPicPr>
+        <p:blipFill>
+          <a:blip r:embed="rId2"/>
+          <a:stretch>
+            <a:fillRect/>
+          </a:stretch>
+        </p:blipFill>
+        <p:spPr>
+          <a:xfrm>
+            <a:off x="860564" y="1714442"/>
+            <a:ext cx="7422872" cy="2495807"/>
+          </a:xfrm>
+          <a:prstGeom prst="rect">
+            <a:avLst/>
+          </a:prstGeom>
+        </p:spPr>
+      </p:pic>
+      <p:sp>
+        <p:nvSpPr>
+          <p:cNvPr id="5" name="Google Shape;480;p63">
+            <a:extLst>
+              <a:ext uri="{FF2B5EF4-FFF2-40B4-BE49-F238E27FC236}">
+                <a16:creationId xmlns:a16="http://schemas.microsoft.com/office/drawing/2014/main" id="{E513F458-51E9-4939-5444-8A215151513F}"/>
+              </a:ext>
+            </a:extLst>
+          </p:cNvPr>
+          <p:cNvSpPr txBox="1">
+            <a:spLocks/>
+          </p:cNvSpPr>
+          <p:nvPr/>
+        </p:nvSpPr>
+        <p:spPr>
+          <a:xfrm>
+            <a:off x="713250" y="552758"/>
+            <a:ext cx="7717500" cy="867164"/>
+          </a:xfrm>
+          <a:prstGeom prst="rect">
+            <a:avLst/>
+          </a:prstGeom>
+        </p:spPr>
+        <p:txBody>
+          <a:bodyPr spcFirstLastPara="1" wrap="square" lIns="91425" tIns="91425" rIns="91425" bIns="91425" anchor="ctr" anchorCtr="0">
+            <a:noAutofit/>
+          </a:bodyPr>
+          <a:lstStyle>
+            <a:defPPr marR="0" lvl="0" algn="l" rtl="0">
+              <a:lnSpc>
+                <a:spcPct val="100000"/>
+              </a:lnSpc>
+              <a:spcBef>
+                <a:spcPts val="0"/>
+              </a:spcBef>
+              <a:spcAft>
+                <a:spcPts val="0"/>
+              </a:spcAft>
+            </a:defPPr>
+            <a:lvl1pPr marR="0" lvl="0" algn="l" rtl="0">
+              <a:lnSpc>
+                <a:spcPct val="100000"/>
+              </a:lnSpc>
+              <a:spcBef>
+                <a:spcPts val="0"/>
+              </a:spcBef>
+              <a:spcAft>
+                <a:spcPts val="0"/>
+              </a:spcAft>
+              <a:buClr>
+                <a:srgbClr val="000000"/>
+              </a:buClr>
+              <a:buFont typeface="Arial"/>
+              <a:defRPr sz="1400" b="0" i="0" u="none" strike="noStrike" cap="none">
+                <a:solidFill>
+                  <a:srgbClr val="000000"/>
+                </a:solidFill>
+                <a:latin typeface="Arial"/>
+                <a:ea typeface="Arial"/>
+                <a:cs typeface="Arial"/>
+                <a:sym typeface="Arial"/>
+              </a:defRPr>
+            </a:lvl1pPr>
+            <a:lvl2pPr marR="0" lvl="1" algn="l" rtl="0">
+              <a:lnSpc>
+                <a:spcPct val="100000"/>
+              </a:lnSpc>
+              <a:spcBef>
+                <a:spcPts val="0"/>
+              </a:spcBef>
+              <a:spcAft>
+                <a:spcPts val="0"/>
+              </a:spcAft>
+              <a:buClr>
+                <a:srgbClr val="000000"/>
+              </a:buClr>
+              <a:buFont typeface="Arial"/>
+              <a:defRPr sz="1400" b="0" i="0" u="none" strike="noStrike" cap="none">
+                <a:solidFill>
+                  <a:srgbClr val="000000"/>
+                </a:solidFill>
+                <a:latin typeface="Arial"/>
+                <a:ea typeface="Arial"/>
+                <a:cs typeface="Arial"/>
+                <a:sym typeface="Arial"/>
+              </a:defRPr>
+            </a:lvl2pPr>
+            <a:lvl3pPr marR="0" lvl="2" algn="l" rtl="0">
+              <a:lnSpc>
+                <a:spcPct val="100000"/>
+              </a:lnSpc>
+              <a:spcBef>
+                <a:spcPts val="0"/>
+              </a:spcBef>
+              <a:spcAft>
+                <a:spcPts val="0"/>
+              </a:spcAft>
+              <a:buClr>
+                <a:srgbClr val="000000"/>
+              </a:buClr>
+              <a:buFont typeface="Arial"/>
+              <a:defRPr sz="1400" b="0" i="0" u="none" strike="noStrike" cap="none">
+                <a:solidFill>
+                  <a:srgbClr val="000000"/>
+                </a:solidFill>
+                <a:latin typeface="Arial"/>
+                <a:ea typeface="Arial"/>
+                <a:cs typeface="Arial"/>
+                <a:sym typeface="Arial"/>
+              </a:defRPr>
+            </a:lvl3pPr>
+            <a:lvl4pPr marR="0" lvl="3" algn="l" rtl="0">
+              <a:lnSpc>
+                <a:spcPct val="100000"/>
+              </a:lnSpc>
+              <a:spcBef>
+                <a:spcPts val="0"/>
+              </a:spcBef>
+              <a:spcAft>
+                <a:spcPts val="0"/>
+              </a:spcAft>
+              <a:buClr>
+                <a:srgbClr val="000000"/>
+              </a:buClr>
+              <a:buFont typeface="Arial"/>
+              <a:defRPr sz="1400" b="0" i="0" u="none" strike="noStrike" cap="none">
+                <a:solidFill>
+                  <a:srgbClr val="000000"/>
+                </a:solidFill>
+                <a:latin typeface="Arial"/>
+                <a:ea typeface="Arial"/>
+                <a:cs typeface="Arial"/>
+                <a:sym typeface="Arial"/>
+              </a:defRPr>
+            </a:lvl4pPr>
+            <a:lvl5pPr marR="0" lvl="4" algn="l" rtl="0">
+              <a:lnSpc>
+                <a:spcPct val="100000"/>
+              </a:lnSpc>
+              <a:spcBef>
+                <a:spcPts val="0"/>
+              </a:spcBef>
+              <a:spcAft>
+                <a:spcPts val="0"/>
+              </a:spcAft>
+              <a:buClr>
+                <a:srgbClr val="000000"/>
+              </a:buClr>
+              <a:buFont typeface="Arial"/>
+              <a:defRPr sz="1400" b="0" i="0" u="none" strike="noStrike" cap="none">
+                <a:solidFill>
+                  <a:srgbClr val="000000"/>
+                </a:solidFill>
+                <a:latin typeface="Arial"/>
+                <a:ea typeface="Arial"/>
+                <a:cs typeface="Arial"/>
+                <a:sym typeface="Arial"/>
+              </a:defRPr>
+            </a:lvl5pPr>
+            <a:lvl6pPr marR="0" lvl="5" algn="l" rtl="0">
+              <a:lnSpc>
+                <a:spcPct val="100000"/>
+              </a:lnSpc>
+              <a:spcBef>
+                <a:spcPts val="0"/>
+              </a:spcBef>
+              <a:spcAft>
+                <a:spcPts val="0"/>
+              </a:spcAft>
+              <a:buClr>
+                <a:srgbClr val="000000"/>
+              </a:buClr>
+              <a:buFont typeface="Arial"/>
+              <a:defRPr sz="1400" b="0" i="0" u="none" strike="noStrike" cap="none">
+                <a:solidFill>
+                  <a:srgbClr val="000000"/>
+                </a:solidFill>
+                <a:latin typeface="Arial"/>
+                <a:ea typeface="Arial"/>
+                <a:cs typeface="Arial"/>
+                <a:sym typeface="Arial"/>
+              </a:defRPr>
+            </a:lvl6pPr>
+            <a:lvl7pPr marR="0" lvl="6" algn="l" rtl="0">
+              <a:lnSpc>
+                <a:spcPct val="100000"/>
+              </a:lnSpc>
+              <a:spcBef>
+                <a:spcPts val="0"/>
+              </a:spcBef>
+              <a:spcAft>
+                <a:spcPts val="0"/>
+              </a:spcAft>
+              <a:buClr>
+                <a:srgbClr val="000000"/>
+              </a:buClr>
+              <a:buFont typeface="Arial"/>
+              <a:defRPr sz="1400" b="0" i="0" u="none" strike="noStrike" cap="none">
+                <a:solidFill>
+                  <a:srgbClr val="000000"/>
+                </a:solidFill>
+                <a:latin typeface="Arial"/>
+                <a:ea typeface="Arial"/>
+                <a:cs typeface="Arial"/>
+                <a:sym typeface="Arial"/>
+              </a:defRPr>
+            </a:lvl7pPr>
+            <a:lvl8pPr marR="0" lvl="7" algn="l" rtl="0">
+              <a:lnSpc>
+                <a:spcPct val="100000"/>
+              </a:lnSpc>
+              <a:spcBef>
+                <a:spcPts val="0"/>
+              </a:spcBef>
+              <a:spcAft>
+                <a:spcPts val="0"/>
+              </a:spcAft>
+              <a:buClr>
+                <a:srgbClr val="000000"/>
+              </a:buClr>
+              <a:buFont typeface="Arial"/>
+              <a:defRPr sz="1400" b="0" i="0" u="none" strike="noStrike" cap="none">
+                <a:solidFill>
+                  <a:srgbClr val="000000"/>
+                </a:solidFill>
+                <a:latin typeface="Arial"/>
+                <a:ea typeface="Arial"/>
+                <a:cs typeface="Arial"/>
+                <a:sym typeface="Arial"/>
+              </a:defRPr>
+            </a:lvl8pPr>
+            <a:lvl9pPr marR="0" lvl="8" algn="l" rtl="0">
+              <a:lnSpc>
+                <a:spcPct val="100000"/>
+              </a:lnSpc>
+              <a:spcBef>
+                <a:spcPts val="0"/>
+              </a:spcBef>
+              <a:spcAft>
+                <a:spcPts val="0"/>
+              </a:spcAft>
+              <a:buClr>
+                <a:srgbClr val="000000"/>
+              </a:buClr>
+              <a:buFont typeface="Arial"/>
+              <a:defRPr sz="1400" b="0" i="0" u="none" strike="noStrike" cap="none">
+                <a:solidFill>
+                  <a:srgbClr val="000000"/>
+                </a:solidFill>
+                <a:latin typeface="Arial"/>
+                <a:ea typeface="Arial"/>
+                <a:cs typeface="Arial"/>
+                <a:sym typeface="Arial"/>
+              </a:defRPr>
+            </a:lvl9pPr>
+          </a:lstStyle>
+          <a:p>
+            <a:pPr algn="ctr"/>
+            <a:r>
+              <a:rPr lang="en-US" sz="2800" u="sng" dirty="0">
+                <a:solidFill>
+                  <a:schemeClr val="lt1"/>
+                </a:solidFill>
+                <a:latin typeface="Alfa Slab One" panose="020B0604020202020204" charset="0"/>
+              </a:rPr>
+              <a:t>Analyzing Team’s Scouting Department</a:t>
+            </a:r>
+          </a:p>
+          <a:p>
+            <a:pPr algn="ctr"/>
+            <a:r>
+              <a:rPr lang="en-US" dirty="0">
+                <a:solidFill>
+                  <a:schemeClr val="lt1"/>
+                </a:solidFill>
+                <a:latin typeface="Alfa Slab One" panose="020B0604020202020204" charset="0"/>
+              </a:rPr>
+              <a:t>Average Win Shares for Each Team</a:t>
+            </a:r>
+          </a:p>
+        </p:txBody>
+      </p:sp>
+    </p:spTree>
+    <p:extLst>
+      <p:ext uri="{BB962C8B-B14F-4D97-AF65-F5344CB8AC3E}">
+        <p14:creationId xmlns:p14="http://schemas.microsoft.com/office/powerpoint/2010/main" val="627327288"/>
+      </p:ext>
+    </p:extLst>
+  </p:cSld>
+  <p:clrMapOvr>
+    <a:masterClrMapping/>
+  </p:clrMapOvr>
+</p:sld>
+</file>
+
+<file path=ppt/slides/slide7.xml><?xml version="1.0" encoding="utf-8"?>
+<p:sld xmlns:a="http://schemas.openxmlformats.org/drawingml/2006/main" xmlns:r="http://schemas.openxmlformats.org/officeDocument/2006/relationships" xmlns:p="http://schemas.openxmlformats.org/presentationml/2006/main">
+  <p:cSld>
+    <p:spTree>
+      <p:nvGrpSpPr>
+        <p:cNvPr id="1" name=""/>
+        <p:cNvGrpSpPr/>
+        <p:nvPr/>
+      </p:nvGrpSpPr>
+      <p:grpSpPr>
+        <a:xfrm>
+          <a:off x="0" y="0"/>
+          <a:ext cx="0" cy="0"/>
+          <a:chOff x="0" y="0"/>
+          <a:chExt cx="0" cy="0"/>
+        </a:xfrm>
+      </p:grpSpPr>
+      <p:sp>
+        <p:nvSpPr>
+          <p:cNvPr id="2" name="Google Shape;480;p63">
+            <a:extLst>
+              <a:ext uri="{FF2B5EF4-FFF2-40B4-BE49-F238E27FC236}">
+                <a16:creationId xmlns:a16="http://schemas.microsoft.com/office/drawing/2014/main" id="{2E7A6708-3740-0EBA-ABD2-AD11B4AB1210}"/>
+              </a:ext>
+            </a:extLst>
+          </p:cNvPr>
+          <p:cNvSpPr txBox="1">
+            <a:spLocks/>
+          </p:cNvSpPr>
+          <p:nvPr/>
+        </p:nvSpPr>
+        <p:spPr>
+          <a:xfrm>
+            <a:off x="713250" y="552758"/>
+            <a:ext cx="7717500" cy="867164"/>
+          </a:xfrm>
+          <a:prstGeom prst="rect">
+            <a:avLst/>
+          </a:prstGeom>
+        </p:spPr>
+        <p:txBody>
+          <a:bodyPr spcFirstLastPara="1" wrap="square" lIns="91425" tIns="91425" rIns="91425" bIns="91425" anchor="ctr" anchorCtr="0">
+            <a:noAutofit/>
+          </a:bodyPr>
+          <a:lstStyle>
+            <a:defPPr marR="0" lvl="0" algn="l" rtl="0">
+              <a:lnSpc>
+                <a:spcPct val="100000"/>
+              </a:lnSpc>
+              <a:spcBef>
+                <a:spcPts val="0"/>
+              </a:spcBef>
+              <a:spcAft>
+                <a:spcPts val="0"/>
+              </a:spcAft>
+            </a:defPPr>
+            <a:lvl1pPr marR="0" lvl="0" algn="l" rtl="0">
+              <a:lnSpc>
+                <a:spcPct val="100000"/>
+              </a:lnSpc>
+              <a:spcBef>
+                <a:spcPts val="0"/>
+              </a:spcBef>
+              <a:spcAft>
+                <a:spcPts val="0"/>
+              </a:spcAft>
+              <a:buClr>
+                <a:srgbClr val="000000"/>
+              </a:buClr>
+              <a:buFont typeface="Arial"/>
+              <a:defRPr sz="1400" b="0" i="0" u="none" strike="noStrike" cap="none">
+                <a:solidFill>
+                  <a:srgbClr val="000000"/>
+                </a:solidFill>
+                <a:latin typeface="Arial"/>
+                <a:ea typeface="Arial"/>
+                <a:cs typeface="Arial"/>
+                <a:sym typeface="Arial"/>
+              </a:defRPr>
+            </a:lvl1pPr>
+            <a:lvl2pPr marR="0" lvl="1" algn="l" rtl="0">
+              <a:lnSpc>
+                <a:spcPct val="100000"/>
+              </a:lnSpc>
+              <a:spcBef>
+                <a:spcPts val="0"/>
+              </a:spcBef>
+              <a:spcAft>
+                <a:spcPts val="0"/>
+              </a:spcAft>
+              <a:buClr>
+                <a:srgbClr val="000000"/>
+              </a:buClr>
+              <a:buFont typeface="Arial"/>
+              <a:defRPr sz="1400" b="0" i="0" u="none" strike="noStrike" cap="none">
+                <a:solidFill>
+                  <a:srgbClr val="000000"/>
+                </a:solidFill>
+                <a:latin typeface="Arial"/>
+                <a:ea typeface="Arial"/>
+                <a:cs typeface="Arial"/>
+                <a:sym typeface="Arial"/>
+              </a:defRPr>
+            </a:lvl2pPr>
+            <a:lvl3pPr marR="0" lvl="2" algn="l" rtl="0">
+              <a:lnSpc>
+                <a:spcPct val="100000"/>
+              </a:lnSpc>
+              <a:spcBef>
+                <a:spcPts val="0"/>
+              </a:spcBef>
+              <a:spcAft>
+                <a:spcPts val="0"/>
+              </a:spcAft>
+              <a:buClr>
+                <a:srgbClr val="000000"/>
+              </a:buClr>
+              <a:buFont typeface="Arial"/>
+              <a:defRPr sz="1400" b="0" i="0" u="none" strike="noStrike" cap="none">
+                <a:solidFill>
+                  <a:srgbClr val="000000"/>
+                </a:solidFill>
+                <a:latin typeface="Arial"/>
+                <a:ea typeface="Arial"/>
+                <a:cs typeface="Arial"/>
+                <a:sym typeface="Arial"/>
+              </a:defRPr>
+            </a:lvl3pPr>
+            <a:lvl4pPr marR="0" lvl="3" algn="l" rtl="0">
+              <a:lnSpc>
+                <a:spcPct val="100000"/>
+              </a:lnSpc>
+              <a:spcBef>
+                <a:spcPts val="0"/>
+              </a:spcBef>
+              <a:spcAft>
+                <a:spcPts val="0"/>
+              </a:spcAft>
+              <a:buClr>
+                <a:srgbClr val="000000"/>
+              </a:buClr>
+              <a:buFont typeface="Arial"/>
+              <a:defRPr sz="1400" b="0" i="0" u="none" strike="noStrike" cap="none">
+                <a:solidFill>
+                  <a:srgbClr val="000000"/>
+                </a:solidFill>
+                <a:latin typeface="Arial"/>
+                <a:ea typeface="Arial"/>
+                <a:cs typeface="Arial"/>
+                <a:sym typeface="Arial"/>
+              </a:defRPr>
+            </a:lvl4pPr>
+            <a:lvl5pPr marR="0" lvl="4" algn="l" rtl="0">
+              <a:lnSpc>
+                <a:spcPct val="100000"/>
+              </a:lnSpc>
+              <a:spcBef>
+                <a:spcPts val="0"/>
+              </a:spcBef>
+              <a:spcAft>
+                <a:spcPts val="0"/>
+              </a:spcAft>
+              <a:buClr>
+                <a:srgbClr val="000000"/>
+              </a:buClr>
+              <a:buFont typeface="Arial"/>
+              <a:defRPr sz="1400" b="0" i="0" u="none" strike="noStrike" cap="none">
+                <a:solidFill>
+                  <a:srgbClr val="000000"/>
+                </a:solidFill>
+                <a:latin typeface="Arial"/>
+                <a:ea typeface="Arial"/>
+                <a:cs typeface="Arial"/>
+                <a:sym typeface="Arial"/>
+              </a:defRPr>
+            </a:lvl5pPr>
+            <a:lvl6pPr marR="0" lvl="5" algn="l" rtl="0">
+              <a:lnSpc>
+                <a:spcPct val="100000"/>
+              </a:lnSpc>
+              <a:spcBef>
+                <a:spcPts val="0"/>
+              </a:spcBef>
+              <a:spcAft>
+                <a:spcPts val="0"/>
+              </a:spcAft>
+              <a:buClr>
+                <a:srgbClr val="000000"/>
+              </a:buClr>
+              <a:buFont typeface="Arial"/>
+              <a:defRPr sz="1400" b="0" i="0" u="none" strike="noStrike" cap="none">
+                <a:solidFill>
+                  <a:srgbClr val="000000"/>
+                </a:solidFill>
+                <a:latin typeface="Arial"/>
+                <a:ea typeface="Arial"/>
+                <a:cs typeface="Arial"/>
+                <a:sym typeface="Arial"/>
+              </a:defRPr>
+            </a:lvl6pPr>
+            <a:lvl7pPr marR="0" lvl="6" algn="l" rtl="0">
+              <a:lnSpc>
+                <a:spcPct val="100000"/>
+              </a:lnSpc>
+              <a:spcBef>
+                <a:spcPts val="0"/>
+              </a:spcBef>
+              <a:spcAft>
+                <a:spcPts val="0"/>
+              </a:spcAft>
+              <a:buClr>
+                <a:srgbClr val="000000"/>
+              </a:buClr>
+              <a:buFont typeface="Arial"/>
+              <a:defRPr sz="1400" b="0" i="0" u="none" strike="noStrike" cap="none">
+                <a:solidFill>
+                  <a:srgbClr val="000000"/>
+                </a:solidFill>
+                <a:latin typeface="Arial"/>
+                <a:ea typeface="Arial"/>
+                <a:cs typeface="Arial"/>
+                <a:sym typeface="Arial"/>
+              </a:defRPr>
+            </a:lvl7pPr>
+            <a:lvl8pPr marR="0" lvl="7" algn="l" rtl="0">
+              <a:lnSpc>
+                <a:spcPct val="100000"/>
+              </a:lnSpc>
+              <a:spcBef>
+                <a:spcPts val="0"/>
+              </a:spcBef>
+              <a:spcAft>
+                <a:spcPts val="0"/>
+              </a:spcAft>
+              <a:buClr>
+                <a:srgbClr val="000000"/>
+              </a:buClr>
+              <a:buFont typeface="Arial"/>
+              <a:defRPr sz="1400" b="0" i="0" u="none" strike="noStrike" cap="none">
+                <a:solidFill>
+                  <a:srgbClr val="000000"/>
+                </a:solidFill>
+                <a:latin typeface="Arial"/>
+                <a:ea typeface="Arial"/>
+                <a:cs typeface="Arial"/>
+                <a:sym typeface="Arial"/>
+              </a:defRPr>
+            </a:lvl8pPr>
+            <a:lvl9pPr marR="0" lvl="8" algn="l" rtl="0">
+              <a:lnSpc>
+                <a:spcPct val="100000"/>
+              </a:lnSpc>
+              <a:spcBef>
+                <a:spcPts val="0"/>
+              </a:spcBef>
+              <a:spcAft>
+                <a:spcPts val="0"/>
+              </a:spcAft>
+              <a:buClr>
+                <a:srgbClr val="000000"/>
+              </a:buClr>
+              <a:buFont typeface="Arial"/>
+              <a:defRPr sz="1400" b="0" i="0" u="none" strike="noStrike" cap="none">
+                <a:solidFill>
+                  <a:srgbClr val="000000"/>
+                </a:solidFill>
+                <a:latin typeface="Arial"/>
+                <a:ea typeface="Arial"/>
+                <a:cs typeface="Arial"/>
+                <a:sym typeface="Arial"/>
+              </a:defRPr>
+            </a:lvl9pPr>
+          </a:lstStyle>
+          <a:p>
+            <a:pPr algn="ctr"/>
+            <a:r>
+              <a:rPr lang="en-US" sz="2800" u="sng" dirty="0">
+                <a:solidFill>
+                  <a:schemeClr val="lt1"/>
+                </a:solidFill>
+                <a:latin typeface="Alfa Slab One" panose="020B0604020202020204" charset="0"/>
+              </a:rPr>
+              <a:t>Analyzing Team’s Scouting Department</a:t>
+            </a:r>
+          </a:p>
+          <a:p>
+            <a:pPr algn="ctr"/>
+            <a:r>
+              <a:rPr lang="en-US" dirty="0">
+                <a:solidFill>
+                  <a:schemeClr val="lt1"/>
+                </a:solidFill>
+                <a:latin typeface="Alfa Slab One" panose="020B0604020202020204" charset="0"/>
+              </a:rPr>
+              <a:t>Average Box Plus/Minus for Each Team</a:t>
+            </a:r>
+          </a:p>
+        </p:txBody>
+      </p:sp>
+      <p:pic>
+        <p:nvPicPr>
+          <p:cNvPr id="5" name="Picture 4">
+            <a:extLst>
+              <a:ext uri="{FF2B5EF4-FFF2-40B4-BE49-F238E27FC236}">
+                <a16:creationId xmlns:a16="http://schemas.microsoft.com/office/drawing/2014/main" id="{1DB545F3-5C59-F24E-BC78-7BC4FDAA7CE0}"/>
+              </a:ext>
+            </a:extLst>
+          </p:cNvPr>
+          <p:cNvPicPr>
+            <a:picLocks noChangeAspect="1"/>
+          </p:cNvPicPr>
+          <p:nvPr/>
+        </p:nvPicPr>
+        <p:blipFill>
+          <a:blip r:embed="rId2"/>
+          <a:stretch>
+            <a:fillRect/>
+          </a:stretch>
+        </p:blipFill>
+        <p:spPr>
+          <a:xfrm>
+            <a:off x="860565" y="1714442"/>
+            <a:ext cx="7422872" cy="2495807"/>
+          </a:xfrm>
+          <a:prstGeom prst="rect">
+            <a:avLst/>
+          </a:prstGeom>
+        </p:spPr>
+      </p:pic>
+    </p:spTree>
+    <p:extLst>
+      <p:ext uri="{BB962C8B-B14F-4D97-AF65-F5344CB8AC3E}">
+        <p14:creationId xmlns:p14="http://schemas.microsoft.com/office/powerpoint/2010/main" val="3045772190"/>
+      </p:ext>
+    </p:extLst>
+  </p:cSld>
+  <p:clrMapOvr>
+    <a:masterClrMapping/>
+  </p:clrMapOvr>
+</p:sld>
+</file>
+
+<file path=ppt/slides/slide8.xml><?xml version="1.0" encoding="utf-8"?>
+<p:sld xmlns:a="http://schemas.openxmlformats.org/drawingml/2006/main" xmlns:r="http://schemas.openxmlformats.org/officeDocument/2006/relationships" xmlns:p="http://schemas.openxmlformats.org/presentationml/2006/main">
+  <p:cSld>
+    <p:spTree>
+      <p:nvGrpSpPr>
+        <p:cNvPr id="1" name=""/>
+        <p:cNvGrpSpPr/>
+        <p:nvPr/>
+      </p:nvGrpSpPr>
+      <p:grpSpPr>
+        <a:xfrm>
+          <a:off x="0" y="0"/>
+          <a:ext cx="0" cy="0"/>
+          <a:chOff x="0" y="0"/>
+          <a:chExt cx="0" cy="0"/>
+        </a:xfrm>
+      </p:grpSpPr>
+      <p:sp>
+        <p:nvSpPr>
+          <p:cNvPr id="2" name="Google Shape;480;p63">
+            <a:extLst>
+              <a:ext uri="{FF2B5EF4-FFF2-40B4-BE49-F238E27FC236}">
+                <a16:creationId xmlns:a16="http://schemas.microsoft.com/office/drawing/2014/main" id="{AB878D76-3F10-10A8-BDF8-52519E4ACDD4}"/>
+              </a:ext>
+            </a:extLst>
+          </p:cNvPr>
+          <p:cNvSpPr txBox="1">
+            <a:spLocks/>
+          </p:cNvSpPr>
+          <p:nvPr/>
+        </p:nvSpPr>
+        <p:spPr>
+          <a:xfrm>
+            <a:off x="713250" y="552758"/>
+            <a:ext cx="7717500" cy="867164"/>
+          </a:xfrm>
+          <a:prstGeom prst="rect">
+            <a:avLst/>
+          </a:prstGeom>
+        </p:spPr>
+        <p:txBody>
+          <a:bodyPr spcFirstLastPara="1" wrap="square" lIns="91425" tIns="91425" rIns="91425" bIns="91425" anchor="ctr" anchorCtr="0">
+            <a:noAutofit/>
+          </a:bodyPr>
+          <a:lstStyle>
+            <a:defPPr marR="0" lvl="0" algn="l" rtl="0">
+              <a:lnSpc>
+                <a:spcPct val="100000"/>
+              </a:lnSpc>
+              <a:spcBef>
+                <a:spcPts val="0"/>
+              </a:spcBef>
+              <a:spcAft>
+                <a:spcPts val="0"/>
+              </a:spcAft>
+            </a:defPPr>
+            <a:lvl1pPr marR="0" lvl="0" algn="l" rtl="0">
+              <a:lnSpc>
+                <a:spcPct val="100000"/>
+              </a:lnSpc>
+              <a:spcBef>
+                <a:spcPts val="0"/>
+              </a:spcBef>
+              <a:spcAft>
+                <a:spcPts val="0"/>
+              </a:spcAft>
+              <a:buClr>
+                <a:srgbClr val="000000"/>
+              </a:buClr>
+              <a:buFont typeface="Arial"/>
+              <a:defRPr sz="1400" b="0" i="0" u="none" strike="noStrike" cap="none">
+                <a:solidFill>
+                  <a:srgbClr val="000000"/>
+                </a:solidFill>
+                <a:latin typeface="Arial"/>
+                <a:ea typeface="Arial"/>
+                <a:cs typeface="Arial"/>
+                <a:sym typeface="Arial"/>
+              </a:defRPr>
+            </a:lvl1pPr>
+            <a:lvl2pPr marR="0" lvl="1" algn="l" rtl="0">
+              <a:lnSpc>
+                <a:spcPct val="100000"/>
+              </a:lnSpc>
+              <a:spcBef>
+                <a:spcPts val="0"/>
+              </a:spcBef>
+              <a:spcAft>
+                <a:spcPts val="0"/>
+              </a:spcAft>
+              <a:buClr>
+                <a:srgbClr val="000000"/>
+              </a:buClr>
+              <a:buFont typeface="Arial"/>
+              <a:defRPr sz="1400" b="0" i="0" u="none" strike="noStrike" cap="none">
+                <a:solidFill>
+                  <a:srgbClr val="000000"/>
+                </a:solidFill>
+                <a:latin typeface="Arial"/>
+                <a:ea typeface="Arial"/>
+                <a:cs typeface="Arial"/>
+                <a:sym typeface="Arial"/>
+              </a:defRPr>
+            </a:lvl2pPr>
+            <a:lvl3pPr marR="0" lvl="2" algn="l" rtl="0">
+              <a:lnSpc>
+                <a:spcPct val="100000"/>
+              </a:lnSpc>
+              <a:spcBef>
+                <a:spcPts val="0"/>
+              </a:spcBef>
+              <a:spcAft>
+                <a:spcPts val="0"/>
+              </a:spcAft>
+              <a:buClr>
+                <a:srgbClr val="000000"/>
+              </a:buClr>
+              <a:buFont typeface="Arial"/>
+              <a:defRPr sz="1400" b="0" i="0" u="none" strike="noStrike" cap="none">
+                <a:solidFill>
+                  <a:srgbClr val="000000"/>
+                </a:solidFill>
+                <a:latin typeface="Arial"/>
+                <a:ea typeface="Arial"/>
+                <a:cs typeface="Arial"/>
+                <a:sym typeface="Arial"/>
+              </a:defRPr>
+            </a:lvl3pPr>
+            <a:lvl4pPr marR="0" lvl="3" algn="l" rtl="0">
+              <a:lnSpc>
+                <a:spcPct val="100000"/>
+              </a:lnSpc>
+              <a:spcBef>
+                <a:spcPts val="0"/>
+              </a:spcBef>
+              <a:spcAft>
+                <a:spcPts val="0"/>
+              </a:spcAft>
+              <a:buClr>
+                <a:srgbClr val="000000"/>
+              </a:buClr>
+              <a:buFont typeface="Arial"/>
+              <a:defRPr sz="1400" b="0" i="0" u="none" strike="noStrike" cap="none">
+                <a:solidFill>
+                  <a:srgbClr val="000000"/>
+                </a:solidFill>
+                <a:latin typeface="Arial"/>
+                <a:ea typeface="Arial"/>
+                <a:cs typeface="Arial"/>
+                <a:sym typeface="Arial"/>
+              </a:defRPr>
+            </a:lvl4pPr>
+            <a:lvl5pPr marR="0" lvl="4" algn="l" rtl="0">
+              <a:lnSpc>
+                <a:spcPct val="100000"/>
+              </a:lnSpc>
+              <a:spcBef>
+                <a:spcPts val="0"/>
+              </a:spcBef>
+              <a:spcAft>
+                <a:spcPts val="0"/>
+              </a:spcAft>
+              <a:buClr>
+                <a:srgbClr val="000000"/>
+              </a:buClr>
+              <a:buFont typeface="Arial"/>
+              <a:defRPr sz="1400" b="0" i="0" u="none" strike="noStrike" cap="none">
+                <a:solidFill>
+                  <a:srgbClr val="000000"/>
+                </a:solidFill>
+                <a:latin typeface="Arial"/>
+                <a:ea typeface="Arial"/>
+                <a:cs typeface="Arial"/>
+                <a:sym typeface="Arial"/>
+              </a:defRPr>
+            </a:lvl5pPr>
+            <a:lvl6pPr marR="0" lvl="5" algn="l" rtl="0">
+              <a:lnSpc>
+                <a:spcPct val="100000"/>
+              </a:lnSpc>
+              <a:spcBef>
+                <a:spcPts val="0"/>
+              </a:spcBef>
+              <a:spcAft>
+                <a:spcPts val="0"/>
+              </a:spcAft>
+              <a:buClr>
+                <a:srgbClr val="000000"/>
+              </a:buClr>
+              <a:buFont typeface="Arial"/>
+              <a:defRPr sz="1400" b="0" i="0" u="none" strike="noStrike" cap="none">
+                <a:solidFill>
+                  <a:srgbClr val="000000"/>
+                </a:solidFill>
+                <a:latin typeface="Arial"/>
+                <a:ea typeface="Arial"/>
+                <a:cs typeface="Arial"/>
+                <a:sym typeface="Arial"/>
+              </a:defRPr>
+            </a:lvl6pPr>
+            <a:lvl7pPr marR="0" lvl="6" algn="l" rtl="0">
+              <a:lnSpc>
+                <a:spcPct val="100000"/>
+              </a:lnSpc>
+              <a:spcBef>
+                <a:spcPts val="0"/>
+              </a:spcBef>
+              <a:spcAft>
+                <a:spcPts val="0"/>
+              </a:spcAft>
+              <a:buClr>
+                <a:srgbClr val="000000"/>
+              </a:buClr>
+              <a:buFont typeface="Arial"/>
+              <a:defRPr sz="1400" b="0" i="0" u="none" strike="noStrike" cap="none">
+                <a:solidFill>
+                  <a:srgbClr val="000000"/>
+                </a:solidFill>
+                <a:latin typeface="Arial"/>
+                <a:ea typeface="Arial"/>
+                <a:cs typeface="Arial"/>
+                <a:sym typeface="Arial"/>
+              </a:defRPr>
+            </a:lvl7pPr>
+            <a:lvl8pPr marR="0" lvl="7" algn="l" rtl="0">
+              <a:lnSpc>
+                <a:spcPct val="100000"/>
+              </a:lnSpc>
+              <a:spcBef>
+                <a:spcPts val="0"/>
+              </a:spcBef>
+              <a:spcAft>
+                <a:spcPts val="0"/>
+              </a:spcAft>
+              <a:buClr>
+                <a:srgbClr val="000000"/>
+              </a:buClr>
+              <a:buFont typeface="Arial"/>
+              <a:defRPr sz="1400" b="0" i="0" u="none" strike="noStrike" cap="none">
+                <a:solidFill>
+                  <a:srgbClr val="000000"/>
+                </a:solidFill>
+                <a:latin typeface="Arial"/>
+                <a:ea typeface="Arial"/>
+                <a:cs typeface="Arial"/>
+                <a:sym typeface="Arial"/>
+              </a:defRPr>
+            </a:lvl8pPr>
+            <a:lvl9pPr marR="0" lvl="8" algn="l" rtl="0">
+              <a:lnSpc>
+                <a:spcPct val="100000"/>
+              </a:lnSpc>
+              <a:spcBef>
+                <a:spcPts val="0"/>
+              </a:spcBef>
+              <a:spcAft>
+                <a:spcPts val="0"/>
+              </a:spcAft>
+              <a:buClr>
+                <a:srgbClr val="000000"/>
+              </a:buClr>
+              <a:buFont typeface="Arial"/>
+              <a:defRPr sz="1400" b="0" i="0" u="none" strike="noStrike" cap="none">
+                <a:solidFill>
+                  <a:srgbClr val="000000"/>
+                </a:solidFill>
+                <a:latin typeface="Arial"/>
+                <a:ea typeface="Arial"/>
+                <a:cs typeface="Arial"/>
+                <a:sym typeface="Arial"/>
+              </a:defRPr>
+            </a:lvl9pPr>
+          </a:lstStyle>
+          <a:p>
+            <a:pPr algn="ctr"/>
+            <a:r>
+              <a:rPr lang="en-US" sz="2800" u="sng" dirty="0">
+                <a:solidFill>
+                  <a:schemeClr val="lt1"/>
+                </a:solidFill>
+                <a:latin typeface="Alfa Slab One" panose="020B0604020202020204" charset="0"/>
+              </a:rPr>
+              <a:t>Analyzing Team’s Scouting Department</a:t>
+            </a:r>
+          </a:p>
+          <a:p>
+            <a:pPr algn="ctr"/>
+            <a:r>
+              <a:rPr lang="en-US" dirty="0">
+                <a:solidFill>
+                  <a:schemeClr val="lt1"/>
+                </a:solidFill>
+                <a:latin typeface="Alfa Slab One" panose="020B0604020202020204" charset="0"/>
+              </a:rPr>
+              <a:t>Value Over Replacement for Each Team</a:t>
+            </a:r>
+          </a:p>
+        </p:txBody>
+      </p:sp>
+      <p:pic>
+        <p:nvPicPr>
+          <p:cNvPr id="5" name="Picture 4">
+            <a:extLst>
+              <a:ext uri="{FF2B5EF4-FFF2-40B4-BE49-F238E27FC236}">
+                <a16:creationId xmlns:a16="http://schemas.microsoft.com/office/drawing/2014/main" id="{F4519081-0648-FCE9-3BA8-28FF332FE58B}"/>
+              </a:ext>
+            </a:extLst>
+          </p:cNvPr>
+          <p:cNvPicPr>
+            <a:picLocks noChangeAspect="1"/>
+          </p:cNvPicPr>
+          <p:nvPr/>
+        </p:nvPicPr>
+        <p:blipFill>
+          <a:blip r:embed="rId2"/>
+          <a:stretch>
+            <a:fillRect/>
+          </a:stretch>
+        </p:blipFill>
+        <p:spPr>
+          <a:xfrm>
+            <a:off x="860561" y="1714441"/>
+            <a:ext cx="7422873" cy="2495807"/>
+          </a:xfrm>
+          <a:prstGeom prst="rect">
+            <a:avLst/>
+          </a:prstGeom>
+        </p:spPr>
+      </p:pic>
+    </p:spTree>
+    <p:extLst>
+      <p:ext uri="{BB962C8B-B14F-4D97-AF65-F5344CB8AC3E}">
+        <p14:creationId xmlns:p14="http://schemas.microsoft.com/office/powerpoint/2010/main" val="1259669264"/>
+      </p:ext>
+    </p:extLst>
+  </p:cSld>
+  <p:clrMapOvr>
+    <a:masterClrMapping/>
+  </p:clrMapOvr>
+</p:sld>
+</file>
+
+<file path=ppt/slides/slide9.xml><?xml version="1.0" encoding="utf-8"?>
+<p:sld xmlns:a="http://schemas.openxmlformats.org/drawingml/2006/main" xmlns:r="http://schemas.openxmlformats.org/officeDocument/2006/relationships" xmlns:p="http://schemas.openxmlformats.org/presentationml/2006/main">
+  <p:cSld>
+    <p:spTree>
+      <p:nvGrpSpPr>
+        <p:cNvPr id="1" name=""/>
+        <p:cNvGrpSpPr/>
+        <p:nvPr/>
+      </p:nvGrpSpPr>
+      <p:grpSpPr>
+        <a:xfrm>
+          <a:off x="0" y="0"/>
+          <a:ext cx="0" cy="0"/>
+          <a:chOff x="0" y="0"/>
+          <a:chExt cx="0" cy="0"/>
+        </a:xfrm>
+      </p:grpSpPr>
+      <p:sp>
+        <p:nvSpPr>
+          <p:cNvPr id="2" name="Google Shape;480;p63">
+            <a:extLst>
+              <a:ext uri="{FF2B5EF4-FFF2-40B4-BE49-F238E27FC236}">
+                <a16:creationId xmlns:a16="http://schemas.microsoft.com/office/drawing/2014/main" id="{D24E8C8B-CCAC-A412-0180-DE1A7A27819A}"/>
+              </a:ext>
+            </a:extLst>
+          </p:cNvPr>
+          <p:cNvSpPr txBox="1">
+            <a:spLocks/>
+          </p:cNvSpPr>
+          <p:nvPr/>
+        </p:nvSpPr>
+        <p:spPr>
+          <a:xfrm>
+            <a:off x="713250" y="552758"/>
+            <a:ext cx="7717500" cy="867164"/>
+          </a:xfrm>
+          <a:prstGeom prst="rect">
+            <a:avLst/>
+          </a:prstGeom>
+          <a:ln>
+            <a:solidFill>
+              <a:schemeClr val="accent1"/>
+            </a:solidFill>
+          </a:ln>
+        </p:spPr>
+        <p:txBody>
+          <a:bodyPr spcFirstLastPara="1" wrap="square" lIns="91425" tIns="91425" rIns="91425" bIns="91425" anchor="ctr" anchorCtr="0">
+            <a:noAutofit/>
+          </a:bodyPr>
+          <a:lstStyle>
+            <a:defPPr marR="0" lvl="0" algn="l" rtl="0">
+              <a:lnSpc>
+                <a:spcPct val="100000"/>
+              </a:lnSpc>
+              <a:spcBef>
+                <a:spcPts val="0"/>
+              </a:spcBef>
+              <a:spcAft>
+                <a:spcPts val="0"/>
+              </a:spcAft>
+            </a:defPPr>
+            <a:lvl1pPr marR="0" lvl="0" algn="l" rtl="0">
+              <a:lnSpc>
+                <a:spcPct val="100000"/>
+              </a:lnSpc>
+              <a:spcBef>
+                <a:spcPts val="0"/>
+              </a:spcBef>
+              <a:spcAft>
+                <a:spcPts val="0"/>
+              </a:spcAft>
+              <a:buClr>
+                <a:srgbClr val="000000"/>
+              </a:buClr>
+              <a:buFont typeface="Arial"/>
+              <a:defRPr sz="1400" b="0" i="0" u="none" strike="noStrike" cap="none">
+                <a:solidFill>
+                  <a:srgbClr val="000000"/>
+                </a:solidFill>
+                <a:latin typeface="Arial"/>
+                <a:ea typeface="Arial"/>
+                <a:cs typeface="Arial"/>
+                <a:sym typeface="Arial"/>
+              </a:defRPr>
+            </a:lvl1pPr>
+            <a:lvl2pPr marR="0" lvl="1" algn="l" rtl="0">
+              <a:lnSpc>
+                <a:spcPct val="100000"/>
+              </a:lnSpc>
+              <a:spcBef>
+                <a:spcPts val="0"/>
+              </a:spcBef>
+              <a:spcAft>
+                <a:spcPts val="0"/>
+              </a:spcAft>
+              <a:buClr>
+                <a:srgbClr val="000000"/>
+              </a:buClr>
+              <a:buFont typeface="Arial"/>
+              <a:defRPr sz="1400" b="0" i="0" u="none" strike="noStrike" cap="none">
+                <a:solidFill>
+                  <a:srgbClr val="000000"/>
+                </a:solidFill>
+                <a:latin typeface="Arial"/>
+                <a:ea typeface="Arial"/>
+                <a:cs typeface="Arial"/>
+                <a:sym typeface="Arial"/>
+              </a:defRPr>
+            </a:lvl2pPr>
+            <a:lvl3pPr marR="0" lvl="2" algn="l" rtl="0">
+              <a:lnSpc>
+                <a:spcPct val="100000"/>
+              </a:lnSpc>
+              <a:spcBef>
+                <a:spcPts val="0"/>
+              </a:spcBef>
+              <a:spcAft>
+                <a:spcPts val="0"/>
+              </a:spcAft>
+              <a:buClr>
+                <a:srgbClr val="000000"/>
+              </a:buClr>
+              <a:buFont typeface="Arial"/>
+              <a:defRPr sz="1400" b="0" i="0" u="none" strike="noStrike" cap="none">
+                <a:solidFill>
+                  <a:srgbClr val="000000"/>
+                </a:solidFill>
+                <a:latin typeface="Arial"/>
+                <a:ea typeface="Arial"/>
+                <a:cs typeface="Arial"/>
+                <a:sym typeface="Arial"/>
+              </a:defRPr>
+            </a:lvl3pPr>
+            <a:lvl4pPr marR="0" lvl="3" algn="l" rtl="0">
+              <a:lnSpc>
+                <a:spcPct val="100000"/>
+              </a:lnSpc>
+              <a:spcBef>
+                <a:spcPts val="0"/>
+              </a:spcBef>
+              <a:spcAft>
+                <a:spcPts val="0"/>
+              </a:spcAft>
+              <a:buClr>
+                <a:srgbClr val="000000"/>
+              </a:buClr>
+              <a:buFont typeface="Arial"/>
+              <a:defRPr sz="1400" b="0" i="0" u="none" strike="noStrike" cap="none">
+                <a:solidFill>
+                  <a:srgbClr val="000000"/>
+                </a:solidFill>
+                <a:latin typeface="Arial"/>
+                <a:ea typeface="Arial"/>
+                <a:cs typeface="Arial"/>
+                <a:sym typeface="Arial"/>
+              </a:defRPr>
+            </a:lvl4pPr>
+            <a:lvl5pPr marR="0" lvl="4" algn="l" rtl="0">
+              <a:lnSpc>
+                <a:spcPct val="100000"/>
+              </a:lnSpc>
+              <a:spcBef>
+                <a:spcPts val="0"/>
+              </a:spcBef>
+              <a:spcAft>
+                <a:spcPts val="0"/>
+              </a:spcAft>
+              <a:buClr>
+                <a:srgbClr val="000000"/>
+              </a:buClr>
+              <a:buFont typeface="Arial"/>
+              <a:defRPr sz="1400" b="0" i="0" u="none" strike="noStrike" cap="none">
+                <a:solidFill>
+                  <a:srgbClr val="000000"/>
+                </a:solidFill>
+                <a:latin typeface="Arial"/>
+                <a:ea typeface="Arial"/>
+                <a:cs typeface="Arial"/>
+                <a:sym typeface="Arial"/>
+              </a:defRPr>
+            </a:lvl5pPr>
+            <a:lvl6pPr marR="0" lvl="5" algn="l" rtl="0">
+              <a:lnSpc>
+                <a:spcPct val="100000"/>
+              </a:lnSpc>
+              <a:spcBef>
+                <a:spcPts val="0"/>
+              </a:spcBef>
+              <a:spcAft>
+                <a:spcPts val="0"/>
+              </a:spcAft>
+              <a:buClr>
+                <a:srgbClr val="000000"/>
+              </a:buClr>
+              <a:buFont typeface="Arial"/>
+              <a:defRPr sz="1400" b="0" i="0" u="none" strike="noStrike" cap="none">
+                <a:solidFill>
+                  <a:srgbClr val="000000"/>
+                </a:solidFill>
+                <a:latin typeface="Arial"/>
+                <a:ea typeface="Arial"/>
+                <a:cs typeface="Arial"/>
+                <a:sym typeface="Arial"/>
+              </a:defRPr>
+            </a:lvl6pPr>
+            <a:lvl7pPr marR="0" lvl="6" algn="l" rtl="0">
+              <a:lnSpc>
+                <a:spcPct val="100000"/>
+              </a:lnSpc>
+              <a:spcBef>
+                <a:spcPts val="0"/>
+              </a:spcBef>
+              <a:spcAft>
+                <a:spcPts val="0"/>
+              </a:spcAft>
+              <a:buClr>
+                <a:srgbClr val="000000"/>
+              </a:buClr>
+              <a:buFont typeface="Arial"/>
+              <a:defRPr sz="1400" b="0" i="0" u="none" strike="noStrike" cap="none">
+                <a:solidFill>
+                  <a:srgbClr val="000000"/>
+                </a:solidFill>
+                <a:latin typeface="Arial"/>
+                <a:ea typeface="Arial"/>
+                <a:cs typeface="Arial"/>
+                <a:sym typeface="Arial"/>
+              </a:defRPr>
+            </a:lvl7pPr>
+            <a:lvl8pPr marR="0" lvl="7" algn="l" rtl="0">
+              <a:lnSpc>
+                <a:spcPct val="100000"/>
+              </a:lnSpc>
+              <a:spcBef>
+                <a:spcPts val="0"/>
+              </a:spcBef>
+              <a:spcAft>
+                <a:spcPts val="0"/>
+              </a:spcAft>
+              <a:buClr>
+                <a:srgbClr val="000000"/>
+              </a:buClr>
+              <a:buFont typeface="Arial"/>
+              <a:defRPr sz="1400" b="0" i="0" u="none" strike="noStrike" cap="none">
+                <a:solidFill>
+                  <a:srgbClr val="000000"/>
+                </a:solidFill>
+                <a:latin typeface="Arial"/>
+                <a:ea typeface="Arial"/>
+                <a:cs typeface="Arial"/>
+                <a:sym typeface="Arial"/>
+              </a:defRPr>
+            </a:lvl8pPr>
+            <a:lvl9pPr marR="0" lvl="8" algn="l" rtl="0">
+              <a:lnSpc>
+                <a:spcPct val="100000"/>
+              </a:lnSpc>
+              <a:spcBef>
+                <a:spcPts val="0"/>
+              </a:spcBef>
+              <a:spcAft>
+                <a:spcPts val="0"/>
+              </a:spcAft>
+              <a:buClr>
+                <a:srgbClr val="000000"/>
+              </a:buClr>
+              <a:buFont typeface="Arial"/>
+              <a:defRPr sz="1400" b="0" i="0" u="none" strike="noStrike" cap="none">
+                <a:solidFill>
+                  <a:srgbClr val="000000"/>
+                </a:solidFill>
+                <a:latin typeface="Arial"/>
+                <a:ea typeface="Arial"/>
+                <a:cs typeface="Arial"/>
+                <a:sym typeface="Arial"/>
+              </a:defRPr>
+            </a:lvl9pPr>
+          </a:lstStyle>
+          <a:p>
+            <a:pPr algn="ctr"/>
+            <a:r>
+              <a:rPr lang="en-US" sz="2800" u="sng" dirty="0">
+                <a:solidFill>
+                  <a:schemeClr val="lt1"/>
+                </a:solidFill>
+                <a:latin typeface="Alfa Slab One" panose="020B0604020202020204" charset="0"/>
+              </a:rPr>
+              <a:t>Analyzing Team’s Scouting Department</a:t>
+            </a:r>
+          </a:p>
+          <a:p>
+            <a:pPr algn="ctr"/>
+            <a:r>
+              <a:rPr lang="en-US" dirty="0">
+                <a:solidFill>
+                  <a:schemeClr val="lt1"/>
+                </a:solidFill>
+                <a:latin typeface="Alfa Slab One" panose="020B0604020202020204" charset="0"/>
+              </a:rPr>
+              <a:t>Who Was Consistently in the Top 5 and Bottom 5?</a:t>
+            </a:r>
+          </a:p>
+        </p:txBody>
+      </p:sp>
+      <p:graphicFrame>
+        <p:nvGraphicFramePr>
+          <p:cNvPr id="3" name="Google Shape;481;p63">
+            <a:extLst>
+              <a:ext uri="{FF2B5EF4-FFF2-40B4-BE49-F238E27FC236}">
+                <a16:creationId xmlns:a16="http://schemas.microsoft.com/office/drawing/2014/main" id="{B583CAA5-A1E5-003F-3076-B4B70434B8E4}"/>
+              </a:ext>
+            </a:extLst>
+          </p:cNvPr>
+          <p:cNvGraphicFramePr/>
+          <p:nvPr>
+            <p:extLst>
+              <p:ext uri="{D42A27DB-BD31-4B8C-83A1-F6EECF244321}">
+                <p14:modId xmlns:p14="http://schemas.microsoft.com/office/powerpoint/2010/main" val="2132372128"/>
+              </p:ext>
+            </p:extLst>
+          </p:nvPr>
+        </p:nvGraphicFramePr>
+        <p:xfrm>
+          <a:off x="998325" y="1787089"/>
+          <a:ext cx="7147326" cy="2635440"/>
+        </p:xfrm>
+        <a:graphic>
+          <a:graphicData uri="http://schemas.openxmlformats.org/drawingml/2006/table">
+            <a:tbl>
+              <a:tblPr>
+                <a:noFill/>
+                <a:tableStyleId>{56B202AD-1419-493C-9478-386BC029E9B2}</a:tableStyleId>
+              </a:tblPr>
+              <a:tblGrid>
+                <a:gridCol w="1786838">
+                  <a:extLst>
+                    <a:ext uri="{9D8B030D-6E8A-4147-A177-3AD203B41FA5}">
+                      <a16:colId xmlns:a16="http://schemas.microsoft.com/office/drawing/2014/main" val="20000"/>
+                    </a:ext>
+                  </a:extLst>
+                </a:gridCol>
+                <a:gridCol w="1786838">
+                  <a:extLst>
+                    <a:ext uri="{9D8B030D-6E8A-4147-A177-3AD203B41FA5}">
+                      <a16:colId xmlns:a16="http://schemas.microsoft.com/office/drawing/2014/main" val="2452033929"/>
+                    </a:ext>
+                  </a:extLst>
+                </a:gridCol>
+                <a:gridCol w="1786825">
+                  <a:extLst>
+                    <a:ext uri="{9D8B030D-6E8A-4147-A177-3AD203B41FA5}">
+                      <a16:colId xmlns:a16="http://schemas.microsoft.com/office/drawing/2014/main" val="20001"/>
+                    </a:ext>
+                  </a:extLst>
+                </a:gridCol>
+                <a:gridCol w="1786825">
+                  <a:extLst>
+                    <a:ext uri="{9D8B030D-6E8A-4147-A177-3AD203B41FA5}">
+                      <a16:colId xmlns:a16="http://schemas.microsoft.com/office/drawing/2014/main" val="3030363375"/>
+                    </a:ext>
+                  </a:extLst>
+                </a:gridCol>
+              </a:tblGrid>
+              <a:tr h="435654">
+                <a:tc gridSpan="2">
+                  <a:txBody>
+                    <a:bodyPr/>
+                    <a:lstStyle/>
+                    <a:p>
+                      <a:pPr marL="0" lvl="0" indent="0" algn="ctr" rtl="0">
+                        <a:spcBef>
+                          <a:spcPts val="0"/>
+                        </a:spcBef>
+                        <a:spcAft>
+                          <a:spcPts val="0"/>
+                        </a:spcAft>
+                        <a:buNone/>
+                      </a:pPr>
+                      <a:r>
+                        <a:rPr lang="en-US" sz="1800" b="1" dirty="0">
+                          <a:solidFill>
+                            <a:schemeClr val="lt1"/>
+                          </a:solidFill>
+                          <a:latin typeface="Roboto"/>
+                          <a:ea typeface="Roboto"/>
+                          <a:cs typeface="Roboto"/>
+                          <a:sym typeface="Roboto"/>
+                        </a:rPr>
+                        <a:t>Top Scouting Performance</a:t>
+                      </a:r>
+                      <a:endParaRPr sz="1800" b="1" dirty="0">
+                        <a:solidFill>
+                          <a:schemeClr val="lt1"/>
+                        </a:solidFill>
+                        <a:latin typeface="Roboto"/>
+                        <a:ea typeface="Roboto"/>
+                        <a:cs typeface="Roboto"/>
+                        <a:sym typeface="Roboto"/>
+                      </a:endParaRPr>
+                    </a:p>
+                  </a:txBody>
+                  <a:tcPr marL="91425" marR="91425" marT="91425" marB="91425">
+                    <a:lnL w="38100" cap="flat" cmpd="sng">
+                      <a:solidFill>
+                        <a:schemeClr val="accent1"/>
+                      </a:solidFill>
+                      <a:prstDash val="solid"/>
+                      <a:round/>
+                      <a:headEnd type="none" w="sm" len="sm"/>
+                      <a:tailEnd type="none" w="sm" len="sm"/>
+                    </a:lnL>
+                    <a:lnR w="38100" cap="flat" cmpd="sng">
+                      <a:solidFill>
+                        <a:schemeClr val="accent1"/>
+                      </a:solidFill>
+                      <a:prstDash val="solid"/>
+                      <a:round/>
+                      <a:headEnd type="none" w="sm" len="sm"/>
+                      <a:tailEnd type="none" w="sm" len="sm"/>
+                    </a:lnR>
+                    <a:lnT w="38100" cap="flat" cmpd="sng">
+                      <a:solidFill>
+                        <a:schemeClr val="accent1"/>
+                      </a:solidFill>
+                      <a:prstDash val="solid"/>
+                      <a:round/>
+                      <a:headEnd type="none" w="sm" len="sm"/>
+                      <a:tailEnd type="none" w="sm" len="sm"/>
+                    </a:lnT>
+                    <a:lnB w="38100" cap="flat" cmpd="sng" algn="ctr">
+                      <a:solidFill>
+                        <a:schemeClr val="accent1"/>
+                      </a:solidFill>
+                      <a:prstDash val="solid"/>
+                      <a:round/>
+                      <a:headEnd type="none" w="sm" len="sm"/>
+                      <a:tailEnd type="none" w="sm" len="sm"/>
+                    </a:lnB>
+                  </a:tcPr>
+                </a:tc>
+                <a:tc hMerge="1">
+                  <a:txBody>
+                    <a:bodyPr/>
+                    <a:lstStyle/>
+                    <a:p>
+                      <a:endParaRPr lang="en-US"/>
+                    </a:p>
+                  </a:txBody>
+                  <a:tcPr/>
+                </a:tc>
+                <a:tc gridSpan="2">
+                  <a:txBody>
+                    <a:bodyPr/>
+                    <a:lstStyle/>
+                    <a:p>
+                      <a:pPr marL="0" lvl="0" indent="0" algn="ctr" rtl="0">
+                        <a:spcBef>
+                          <a:spcPts val="0"/>
+                        </a:spcBef>
+                        <a:spcAft>
+                          <a:spcPts val="1600"/>
+                        </a:spcAft>
+                        <a:buNone/>
+                      </a:pPr>
+                      <a:r>
+                        <a:rPr lang="en-US" sz="1800" b="1" dirty="0">
+                          <a:solidFill>
+                            <a:schemeClr val="lt1"/>
+                          </a:solidFill>
+                          <a:latin typeface="Roboto"/>
+                          <a:ea typeface="Roboto"/>
+                          <a:cs typeface="Roboto"/>
+                          <a:sym typeface="Roboto"/>
+                        </a:rPr>
+                        <a:t>Bottom Scouting Performance</a:t>
+                      </a:r>
+                      <a:endParaRPr sz="1800" b="1" dirty="0">
+                        <a:solidFill>
+                          <a:schemeClr val="lt1"/>
+                        </a:solidFill>
+                        <a:latin typeface="Roboto"/>
+                        <a:ea typeface="Roboto"/>
+                        <a:cs typeface="Roboto"/>
+                        <a:sym typeface="Roboto"/>
+                      </a:endParaRPr>
+                    </a:p>
+                  </a:txBody>
+                  <a:tcPr marL="91425" marR="91425" marT="91425" marB="91425">
+                    <a:lnL w="38100" cap="flat" cmpd="sng">
+                      <a:solidFill>
+                        <a:schemeClr val="accent1"/>
+                      </a:solidFill>
+                      <a:prstDash val="solid"/>
+                      <a:round/>
+                      <a:headEnd type="none" w="sm" len="sm"/>
+                      <a:tailEnd type="none" w="sm" len="sm"/>
+                    </a:lnL>
+                    <a:lnR w="38100" cap="flat" cmpd="sng">
+                      <a:solidFill>
+                        <a:schemeClr val="accent1"/>
+                      </a:solidFill>
+                      <a:prstDash val="solid"/>
+                      <a:round/>
+                      <a:headEnd type="none" w="sm" len="sm"/>
+                      <a:tailEnd type="none" w="sm" len="sm"/>
+                    </a:lnR>
+                    <a:lnT w="38100" cap="flat" cmpd="sng">
+                      <a:solidFill>
+                        <a:schemeClr val="accent1"/>
+                      </a:solidFill>
+                      <a:prstDash val="solid"/>
+                      <a:round/>
+                      <a:headEnd type="none" w="sm" len="sm"/>
+                      <a:tailEnd type="none" w="sm" len="sm"/>
+                    </a:lnT>
+                    <a:lnB w="38100" cap="flat" cmpd="sng" algn="ctr">
+                      <a:solidFill>
+                        <a:schemeClr val="accent1"/>
+                      </a:solidFill>
+                      <a:prstDash val="solid"/>
+                      <a:round/>
+                      <a:headEnd type="none" w="sm" len="sm"/>
+                      <a:tailEnd type="none" w="sm" len="sm"/>
+                    </a:lnB>
+                  </a:tcPr>
+                </a:tc>
+                <a:tc hMerge="1">
+                  <a:txBody>
+                    <a:bodyPr/>
+                    <a:lstStyle/>
+                    <a:p>
+                      <a:endParaRPr lang="en-US"/>
+                    </a:p>
+                  </a:txBody>
+                  <a:tcPr/>
+                </a:tc>
+                <a:extLst>
+                  <a:ext uri="{0D108BD9-81ED-4DB2-BD59-A6C34878D82A}">
+                    <a16:rowId xmlns:a16="http://schemas.microsoft.com/office/drawing/2014/main" val="10000"/>
+                  </a:ext>
+                </a:extLst>
+              </a:tr>
+              <a:tr h="726090">
+                <a:tc>
+                  <a:txBody>
+                    <a:bodyPr/>
+                    <a:lstStyle/>
+                    <a:p>
+                      <a:pPr marL="0" lvl="0" indent="0" algn="r" rtl="0">
+                        <a:spcBef>
+                          <a:spcPts val="0"/>
+                        </a:spcBef>
+                        <a:spcAft>
+                          <a:spcPts val="0"/>
+                        </a:spcAft>
+                        <a:buNone/>
+                      </a:pPr>
+                      <a:r>
+                        <a:rPr lang="en-US" sz="1000" b="1" dirty="0">
+                          <a:solidFill>
+                            <a:schemeClr val="lt1"/>
+                          </a:solidFill>
+                          <a:latin typeface="Roboto"/>
+                          <a:ea typeface="Roboto"/>
+                          <a:cs typeface="Roboto"/>
+                          <a:sym typeface="Roboto"/>
+                        </a:rPr>
+                        <a:t>Miami Heat</a:t>
+                      </a:r>
+                      <a:endParaRPr sz="1000" b="1" dirty="0">
+                        <a:solidFill>
+                          <a:schemeClr val="lt1"/>
+                        </a:solidFill>
+                        <a:latin typeface="Roboto"/>
+                        <a:ea typeface="Roboto"/>
+                        <a:cs typeface="Roboto"/>
+                        <a:sym typeface="Roboto"/>
+                      </a:endParaRPr>
+                    </a:p>
+                  </a:txBody>
+                  <a:tcPr marL="91425" marR="91425" marT="91425" marB="91425" anchor="ctr">
+                    <a:lnL w="38100" cap="flat" cmpd="sng">
+                      <a:solidFill>
+                        <a:schemeClr val="accent1"/>
+                      </a:solidFill>
+                      <a:prstDash val="solid"/>
+                      <a:round/>
+                      <a:headEnd type="none" w="sm" len="sm"/>
+                      <a:tailEnd type="none" w="sm" len="sm"/>
+                    </a:lnL>
+                    <a:lnR w="38100" cap="flat" cmpd="sng" algn="ctr">
+                      <a:solidFill>
+                        <a:schemeClr val="accent1"/>
+                      </a:solidFill>
+                      <a:prstDash val="solid"/>
+                      <a:round/>
+                      <a:headEnd type="none" w="sm" len="sm"/>
+                      <a:tailEnd type="none" w="sm" len="sm"/>
+                    </a:lnR>
+                    <a:lnT w="38100" cap="flat" cmpd="sng" algn="ctr">
+                      <a:solidFill>
+                        <a:schemeClr val="accent1"/>
+                      </a:solidFill>
+                      <a:prstDash val="solid"/>
+                      <a:round/>
+                      <a:headEnd type="none" w="sm" len="sm"/>
+                      <a:tailEnd type="none" w="sm" len="sm"/>
+                    </a:lnT>
+                    <a:lnB w="38100" cap="flat" cmpd="sng" algn="ctr">
+                      <a:solidFill>
+                        <a:schemeClr val="accent1"/>
+                      </a:solidFill>
+                      <a:prstDash val="solid"/>
+                      <a:round/>
+                      <a:headEnd type="none" w="sm" len="sm"/>
+                      <a:tailEnd type="none" w="sm" len="sm"/>
+                    </a:lnB>
+                  </a:tcPr>
+                </a:tc>
+                <a:tc>
+                  <a:txBody>
+                    <a:bodyPr/>
+                    <a:lstStyle/>
+                    <a:p>
+                      <a:pPr marL="0" lvl="0" indent="0" algn="ctr" rtl="0">
+                        <a:spcBef>
+                          <a:spcPts val="0"/>
+                        </a:spcBef>
+                        <a:spcAft>
+                          <a:spcPts val="0"/>
+                        </a:spcAft>
+                        <a:buNone/>
+                      </a:pPr>
+                      <a:r>
+                        <a:rPr lang="en-US" sz="1000" b="1" dirty="0">
+                          <a:solidFill>
+                            <a:schemeClr val="lt1"/>
+                          </a:solidFill>
+                          <a:latin typeface="Roboto"/>
+                          <a:ea typeface="Roboto"/>
+                          <a:cs typeface="Roboto"/>
+                          <a:sym typeface="Roboto"/>
+                        </a:rPr>
+                        <a:t>0 NBA Titles</a:t>
+                      </a:r>
+                    </a:p>
+                    <a:p>
+                      <a:pPr marL="0" lvl="0" indent="0" algn="ctr" rtl="0">
+                        <a:spcBef>
+                          <a:spcPts val="0"/>
+                        </a:spcBef>
+                        <a:spcAft>
+                          <a:spcPts val="0"/>
+                        </a:spcAft>
+                        <a:buNone/>
+                      </a:pPr>
+                      <a:r>
+                        <a:rPr lang="en-US" sz="1000" b="1" dirty="0">
+                          <a:solidFill>
+                            <a:schemeClr val="lt1"/>
+                          </a:solidFill>
+                          <a:latin typeface="Roboto"/>
+                          <a:ea typeface="Roboto"/>
+                          <a:cs typeface="Roboto"/>
+                          <a:sym typeface="Roboto"/>
+                        </a:rPr>
+                        <a:t>3 Conference Titles</a:t>
+                      </a:r>
+                    </a:p>
+                    <a:p>
+                      <a:pPr marL="0" lvl="0" indent="0" algn="ctr" rtl="0">
+                        <a:spcBef>
+                          <a:spcPts val="0"/>
+                        </a:spcBef>
+                        <a:spcAft>
+                          <a:spcPts val="0"/>
+                        </a:spcAft>
+                        <a:buNone/>
+                      </a:pPr>
+                      <a:r>
+                        <a:rPr lang="en-US" sz="1000" b="1" dirty="0">
+                          <a:solidFill>
+                            <a:schemeClr val="lt1"/>
+                          </a:solidFill>
+                          <a:latin typeface="Roboto"/>
+                          <a:ea typeface="Roboto"/>
+                          <a:cs typeface="Roboto"/>
+                          <a:sym typeface="Roboto"/>
+                        </a:rPr>
+                        <a:t>6 Division Titles</a:t>
+                      </a:r>
+                      <a:endParaRPr sz="1000" b="1" dirty="0">
+                        <a:solidFill>
+                          <a:schemeClr val="lt1"/>
+                        </a:solidFill>
+                        <a:latin typeface="Roboto"/>
+                        <a:ea typeface="Roboto"/>
+                        <a:cs typeface="Roboto"/>
+                        <a:sym typeface="Roboto"/>
+                      </a:endParaRPr>
+                    </a:p>
+                  </a:txBody>
+                  <a:tcPr marL="91425" marR="91425" marT="91425" marB="91425" anchor="ctr">
+                    <a:lnL w="38100" cap="flat" cmpd="sng" algn="ctr">
+                      <a:solidFill>
+                        <a:schemeClr val="accent1"/>
+                      </a:solidFill>
+                      <a:prstDash val="solid"/>
+                      <a:round/>
+                      <a:headEnd type="none" w="sm" len="sm"/>
+                      <a:tailEnd type="none" w="sm" len="sm"/>
+                    </a:lnL>
+                    <a:lnR w="38100" cap="flat" cmpd="sng" algn="ctr">
+                      <a:solidFill>
+                        <a:schemeClr val="accent1"/>
+                      </a:solidFill>
+                      <a:prstDash val="solid"/>
+                      <a:round/>
+                      <a:headEnd type="none" w="sm" len="sm"/>
+                      <a:tailEnd type="none" w="sm" len="sm"/>
+                    </a:lnR>
+                    <a:lnT w="38100" cap="flat" cmpd="sng" algn="ctr">
+                      <a:solidFill>
+                        <a:schemeClr val="accent1"/>
+                      </a:solidFill>
+                      <a:prstDash val="solid"/>
+                      <a:round/>
+                      <a:headEnd type="none" w="sm" len="sm"/>
+                      <a:tailEnd type="none" w="sm" len="sm"/>
+                    </a:lnT>
+                    <a:lnB w="38100" cap="flat" cmpd="sng" algn="ctr">
+                      <a:solidFill>
+                        <a:schemeClr val="accent1"/>
+                      </a:solidFill>
+                      <a:prstDash val="solid"/>
+                      <a:round/>
+                      <a:headEnd type="none" w="sm" len="sm"/>
+                      <a:tailEnd type="none" w="sm" len="sm"/>
+                    </a:lnB>
+                  </a:tcPr>
+                </a:tc>
+                <a:tc>
+                  <a:txBody>
+                    <a:bodyPr/>
+                    <a:lstStyle/>
+                    <a:p>
+                      <a:pPr marL="0" marR="0" lvl="0" indent="0" algn="r" rtl="0">
+                        <a:lnSpc>
+                          <a:spcPct val="100000"/>
+                        </a:lnSpc>
+                        <a:spcBef>
+                          <a:spcPts val="0"/>
+                        </a:spcBef>
+                        <a:spcAft>
+                          <a:spcPts val="1600"/>
+                        </a:spcAft>
+                        <a:buNone/>
+                      </a:pPr>
+                      <a:r>
+                        <a:rPr lang="en-US" sz="1000" b="1" dirty="0">
+                          <a:solidFill>
+                            <a:schemeClr val="lt1"/>
+                          </a:solidFill>
+                          <a:latin typeface="Roboto"/>
+                          <a:ea typeface="Roboto"/>
+                          <a:cs typeface="Roboto"/>
+                          <a:sym typeface="Roboto"/>
+                        </a:rPr>
+                        <a:t>Portland Trail Blazers</a:t>
+                      </a:r>
+                    </a:p>
+                  </a:txBody>
+                  <a:tcPr marL="91425" marR="91425" marT="91425" marB="91425" anchor="ctr">
+                    <a:lnL w="38100" cap="flat" cmpd="sng" algn="ctr">
+                      <a:solidFill>
+                        <a:schemeClr val="accent1"/>
+                      </a:solidFill>
+                      <a:prstDash val="solid"/>
+                      <a:round/>
+                      <a:headEnd type="none" w="sm" len="sm"/>
+                      <a:tailEnd type="none" w="sm" len="sm"/>
+                    </a:lnL>
+                    <a:lnR w="38100" cap="flat" cmpd="sng" algn="ctr">
+                      <a:solidFill>
+                        <a:schemeClr val="accent1"/>
+                      </a:solidFill>
+                      <a:prstDash val="solid"/>
+                      <a:round/>
+                      <a:headEnd type="none" w="sm" len="sm"/>
+                      <a:tailEnd type="none" w="sm" len="sm"/>
+                    </a:lnR>
+                    <a:lnT w="38100" cap="flat" cmpd="sng" algn="ctr">
+                      <a:solidFill>
+                        <a:schemeClr val="accent1"/>
+                      </a:solidFill>
+                      <a:prstDash val="solid"/>
+                      <a:round/>
+                      <a:headEnd type="none" w="sm" len="sm"/>
+                      <a:tailEnd type="none" w="sm" len="sm"/>
+                    </a:lnT>
+                    <a:lnB w="38100" cap="flat" cmpd="sng" algn="ctr">
+                      <a:solidFill>
+                        <a:schemeClr val="accent1"/>
+                      </a:solidFill>
+                      <a:prstDash val="solid"/>
+                      <a:round/>
+                      <a:headEnd type="none" w="sm" len="sm"/>
+                      <a:tailEnd type="none" w="sm" len="sm"/>
+                    </a:lnB>
+                  </a:tcPr>
+                </a:tc>
+                <a:tc>
+                  <a:txBody>
+                    <a:bodyPr/>
+                    <a:lstStyle/>
+                    <a:p>
+                      <a:pPr marL="0" lvl="0" indent="0" algn="ctr" rtl="0">
+                        <a:spcBef>
+                          <a:spcPts val="0"/>
+                        </a:spcBef>
+                        <a:spcAft>
+                          <a:spcPts val="0"/>
+                        </a:spcAft>
+                        <a:buNone/>
+                      </a:pPr>
+                      <a:r>
+                        <a:rPr lang="en-US" sz="1000" b="1" dirty="0">
+                          <a:solidFill>
+                            <a:schemeClr val="lt1"/>
+                          </a:solidFill>
+                          <a:latin typeface="Roboto"/>
+                          <a:ea typeface="Roboto"/>
+                          <a:cs typeface="Roboto"/>
+                          <a:sym typeface="Roboto"/>
+                        </a:rPr>
+                        <a:t>0 NBA Titles</a:t>
+                      </a:r>
+                    </a:p>
+                    <a:p>
+                      <a:pPr marL="0" lvl="0" indent="0" algn="ctr" rtl="0">
+                        <a:spcBef>
+                          <a:spcPts val="0"/>
+                        </a:spcBef>
+                        <a:spcAft>
+                          <a:spcPts val="0"/>
+                        </a:spcAft>
+                        <a:buNone/>
+                      </a:pPr>
+                      <a:r>
+                        <a:rPr lang="en-US" sz="1000" b="1" dirty="0">
+                          <a:solidFill>
+                            <a:schemeClr val="lt1"/>
+                          </a:solidFill>
+                          <a:latin typeface="Roboto"/>
+                          <a:ea typeface="Roboto"/>
+                          <a:cs typeface="Roboto"/>
+                          <a:sym typeface="Roboto"/>
+                        </a:rPr>
+                        <a:t>0 Conference Titles</a:t>
+                      </a:r>
+                    </a:p>
+                    <a:p>
+                      <a:pPr marL="0" lvl="0" indent="0" algn="ctr" rtl="0">
+                        <a:spcBef>
+                          <a:spcPts val="0"/>
+                        </a:spcBef>
+                        <a:spcAft>
+                          <a:spcPts val="0"/>
+                        </a:spcAft>
+                        <a:buNone/>
+                      </a:pPr>
+                      <a:r>
+                        <a:rPr lang="en-US" sz="1000" b="1" dirty="0">
+                          <a:solidFill>
+                            <a:schemeClr val="lt1"/>
+                          </a:solidFill>
+                          <a:latin typeface="Roboto"/>
+                          <a:ea typeface="Roboto"/>
+                          <a:cs typeface="Roboto"/>
+                          <a:sym typeface="Roboto"/>
+                        </a:rPr>
+                        <a:t>2 Division Titles</a:t>
+                      </a:r>
+                    </a:p>
+                  </a:txBody>
+                  <a:tcPr marL="91425" marR="91425" marT="91425" marB="91425" anchor="ctr">
+                    <a:lnL w="38100" cap="flat" cmpd="sng" algn="ctr">
+                      <a:solidFill>
+                        <a:schemeClr val="accent1"/>
+                      </a:solidFill>
+                      <a:prstDash val="solid"/>
+                      <a:round/>
+                      <a:headEnd type="none" w="sm" len="sm"/>
+                      <a:tailEnd type="none" w="sm" len="sm"/>
+                    </a:lnL>
+                    <a:lnR w="38100" cap="flat" cmpd="sng">
+                      <a:solidFill>
+                        <a:schemeClr val="accent1"/>
+                      </a:solidFill>
+                      <a:prstDash val="solid"/>
+                      <a:round/>
+                      <a:headEnd type="none" w="sm" len="sm"/>
+                      <a:tailEnd type="none" w="sm" len="sm"/>
+                    </a:lnR>
+                    <a:lnT w="38100" cap="flat" cmpd="sng" algn="ctr">
+                      <a:solidFill>
+                        <a:schemeClr val="accent1"/>
+                      </a:solidFill>
+                      <a:prstDash val="solid"/>
+                      <a:round/>
+                      <a:headEnd type="none" w="sm" len="sm"/>
+                      <a:tailEnd type="none" w="sm" len="sm"/>
+                    </a:lnT>
+                    <a:lnB w="38100" cap="flat" cmpd="sng" algn="ctr">
+                      <a:solidFill>
+                        <a:schemeClr val="accent1"/>
+                      </a:solidFill>
+                      <a:prstDash val="solid"/>
+                      <a:round/>
+                      <a:headEnd type="none" w="sm" len="sm"/>
+                      <a:tailEnd type="none" w="sm" len="sm"/>
+                    </a:lnB>
+                  </a:tcPr>
+                </a:tc>
+                <a:extLst>
+                  <a:ext uri="{0D108BD9-81ED-4DB2-BD59-A6C34878D82A}">
+                    <a16:rowId xmlns:a16="http://schemas.microsoft.com/office/drawing/2014/main" val="10001"/>
+                  </a:ext>
+                </a:extLst>
+              </a:tr>
+              <a:tr h="726090">
+                <a:tc>
+                  <a:txBody>
+                    <a:bodyPr/>
+                    <a:lstStyle/>
+                    <a:p>
+                      <a:pPr marL="0" lvl="0" indent="0" algn="r" rtl="0">
+                        <a:spcBef>
+                          <a:spcPts val="0"/>
+                        </a:spcBef>
+                        <a:spcAft>
+                          <a:spcPts val="0"/>
+                        </a:spcAft>
+                        <a:buNone/>
+                      </a:pPr>
+                      <a:r>
+                        <a:rPr lang="en-US" sz="1000" b="1" dirty="0">
+                          <a:solidFill>
+                            <a:schemeClr val="lt1"/>
+                          </a:solidFill>
+                          <a:latin typeface="Roboto"/>
+                          <a:ea typeface="Roboto"/>
+                          <a:cs typeface="Roboto"/>
+                          <a:sym typeface="Roboto"/>
+                        </a:rPr>
+                        <a:t>Charlotte Hornets</a:t>
+                      </a:r>
+                      <a:endParaRPr sz="1000" b="1" dirty="0">
+                        <a:solidFill>
+                          <a:schemeClr val="lt1"/>
+                        </a:solidFill>
+                        <a:latin typeface="Roboto"/>
+                        <a:ea typeface="Roboto"/>
+                        <a:cs typeface="Roboto"/>
+                        <a:sym typeface="Roboto"/>
+                      </a:endParaRPr>
+                    </a:p>
+                  </a:txBody>
+                  <a:tcPr marL="91425" marR="91425" marT="91425" marB="91425" anchor="ctr">
+                    <a:lnL w="38100" cap="flat" cmpd="sng" algn="ctr">
+                      <a:solidFill>
+                        <a:schemeClr val="accent1"/>
+                      </a:solidFill>
+                      <a:prstDash val="solid"/>
+                      <a:round/>
+                      <a:headEnd type="none" w="sm" len="sm"/>
+                      <a:tailEnd type="none" w="sm" len="sm"/>
+                    </a:lnL>
+                    <a:lnR w="38100" cap="flat" cmpd="sng" algn="ctr">
+                      <a:solidFill>
+                        <a:schemeClr val="accent1"/>
+                      </a:solidFill>
+                      <a:prstDash val="solid"/>
+                      <a:round/>
+                      <a:headEnd type="none" w="sm" len="sm"/>
+                      <a:tailEnd type="none" w="sm" len="sm"/>
+                    </a:lnR>
+                    <a:lnT w="38100" cap="flat" cmpd="sng" algn="ctr">
+                      <a:solidFill>
+                        <a:schemeClr val="accent1"/>
+                      </a:solidFill>
+                      <a:prstDash val="solid"/>
+                      <a:round/>
+                      <a:headEnd type="none" w="sm" len="sm"/>
+                      <a:tailEnd type="none" w="sm" len="sm"/>
+                    </a:lnT>
+                    <a:lnB w="38100" cap="flat" cmpd="sng" algn="ctr">
+                      <a:solidFill>
+                        <a:schemeClr val="accent1"/>
+                      </a:solidFill>
+                      <a:prstDash val="solid"/>
+                      <a:round/>
+                      <a:headEnd type="none" w="sm" len="sm"/>
+                      <a:tailEnd type="none" w="sm" len="sm"/>
+                    </a:lnB>
+                  </a:tcPr>
+                </a:tc>
+                <a:tc>
+                  <a:txBody>
+                    <a:bodyPr/>
+                    <a:lstStyle/>
+                    <a:p>
+                      <a:pPr marL="0" lvl="0" indent="0" algn="ctr" rtl="0">
+                        <a:spcBef>
+                          <a:spcPts val="0"/>
+                        </a:spcBef>
+                        <a:spcAft>
+                          <a:spcPts val="0"/>
+                        </a:spcAft>
+                        <a:buNone/>
+                      </a:pPr>
+                      <a:r>
+                        <a:rPr lang="en-US" sz="1000" b="1" dirty="0">
+                          <a:solidFill>
+                            <a:schemeClr val="lt1"/>
+                          </a:solidFill>
+                          <a:latin typeface="Roboto"/>
+                          <a:ea typeface="Roboto"/>
+                          <a:cs typeface="Roboto"/>
+                          <a:sym typeface="Roboto"/>
+                        </a:rPr>
+                        <a:t>0 NBA Titles</a:t>
+                      </a:r>
+                    </a:p>
+                    <a:p>
+                      <a:pPr marL="0" lvl="0" indent="0" algn="ctr" rtl="0">
+                        <a:spcBef>
+                          <a:spcPts val="0"/>
+                        </a:spcBef>
+                        <a:spcAft>
+                          <a:spcPts val="0"/>
+                        </a:spcAft>
+                        <a:buNone/>
+                      </a:pPr>
+                      <a:r>
+                        <a:rPr lang="en-US" sz="1000" b="1" dirty="0">
+                          <a:solidFill>
+                            <a:schemeClr val="lt1"/>
+                          </a:solidFill>
+                          <a:latin typeface="Roboto"/>
+                          <a:ea typeface="Roboto"/>
+                          <a:cs typeface="Roboto"/>
+                          <a:sym typeface="Roboto"/>
+                        </a:rPr>
+                        <a:t>0 Conference Titles</a:t>
+                      </a:r>
+                    </a:p>
+                    <a:p>
+                      <a:pPr marL="0" lvl="0" indent="0" algn="ctr" rtl="0">
+                        <a:spcBef>
+                          <a:spcPts val="0"/>
+                        </a:spcBef>
+                        <a:spcAft>
+                          <a:spcPts val="0"/>
+                        </a:spcAft>
+                        <a:buNone/>
+                      </a:pPr>
+                      <a:r>
+                        <a:rPr lang="en-US" sz="1000" b="1" dirty="0">
+                          <a:solidFill>
+                            <a:schemeClr val="lt1"/>
+                          </a:solidFill>
+                          <a:latin typeface="Roboto"/>
+                          <a:ea typeface="Roboto"/>
+                          <a:cs typeface="Roboto"/>
+                          <a:sym typeface="Roboto"/>
+                        </a:rPr>
+                        <a:t>0 Division Titles</a:t>
+                      </a:r>
+                    </a:p>
+                  </a:txBody>
+                  <a:tcPr marL="91425" marR="91425" marT="91425" marB="91425" anchor="ctr">
+                    <a:lnL w="38100" cap="flat" cmpd="sng" algn="ctr">
+                      <a:solidFill>
+                        <a:schemeClr val="accent1"/>
+                      </a:solidFill>
+                      <a:prstDash val="solid"/>
+                      <a:round/>
+                      <a:headEnd type="none" w="sm" len="sm"/>
+                      <a:tailEnd type="none" w="sm" len="sm"/>
+                    </a:lnL>
+                    <a:lnR w="38100" cap="flat" cmpd="sng" algn="ctr">
+                      <a:solidFill>
+                        <a:schemeClr val="accent1"/>
+                      </a:solidFill>
+                      <a:prstDash val="solid"/>
+                      <a:round/>
+                      <a:headEnd type="none" w="sm" len="sm"/>
+                      <a:tailEnd type="none" w="sm" len="sm"/>
+                    </a:lnR>
+                    <a:lnT w="38100" cap="flat" cmpd="sng" algn="ctr">
+                      <a:solidFill>
+                        <a:schemeClr val="accent1"/>
+                      </a:solidFill>
+                      <a:prstDash val="solid"/>
+                      <a:round/>
+                      <a:headEnd type="none" w="sm" len="sm"/>
+                      <a:tailEnd type="none" w="sm" len="sm"/>
+                    </a:lnT>
+                    <a:lnB w="38100" cap="flat" cmpd="sng" algn="ctr">
+                      <a:solidFill>
+                        <a:schemeClr val="accent1"/>
+                      </a:solidFill>
+                      <a:prstDash val="solid"/>
+                      <a:round/>
+                      <a:headEnd type="none" w="sm" len="sm"/>
+                      <a:tailEnd type="none" w="sm" len="sm"/>
+                    </a:lnB>
+                  </a:tcPr>
+                </a:tc>
+                <a:tc>
+                  <a:txBody>
+                    <a:bodyPr/>
+                    <a:lstStyle/>
+                    <a:p>
+                      <a:pPr marL="0" marR="0" lvl="0" indent="0" algn="r" rtl="0">
+                        <a:lnSpc>
+                          <a:spcPct val="100000"/>
+                        </a:lnSpc>
+                        <a:spcBef>
+                          <a:spcPts val="0"/>
+                        </a:spcBef>
+                        <a:spcAft>
+                          <a:spcPts val="1600"/>
+                        </a:spcAft>
+                        <a:buNone/>
+                      </a:pPr>
+                      <a:r>
+                        <a:rPr lang="en-US" sz="1000" b="1" dirty="0">
+                          <a:solidFill>
+                            <a:schemeClr val="lt1"/>
+                          </a:solidFill>
+                          <a:latin typeface="Roboto"/>
+                          <a:ea typeface="Roboto"/>
+                          <a:cs typeface="Roboto"/>
+                          <a:sym typeface="Roboto"/>
+                        </a:rPr>
+                        <a:t>Detroit Pistons</a:t>
+                      </a:r>
+                      <a:endParaRPr sz="1000" b="1" dirty="0">
+                        <a:solidFill>
+                          <a:schemeClr val="lt1"/>
+                        </a:solidFill>
+                        <a:latin typeface="Roboto"/>
+                        <a:ea typeface="Roboto"/>
+                        <a:cs typeface="Roboto"/>
+                        <a:sym typeface="Roboto"/>
+                      </a:endParaRPr>
+                    </a:p>
+                  </a:txBody>
+                  <a:tcPr marL="91425" marR="91425" marT="91425" marB="91425" anchor="ctr">
+                    <a:lnL w="38100" cap="flat" cmpd="sng" algn="ctr">
+                      <a:solidFill>
+                        <a:schemeClr val="accent1"/>
+                      </a:solidFill>
+                      <a:prstDash val="solid"/>
+                      <a:round/>
+                      <a:headEnd type="none" w="sm" len="sm"/>
+                      <a:tailEnd type="none" w="sm" len="sm"/>
+                    </a:lnL>
+                    <a:lnR w="38100" cap="flat" cmpd="sng" algn="ctr">
+                      <a:solidFill>
+                        <a:schemeClr val="accent1"/>
+                      </a:solidFill>
+                      <a:prstDash val="solid"/>
+                      <a:round/>
+                      <a:headEnd type="none" w="sm" len="sm"/>
+                      <a:tailEnd type="none" w="sm" len="sm"/>
+                    </a:lnR>
+                    <a:lnT w="38100" cap="flat" cmpd="sng" algn="ctr">
+                      <a:solidFill>
+                        <a:schemeClr val="accent1"/>
+                      </a:solidFill>
+                      <a:prstDash val="solid"/>
+                      <a:round/>
+                      <a:headEnd type="none" w="sm" len="sm"/>
+                      <a:tailEnd type="none" w="sm" len="sm"/>
+                    </a:lnT>
+                    <a:lnB w="38100" cap="flat" cmpd="sng" algn="ctr">
+                      <a:solidFill>
+                        <a:schemeClr val="accent1"/>
+                      </a:solidFill>
+                      <a:prstDash val="solid"/>
+                      <a:round/>
+                      <a:headEnd type="none" w="sm" len="sm"/>
+                      <a:tailEnd type="none" w="sm" len="sm"/>
+                    </a:lnB>
+                  </a:tcPr>
+                </a:tc>
+                <a:tc>
+                  <a:txBody>
+                    <a:bodyPr/>
+                    <a:lstStyle/>
+                    <a:p>
+                      <a:pPr marL="0" lvl="0" indent="0" algn="ctr" rtl="0">
+                        <a:spcBef>
+                          <a:spcPts val="0"/>
+                        </a:spcBef>
+                        <a:spcAft>
+                          <a:spcPts val="0"/>
+                        </a:spcAft>
+                        <a:buNone/>
+                      </a:pPr>
+                      <a:r>
+                        <a:rPr lang="en-US" sz="1000" b="1" dirty="0">
+                          <a:solidFill>
+                            <a:schemeClr val="lt1"/>
+                          </a:solidFill>
+                          <a:latin typeface="Roboto"/>
+                          <a:ea typeface="Roboto"/>
+                          <a:cs typeface="Roboto"/>
+                          <a:sym typeface="Roboto"/>
+                        </a:rPr>
+                        <a:t>0 NBA Titles</a:t>
+                      </a:r>
+                    </a:p>
+                    <a:p>
+                      <a:pPr marL="0" lvl="0" indent="0" algn="ctr" rtl="0">
+                        <a:spcBef>
+                          <a:spcPts val="0"/>
+                        </a:spcBef>
+                        <a:spcAft>
+                          <a:spcPts val="0"/>
+                        </a:spcAft>
+                        <a:buNone/>
+                      </a:pPr>
+                      <a:r>
+                        <a:rPr lang="en-US" sz="1000" b="1" dirty="0">
+                          <a:solidFill>
+                            <a:schemeClr val="lt1"/>
+                          </a:solidFill>
+                          <a:latin typeface="Roboto"/>
+                          <a:ea typeface="Roboto"/>
+                          <a:cs typeface="Roboto"/>
+                          <a:sym typeface="Roboto"/>
+                        </a:rPr>
+                        <a:t>0 Conference Titles</a:t>
+                      </a:r>
+                    </a:p>
+                    <a:p>
+                      <a:pPr marL="0" lvl="0" indent="0" algn="ctr" rtl="0">
+                        <a:spcBef>
+                          <a:spcPts val="0"/>
+                        </a:spcBef>
+                        <a:spcAft>
+                          <a:spcPts val="0"/>
+                        </a:spcAft>
+                        <a:buNone/>
+                      </a:pPr>
+                      <a:r>
+                        <a:rPr lang="en-US" sz="1000" b="1" dirty="0">
+                          <a:solidFill>
+                            <a:schemeClr val="lt1"/>
+                          </a:solidFill>
+                          <a:latin typeface="Roboto"/>
+                          <a:ea typeface="Roboto"/>
+                          <a:cs typeface="Roboto"/>
+                          <a:sym typeface="Roboto"/>
+                        </a:rPr>
+                        <a:t>0 Division Titles</a:t>
+                      </a:r>
+                    </a:p>
+                  </a:txBody>
+                  <a:tcPr marL="91425" marR="91425" marT="91425" marB="91425" anchor="ctr">
+                    <a:lnL w="38100" cap="flat" cmpd="sng" algn="ctr">
+                      <a:solidFill>
+                        <a:schemeClr val="accent1"/>
+                      </a:solidFill>
+                      <a:prstDash val="solid"/>
+                      <a:round/>
+                      <a:headEnd type="none" w="sm" len="sm"/>
+                      <a:tailEnd type="none" w="sm" len="sm"/>
+                    </a:lnL>
+                    <a:lnR w="38100" cap="flat" cmpd="sng" algn="ctr">
+                      <a:solidFill>
+                        <a:schemeClr val="accent1"/>
+                      </a:solidFill>
+                      <a:prstDash val="solid"/>
+                      <a:round/>
+                      <a:headEnd type="none" w="sm" len="sm"/>
+                      <a:tailEnd type="none" w="sm" len="sm"/>
+                    </a:lnR>
+                    <a:lnT w="38100" cap="flat" cmpd="sng" algn="ctr">
+                      <a:solidFill>
+                        <a:schemeClr val="accent1"/>
+                      </a:solidFill>
+                      <a:prstDash val="solid"/>
+                      <a:round/>
+                      <a:headEnd type="none" w="sm" len="sm"/>
+                      <a:tailEnd type="none" w="sm" len="sm"/>
+                    </a:lnT>
+                    <a:lnB w="38100" cap="flat" cmpd="sng" algn="ctr">
+                      <a:solidFill>
+                        <a:schemeClr val="accent1"/>
+                      </a:solidFill>
+                      <a:prstDash val="solid"/>
+                      <a:round/>
+                      <a:headEnd type="none" w="sm" len="sm"/>
+                      <a:tailEnd type="none" w="sm" len="sm"/>
+                    </a:lnB>
+                  </a:tcPr>
+                </a:tc>
+                <a:extLst>
+                  <a:ext uri="{0D108BD9-81ED-4DB2-BD59-A6C34878D82A}">
+                    <a16:rowId xmlns:a16="http://schemas.microsoft.com/office/drawing/2014/main" val="2952972373"/>
+                  </a:ext>
+                </a:extLst>
+              </a:tr>
+              <a:tr h="726090">
+                <a:tc>
+                  <a:txBody>
+                    <a:bodyPr/>
+                    <a:lstStyle/>
+                    <a:p>
+                      <a:pPr marL="0" lvl="0" indent="0" algn="r" rtl="0">
+                        <a:spcBef>
+                          <a:spcPts val="0"/>
+                        </a:spcBef>
+                        <a:spcAft>
+                          <a:spcPts val="0"/>
+                        </a:spcAft>
+                        <a:buNone/>
+                      </a:pPr>
+                      <a:r>
+                        <a:rPr lang="en-US" sz="1000" b="1" dirty="0">
+                          <a:solidFill>
+                            <a:schemeClr val="lt1"/>
+                          </a:solidFill>
+                          <a:latin typeface="Roboto"/>
+                          <a:ea typeface="Roboto"/>
+                          <a:cs typeface="Roboto"/>
+                          <a:sym typeface="Roboto"/>
+                        </a:rPr>
+                        <a:t>Houston Rockets</a:t>
+                      </a:r>
+                      <a:endParaRPr sz="1000" b="1" dirty="0">
+                        <a:solidFill>
+                          <a:schemeClr val="lt1"/>
+                        </a:solidFill>
+                        <a:latin typeface="Roboto"/>
+                        <a:ea typeface="Roboto"/>
+                        <a:cs typeface="Roboto"/>
+                        <a:sym typeface="Roboto"/>
+                      </a:endParaRPr>
+                    </a:p>
+                  </a:txBody>
+                  <a:tcPr marL="91425" marR="91425" marT="91425" marB="91425" anchor="ctr">
+                    <a:lnL w="38100" cap="flat" cmpd="sng" algn="ctr">
+                      <a:solidFill>
+                        <a:schemeClr val="accent1"/>
+                      </a:solidFill>
+                      <a:prstDash val="solid"/>
+                      <a:round/>
+                      <a:headEnd type="none" w="sm" len="sm"/>
+                      <a:tailEnd type="none" w="sm" len="sm"/>
+                    </a:lnL>
+                    <a:lnR w="38100" cap="flat" cmpd="sng" algn="ctr">
+                      <a:solidFill>
+                        <a:schemeClr val="accent1"/>
+                      </a:solidFill>
+                      <a:prstDash val="solid"/>
+                      <a:round/>
+                      <a:headEnd type="none" w="sm" len="sm"/>
+                      <a:tailEnd type="none" w="sm" len="sm"/>
+                    </a:lnR>
+                    <a:lnT w="38100" cap="flat" cmpd="sng" algn="ctr">
+                      <a:solidFill>
+                        <a:schemeClr val="accent1"/>
+                      </a:solidFill>
+                      <a:prstDash val="solid"/>
+                      <a:round/>
+                      <a:headEnd type="none" w="sm" len="sm"/>
+                      <a:tailEnd type="none" w="sm" len="sm"/>
+                    </a:lnT>
+                    <a:lnB w="38100" cap="flat" cmpd="sng">
+                      <a:solidFill>
+                        <a:schemeClr val="accent1"/>
+                      </a:solidFill>
+                      <a:prstDash val="solid"/>
+                      <a:round/>
+                      <a:headEnd type="none" w="sm" len="sm"/>
+                      <a:tailEnd type="none" w="sm" len="sm"/>
+                    </a:lnB>
+                  </a:tcPr>
+                </a:tc>
+                <a:tc>
+                  <a:txBody>
+                    <a:bodyPr/>
+                    <a:lstStyle/>
+                    <a:p>
+                      <a:pPr marL="0" lvl="0" indent="0" algn="ctr" rtl="0">
+                        <a:spcBef>
+                          <a:spcPts val="0"/>
+                        </a:spcBef>
+                        <a:spcAft>
+                          <a:spcPts val="0"/>
+                        </a:spcAft>
+                        <a:buNone/>
+                      </a:pPr>
+                      <a:r>
+                        <a:rPr lang="en-US" sz="1000" b="1" dirty="0">
+                          <a:solidFill>
+                            <a:schemeClr val="lt1"/>
+                          </a:solidFill>
+                          <a:latin typeface="Roboto"/>
+                          <a:ea typeface="Roboto"/>
+                          <a:cs typeface="Roboto"/>
+                          <a:sym typeface="Roboto"/>
+                        </a:rPr>
+                        <a:t>0 NBA Titles</a:t>
+                      </a:r>
+                    </a:p>
+                    <a:p>
+                      <a:pPr marL="0" lvl="0" indent="0" algn="ctr" rtl="0">
+                        <a:spcBef>
+                          <a:spcPts val="0"/>
+                        </a:spcBef>
+                        <a:spcAft>
+                          <a:spcPts val="0"/>
+                        </a:spcAft>
+                        <a:buNone/>
+                      </a:pPr>
+                      <a:r>
+                        <a:rPr lang="en-US" sz="1000" b="1" dirty="0">
+                          <a:solidFill>
+                            <a:schemeClr val="lt1"/>
+                          </a:solidFill>
+                          <a:latin typeface="Roboto"/>
+                          <a:ea typeface="Roboto"/>
+                          <a:cs typeface="Roboto"/>
+                          <a:sym typeface="Roboto"/>
+                        </a:rPr>
+                        <a:t>0 Conference Titles</a:t>
+                      </a:r>
+                    </a:p>
+                    <a:p>
+                      <a:pPr marL="0" lvl="0" indent="0" algn="ctr" rtl="0">
+                        <a:spcBef>
+                          <a:spcPts val="0"/>
+                        </a:spcBef>
+                        <a:spcAft>
+                          <a:spcPts val="0"/>
+                        </a:spcAft>
+                        <a:buNone/>
+                      </a:pPr>
+                      <a:r>
+                        <a:rPr lang="en-US" sz="1000" b="1" dirty="0">
+                          <a:solidFill>
+                            <a:schemeClr val="lt1"/>
+                          </a:solidFill>
+                          <a:latin typeface="Roboto"/>
+                          <a:ea typeface="Roboto"/>
+                          <a:cs typeface="Roboto"/>
+                          <a:sym typeface="Roboto"/>
+                        </a:rPr>
+                        <a:t>4 Division Titles</a:t>
+                      </a:r>
+                    </a:p>
+                  </a:txBody>
+                  <a:tcPr marL="91425" marR="91425" marT="91425" marB="91425" anchor="ctr">
+                    <a:lnL w="38100" cap="flat" cmpd="sng" algn="ctr">
+                      <a:solidFill>
+                        <a:schemeClr val="accent1"/>
+                      </a:solidFill>
+                      <a:prstDash val="solid"/>
+                      <a:round/>
+                      <a:headEnd type="none" w="sm" len="sm"/>
+                      <a:tailEnd type="none" w="sm" len="sm"/>
+                    </a:lnL>
+                    <a:lnR w="38100" cap="flat" cmpd="sng" algn="ctr">
+                      <a:solidFill>
+                        <a:schemeClr val="accent1"/>
+                      </a:solidFill>
+                      <a:prstDash val="solid"/>
+                      <a:round/>
+                      <a:headEnd type="none" w="sm" len="sm"/>
+                      <a:tailEnd type="none" w="sm" len="sm"/>
+                    </a:lnR>
+                    <a:lnT w="38100" cap="flat" cmpd="sng" algn="ctr">
+                      <a:solidFill>
+                        <a:schemeClr val="accent1"/>
+                      </a:solidFill>
+                      <a:prstDash val="solid"/>
+                      <a:round/>
+                      <a:headEnd type="none" w="sm" len="sm"/>
+                      <a:tailEnd type="none" w="sm" len="sm"/>
+                    </a:lnT>
+                    <a:lnB w="38100" cap="flat" cmpd="sng" algn="ctr">
+                      <a:solidFill>
+                        <a:schemeClr val="accent1"/>
+                      </a:solidFill>
+                      <a:prstDash val="solid"/>
+                      <a:round/>
+                      <a:headEnd type="none" w="sm" len="sm"/>
+                      <a:tailEnd type="none" w="sm" len="sm"/>
+                    </a:lnB>
+                  </a:tcPr>
+                </a:tc>
+                <a:tc>
+                  <a:txBody>
+                    <a:bodyPr/>
+                    <a:lstStyle/>
+                    <a:p>
+                      <a:pPr algn="r"/>
+                      <a:r>
+                        <a:rPr lang="en-US" sz="1000" b="1" dirty="0">
+                          <a:solidFill>
+                            <a:schemeClr val="bg1"/>
+                          </a:solidFill>
+                          <a:latin typeface="Roboto" panose="02000000000000000000" pitchFamily="2" charset="0"/>
+                          <a:ea typeface="Roboto" panose="02000000000000000000" pitchFamily="2" charset="0"/>
+                          <a:cs typeface="Roboto" panose="02000000000000000000" pitchFamily="2" charset="0"/>
+                        </a:rPr>
+                        <a:t>Indiana Pacers</a:t>
+                      </a:r>
+                    </a:p>
+                  </a:txBody>
+                  <a:tcPr anchor="ctr">
+                    <a:lnL w="38100" cap="flat" cmpd="sng" algn="ctr">
+                      <a:solidFill>
+                        <a:schemeClr val="accent1"/>
+                      </a:solidFill>
+                      <a:prstDash val="solid"/>
+                      <a:round/>
+                      <a:headEnd type="none" w="sm" len="sm"/>
+                      <a:tailEnd type="none" w="sm" len="sm"/>
+                    </a:lnL>
+                    <a:lnR w="38100" cap="flat" cmpd="sng" algn="ctr">
+                      <a:solidFill>
+                        <a:schemeClr val="accent1"/>
+                      </a:solidFill>
+                      <a:prstDash val="solid"/>
+                      <a:round/>
+                      <a:headEnd type="none" w="sm" len="sm"/>
+                      <a:tailEnd type="none" w="sm" len="sm"/>
+                    </a:lnR>
+                    <a:lnT w="38100" cap="flat" cmpd="sng" algn="ctr">
+                      <a:solidFill>
+                        <a:schemeClr val="accent1"/>
+                      </a:solidFill>
+                      <a:prstDash val="solid"/>
+                      <a:round/>
+                      <a:headEnd type="none" w="sm" len="sm"/>
+                      <a:tailEnd type="none" w="sm" len="sm"/>
+                    </a:lnT>
+                    <a:lnB w="38100" cap="flat" cmpd="sng">
+                      <a:solidFill>
+                        <a:schemeClr val="accent1"/>
+                      </a:solidFill>
+                      <a:prstDash val="solid"/>
+                      <a:round/>
+                      <a:headEnd type="none" w="sm" len="sm"/>
+                      <a:tailEnd type="none" w="sm" len="sm"/>
+                    </a:lnB>
+                  </a:tcPr>
+                </a:tc>
+                <a:tc>
+                  <a:txBody>
+                    <a:bodyPr/>
+                    <a:lstStyle/>
+                    <a:p>
+                      <a:pPr marL="0" lvl="0" indent="0" algn="ctr" rtl="0">
+                        <a:spcBef>
+                          <a:spcPts val="0"/>
+                        </a:spcBef>
+                        <a:spcAft>
+                          <a:spcPts val="0"/>
+                        </a:spcAft>
+                        <a:buNone/>
+                      </a:pPr>
+                      <a:r>
+                        <a:rPr lang="en-US" sz="1000" b="1" dirty="0">
+                          <a:solidFill>
+                            <a:schemeClr val="lt1"/>
+                          </a:solidFill>
+                          <a:latin typeface="Roboto"/>
+                          <a:ea typeface="Roboto"/>
+                          <a:cs typeface="Roboto"/>
+                          <a:sym typeface="Roboto"/>
+                        </a:rPr>
+                        <a:t>0 NBA Titles</a:t>
+                      </a:r>
+                    </a:p>
+                    <a:p>
+                      <a:pPr marL="0" lvl="0" indent="0" algn="ctr" rtl="0">
+                        <a:spcBef>
+                          <a:spcPts val="0"/>
+                        </a:spcBef>
+                        <a:spcAft>
+                          <a:spcPts val="0"/>
+                        </a:spcAft>
+                        <a:buNone/>
+                      </a:pPr>
+                      <a:r>
+                        <a:rPr lang="en-US" sz="1000" b="1" dirty="0">
+                          <a:solidFill>
+                            <a:schemeClr val="lt1"/>
+                          </a:solidFill>
+                          <a:latin typeface="Roboto"/>
+                          <a:ea typeface="Roboto"/>
+                          <a:cs typeface="Roboto"/>
+                          <a:sym typeface="Roboto"/>
+                        </a:rPr>
+                        <a:t>0 Conference Titles</a:t>
+                      </a:r>
+                    </a:p>
+                    <a:p>
+                      <a:pPr marL="0" lvl="0" indent="0" algn="ctr" rtl="0">
+                        <a:spcBef>
+                          <a:spcPts val="0"/>
+                        </a:spcBef>
+                        <a:spcAft>
+                          <a:spcPts val="0"/>
+                        </a:spcAft>
+                        <a:buNone/>
+                      </a:pPr>
+                      <a:r>
+                        <a:rPr lang="en-US" sz="1000" b="1" dirty="0">
+                          <a:solidFill>
+                            <a:schemeClr val="lt1"/>
+                          </a:solidFill>
+                          <a:latin typeface="Roboto"/>
+                          <a:ea typeface="Roboto"/>
+                          <a:cs typeface="Roboto"/>
+                          <a:sym typeface="Roboto"/>
+                        </a:rPr>
+                        <a:t>2 Division Titles</a:t>
+                      </a:r>
+                    </a:p>
+                  </a:txBody>
+                  <a:tcPr marL="91425" marR="91425" marT="91425" marB="91425" anchor="ctr">
+                    <a:lnL w="38100" cap="flat" cmpd="sng" algn="ctr">
+                      <a:solidFill>
+                        <a:schemeClr val="accent1"/>
+                      </a:solidFill>
+                      <a:prstDash val="solid"/>
+                      <a:round/>
+                      <a:headEnd type="none" w="sm" len="sm"/>
+                      <a:tailEnd type="none" w="sm" len="sm"/>
+                    </a:lnL>
+                    <a:lnR w="38100" cap="flat" cmpd="sng" algn="ctr">
+                      <a:solidFill>
+                        <a:schemeClr val="accent1"/>
+                      </a:solidFill>
+                      <a:prstDash val="solid"/>
+                      <a:round/>
+                      <a:headEnd type="none" w="sm" len="sm"/>
+                      <a:tailEnd type="none" w="sm" len="sm"/>
+                    </a:lnR>
+                    <a:lnT w="38100" cap="flat" cmpd="sng" algn="ctr">
+                      <a:solidFill>
+                        <a:schemeClr val="accent1"/>
+                      </a:solidFill>
+                      <a:prstDash val="solid"/>
+                      <a:round/>
+                      <a:headEnd type="none" w="sm" len="sm"/>
+                      <a:tailEnd type="none" w="sm" len="sm"/>
+                    </a:lnT>
+                    <a:lnB w="38100" cap="flat" cmpd="sng" algn="ctr">
+                      <a:solidFill>
+                        <a:schemeClr val="accent1"/>
+                      </a:solidFill>
+                      <a:prstDash val="solid"/>
+                      <a:round/>
+                      <a:headEnd type="none" w="sm" len="sm"/>
+                      <a:tailEnd type="none" w="sm" len="sm"/>
+                    </a:lnB>
+                  </a:tcPr>
+                </a:tc>
+                <a:extLst>
+                  <a:ext uri="{0D108BD9-81ED-4DB2-BD59-A6C34878D82A}">
+                    <a16:rowId xmlns:a16="http://schemas.microsoft.com/office/drawing/2014/main" val="1291614083"/>
+                  </a:ext>
+                </a:extLst>
+              </a:tr>
+            </a:tbl>
+          </a:graphicData>
+        </a:graphic>
+      </p:graphicFrame>
+      <p:pic>
+        <p:nvPicPr>
+          <p:cNvPr id="4" name="Picture 2" descr="Miami Heat - Wikipedia">
+            <a:extLst>
+              <a:ext uri="{FF2B5EF4-FFF2-40B4-BE49-F238E27FC236}">
+                <a16:creationId xmlns:a16="http://schemas.microsoft.com/office/drawing/2014/main" id="{ECBC1BCC-9723-9A55-43AC-2C061ED7B766}"/>
+              </a:ext>
+            </a:extLst>
+          </p:cNvPr>
+          <p:cNvPicPr>
+            <a:picLocks noChangeAspect="1" noChangeArrowheads="1"/>
+          </p:cNvPicPr>
+          <p:nvPr/>
+        </p:nvPicPr>
+        <p:blipFill>
+          <a:blip r:embed="rId2">
+            <a:extLst>
+              <a:ext uri="{28A0092B-C50C-407E-A947-70E740481C1C}">
+                <a14:useLocalDpi xmlns:a14="http://schemas.microsoft.com/office/drawing/2010/main" val="0"/>
+              </a:ext>
+            </a:extLst>
+          </a:blip>
+          <a:srcRect/>
+          <a:stretch>
+            <a:fillRect/>
+          </a:stretch>
+        </p:blipFill>
+        <p:spPr bwMode="auto">
+          <a:xfrm>
+            <a:off x="1189035" y="2312586"/>
+            <a:ext cx="375308" cy="518328"/>
+          </a:xfrm>
+          <a:prstGeom prst="rect">
+            <a:avLst/>
+          </a:prstGeom>
+          <a:noFill/>
+          <a:extLst>
+            <a:ext uri="{909E8E84-426E-40DD-AFC4-6F175D3DCCD1}">
+              <a14:hiddenFill xmlns:a14="http://schemas.microsoft.com/office/drawing/2010/main">
+                <a:solidFill>
+                  <a:srgbClr val="FFFFFF"/>
+                </a:solidFill>
+              </a14:hiddenFill>
+            </a:ext>
+          </a:extLst>
+        </p:spPr>
+      </p:pic>
+      <p:pic>
+        <p:nvPicPr>
+          <p:cNvPr id="5" name="Picture 4" descr="Charlotte Hornets - Wikipedia">
+            <a:extLst>
+              <a:ext uri="{FF2B5EF4-FFF2-40B4-BE49-F238E27FC236}">
+                <a16:creationId xmlns:a16="http://schemas.microsoft.com/office/drawing/2014/main" id="{74CE35A0-22D2-D1B9-9C27-2E57606F6941}"/>
+              </a:ext>
+            </a:extLst>
+          </p:cNvPr>
+          <p:cNvPicPr>
+            <a:picLocks noChangeAspect="1" noChangeArrowheads="1"/>
+          </p:cNvPicPr>
+          <p:nvPr/>
+        </p:nvPicPr>
+        <p:blipFill>
+          <a:blip r:embed="rId3">
+            <a:extLst>
+              <a:ext uri="{28A0092B-C50C-407E-A947-70E740481C1C}">
+                <a14:useLocalDpi xmlns:a14="http://schemas.microsoft.com/office/drawing/2010/main" val="0"/>
+              </a:ext>
+            </a:extLst>
+          </a:blip>
+          <a:srcRect/>
+          <a:stretch>
+            <a:fillRect/>
+          </a:stretch>
+        </p:blipFill>
+        <p:spPr bwMode="auto">
+          <a:xfrm>
+            <a:off x="1189035" y="3069258"/>
+            <a:ext cx="375308" cy="518328"/>
+          </a:xfrm>
+          <a:prstGeom prst="rect">
+            <a:avLst/>
+          </a:prstGeom>
+          <a:noFill/>
+          <a:extLst>
+            <a:ext uri="{909E8E84-426E-40DD-AFC4-6F175D3DCCD1}">
+              <a14:hiddenFill xmlns:a14="http://schemas.microsoft.com/office/drawing/2010/main">
+                <a:solidFill>
+                  <a:srgbClr val="FFFFFF"/>
+                </a:solidFill>
+              </a14:hiddenFill>
+            </a:ext>
+          </a:extLst>
+        </p:spPr>
+      </p:pic>
+      <p:pic>
+        <p:nvPicPr>
+          <p:cNvPr id="6" name="Picture 6" descr="Houston Rockets - Wikipedia">
+            <a:extLst>
+              <a:ext uri="{FF2B5EF4-FFF2-40B4-BE49-F238E27FC236}">
+                <a16:creationId xmlns:a16="http://schemas.microsoft.com/office/drawing/2014/main" id="{956A43C1-C06C-A3FD-4ECA-6F33CA63D519}"/>
+              </a:ext>
+            </a:extLst>
+          </p:cNvPr>
+          <p:cNvPicPr>
+            <a:picLocks noChangeAspect="1" noChangeArrowheads="1"/>
+          </p:cNvPicPr>
+          <p:nvPr/>
+        </p:nvPicPr>
+        <p:blipFill>
+          <a:blip r:embed="rId4">
+            <a:extLst>
+              <a:ext uri="{28A0092B-C50C-407E-A947-70E740481C1C}">
+                <a14:useLocalDpi xmlns:a14="http://schemas.microsoft.com/office/drawing/2010/main" val="0"/>
+              </a:ext>
+            </a:extLst>
+          </a:blip>
+          <a:srcRect/>
+          <a:stretch>
+            <a:fillRect/>
+          </a:stretch>
+        </p:blipFill>
+        <p:spPr bwMode="auto">
+          <a:xfrm>
+            <a:off x="1189035" y="3817066"/>
+            <a:ext cx="375308" cy="518328"/>
+          </a:xfrm>
+          <a:prstGeom prst="rect">
+            <a:avLst/>
+          </a:prstGeom>
+          <a:noFill/>
+          <a:extLst>
+            <a:ext uri="{909E8E84-426E-40DD-AFC4-6F175D3DCCD1}">
+              <a14:hiddenFill xmlns:a14="http://schemas.microsoft.com/office/drawing/2010/main">
+                <a:solidFill>
+                  <a:srgbClr val="FFFFFF"/>
+                </a:solidFill>
+              </a14:hiddenFill>
+            </a:ext>
+          </a:extLst>
+        </p:spPr>
+      </p:pic>
+      <p:pic>
+        <p:nvPicPr>
+          <p:cNvPr id="2052" name="Picture 4" descr="Portland Trail Blazers News, Videos, Schedule, Roster, Stats - Yahoo Sports">
+            <a:extLst>
+              <a:ext uri="{FF2B5EF4-FFF2-40B4-BE49-F238E27FC236}">
+                <a16:creationId xmlns:a16="http://schemas.microsoft.com/office/drawing/2014/main" id="{33D29654-9397-8081-056B-FBA1871C1E06}"/>
+              </a:ext>
+            </a:extLst>
+          </p:cNvPr>
+          <p:cNvPicPr>
+            <a:picLocks noChangeAspect="1" noChangeArrowheads="1"/>
+          </p:cNvPicPr>
+          <p:nvPr/>
+        </p:nvPicPr>
+        <p:blipFill>
+          <a:blip r:embed="rId5">
+            <a:extLst>
+              <a:ext uri="{28A0092B-C50C-407E-A947-70E740481C1C}">
+                <a14:useLocalDpi xmlns:a14="http://schemas.microsoft.com/office/drawing/2010/main" val="0"/>
+              </a:ext>
+            </a:extLst>
+          </a:blip>
+          <a:srcRect/>
+          <a:stretch>
+            <a:fillRect/>
+          </a:stretch>
+        </p:blipFill>
+        <p:spPr bwMode="auto">
+          <a:xfrm>
+            <a:off x="4667343" y="2312586"/>
+            <a:ext cx="375308" cy="518328"/>
+          </a:xfrm>
+          <a:prstGeom prst="rect">
+            <a:avLst/>
+          </a:prstGeom>
+          <a:noFill/>
+          <a:extLst>
+            <a:ext uri="{909E8E84-426E-40DD-AFC4-6F175D3DCCD1}">
+              <a14:hiddenFill xmlns:a14="http://schemas.microsoft.com/office/drawing/2010/main">
+                <a:solidFill>
+                  <a:srgbClr val="FFFFFF"/>
+                </a:solidFill>
+              </a14:hiddenFill>
+            </a:ext>
+          </a:extLst>
+        </p:spPr>
+      </p:pic>
+      <p:pic>
+        <p:nvPicPr>
+          <p:cNvPr id="2056" name="Picture 8" descr="Detroit Pistons logo">
+            <a:extLst>
+              <a:ext uri="{FF2B5EF4-FFF2-40B4-BE49-F238E27FC236}">
+                <a16:creationId xmlns:a16="http://schemas.microsoft.com/office/drawing/2014/main" id="{8B05B152-DE18-9E1E-33FC-528A192D5756}"/>
+              </a:ext>
+            </a:extLst>
+          </p:cNvPr>
+          <p:cNvPicPr>
+            <a:picLocks noChangeAspect="1" noChangeArrowheads="1"/>
+          </p:cNvPicPr>
+          <p:nvPr/>
+        </p:nvPicPr>
+        <p:blipFill>
+          <a:blip r:embed="rId6">
+            <a:extLst>
+              <a:ext uri="{28A0092B-C50C-407E-A947-70E740481C1C}">
+                <a14:useLocalDpi xmlns:a14="http://schemas.microsoft.com/office/drawing/2010/main" val="0"/>
+              </a:ext>
+            </a:extLst>
+          </a:blip>
+          <a:srcRect/>
+          <a:stretch>
+            <a:fillRect/>
+          </a:stretch>
+        </p:blipFill>
+        <p:spPr bwMode="auto">
+          <a:xfrm>
+            <a:off x="4667343" y="3069257"/>
+            <a:ext cx="375308" cy="518329"/>
+          </a:xfrm>
+          <a:prstGeom prst="rect">
+            <a:avLst/>
+          </a:prstGeom>
+          <a:noFill/>
+          <a:extLst>
+            <a:ext uri="{909E8E84-426E-40DD-AFC4-6F175D3DCCD1}">
+              <a14:hiddenFill xmlns:a14="http://schemas.microsoft.com/office/drawing/2010/main">
+                <a:solidFill>
+                  <a:srgbClr val="FFFFFF"/>
+                </a:solidFill>
+              </a14:hiddenFill>
+            </a:ext>
+          </a:extLst>
+        </p:spPr>
+      </p:pic>
+      <p:pic>
+        <p:nvPicPr>
+          <p:cNvPr id="2058" name="Picture 10" descr="Indiana Pacers logo">
+            <a:extLst>
+              <a:ext uri="{FF2B5EF4-FFF2-40B4-BE49-F238E27FC236}">
+                <a16:creationId xmlns:a16="http://schemas.microsoft.com/office/drawing/2014/main" id="{8E99B827-9538-2984-52B6-AC014D812C17}"/>
+              </a:ext>
+            </a:extLst>
+          </p:cNvPr>
+          <p:cNvPicPr>
+            <a:picLocks noChangeAspect="1" noChangeArrowheads="1"/>
+          </p:cNvPicPr>
+          <p:nvPr/>
+        </p:nvPicPr>
+        <p:blipFill>
+          <a:blip r:embed="rId7">
+            <a:extLst>
+              <a:ext uri="{28A0092B-C50C-407E-A947-70E740481C1C}">
+                <a14:useLocalDpi xmlns:a14="http://schemas.microsoft.com/office/drawing/2010/main" val="0"/>
+              </a:ext>
+            </a:extLst>
+          </a:blip>
+          <a:srcRect/>
+          <a:stretch>
+            <a:fillRect/>
+          </a:stretch>
+        </p:blipFill>
+        <p:spPr bwMode="auto">
+          <a:xfrm>
+            <a:off x="4667343" y="3817066"/>
+            <a:ext cx="375308" cy="518328"/>
+          </a:xfrm>
+          <a:prstGeom prst="rect">
+            <a:avLst/>
+          </a:prstGeom>
+          <a:noFill/>
+          <a:extLst>
+            <a:ext uri="{909E8E84-426E-40DD-AFC4-6F175D3DCCD1}">
+              <a14:hiddenFill xmlns:a14="http://schemas.microsoft.com/office/drawing/2010/main">
+                <a:solidFill>
+                  <a:srgbClr val="FFFFFF"/>
+                </a:solidFill>
+              </a14:hiddenFill>
+            </a:ext>
+          </a:extLst>
+        </p:spPr>
+      </p:pic>
+    </p:spTree>
+    <p:extLst>
+      <p:ext uri="{BB962C8B-B14F-4D97-AF65-F5344CB8AC3E}">
+        <p14:creationId xmlns:p14="http://schemas.microsoft.com/office/powerpoint/2010/main" val="1710154863"/>
       </p:ext>
     </p:extLst>
   </p:cSld>

--- a/CapStone Presentation.pptx
+++ b/CapStone Presentation.pptx
@@ -5,7 +5,7 @@
     <p:sldMasterId id="2147483706" r:id="rId1"/>
   </p:sldMasterIdLst>
   <p:notesMasterIdLst>
-    <p:notesMasterId r:id="rId12"/>
+    <p:notesMasterId r:id="rId14"/>
   </p:notesMasterIdLst>
   <p:sldIdLst>
     <p:sldId id="256" r:id="rId2"/>
@@ -18,20 +18,22 @@
     <p:sldId id="263" r:id="rId9"/>
     <p:sldId id="265" r:id="rId10"/>
     <p:sldId id="266" r:id="rId11"/>
+    <p:sldId id="267" r:id="rId12"/>
+    <p:sldId id="268" r:id="rId13"/>
   </p:sldIdLst>
   <p:sldSz cx="9144000" cy="5143500" type="screen16x9"/>
   <p:notesSz cx="6858000" cy="9144000"/>
   <p:embeddedFontLst>
     <p:embeddedFont>
       <p:font typeface="Alfa Slab One" panose="020B0604020202020204" charset="0"/>
-      <p:regular r:id="rId13"/>
+      <p:regular r:id="rId15"/>
     </p:embeddedFont>
     <p:embeddedFont>
       <p:font typeface="Roboto" panose="02000000000000000000" pitchFamily="2" charset="0"/>
-      <p:regular r:id="rId14"/>
-      <p:bold r:id="rId15"/>
-      <p:italic r:id="rId16"/>
-      <p:boldItalic r:id="rId17"/>
+      <p:regular r:id="rId16"/>
+      <p:bold r:id="rId17"/>
+      <p:italic r:id="rId18"/>
+      <p:boldItalic r:id="rId19"/>
     </p:embeddedFont>
   </p:embeddedFontLst>
   <p:defaultTextStyle>
@@ -6087,6 +6089,678 @@
       </p:par>
     </p:tnLst>
   </p:timing>
+</p:sld>
+</file>
+
+<file path=ppt/slides/slide11.xml><?xml version="1.0" encoding="utf-8"?>
+<p:sld xmlns:a="http://schemas.openxmlformats.org/drawingml/2006/main" xmlns:r="http://schemas.openxmlformats.org/officeDocument/2006/relationships" xmlns:p="http://schemas.openxmlformats.org/presentationml/2006/main">
+  <p:cSld>
+    <p:spTree>
+      <p:nvGrpSpPr>
+        <p:cNvPr id="1" name=""/>
+        <p:cNvGrpSpPr/>
+        <p:nvPr/>
+      </p:nvGrpSpPr>
+      <p:grpSpPr>
+        <a:xfrm>
+          <a:off x="0" y="0"/>
+          <a:ext cx="0" cy="0"/>
+          <a:chOff x="0" y="0"/>
+          <a:chExt cx="0" cy="0"/>
+        </a:xfrm>
+      </p:grpSpPr>
+      <p:pic>
+        <p:nvPicPr>
+          <p:cNvPr id="13" name="Picture 12" descr="A graph showing the average per by draft pick number&#10;&#10;Description automatically generated">
+            <a:extLst>
+              <a:ext uri="{FF2B5EF4-FFF2-40B4-BE49-F238E27FC236}">
+                <a16:creationId xmlns:a16="http://schemas.microsoft.com/office/drawing/2014/main" id="{2D05E993-B6CE-E28E-F2F0-310CD4F55621}"/>
+              </a:ext>
+            </a:extLst>
+          </p:cNvPr>
+          <p:cNvPicPr>
+            <a:picLocks noChangeAspect="1"/>
+          </p:cNvPicPr>
+          <p:nvPr/>
+        </p:nvPicPr>
+        <p:blipFill>
+          <a:blip r:embed="rId2"/>
+          <a:stretch>
+            <a:fillRect/>
+          </a:stretch>
+        </p:blipFill>
+        <p:spPr>
+          <a:xfrm>
+            <a:off x="713249" y="1256371"/>
+            <a:ext cx="2651299" cy="1660010"/>
+          </a:xfrm>
+          <a:prstGeom prst="rect">
+            <a:avLst/>
+          </a:prstGeom>
+        </p:spPr>
+      </p:pic>
+      <p:pic>
+        <p:nvPicPr>
+          <p:cNvPr id="11" name="Picture 10" descr="A graph showing the average win share by draft pick number&#10;&#10;Description automatically generated">
+            <a:extLst>
+              <a:ext uri="{FF2B5EF4-FFF2-40B4-BE49-F238E27FC236}">
+                <a16:creationId xmlns:a16="http://schemas.microsoft.com/office/drawing/2014/main" id="{DFB6587E-DA24-A595-404A-E986BBB188F1}"/>
+              </a:ext>
+            </a:extLst>
+          </p:cNvPr>
+          <p:cNvPicPr>
+            <a:picLocks noChangeAspect="1"/>
+          </p:cNvPicPr>
+          <p:nvPr/>
+        </p:nvPicPr>
+        <p:blipFill>
+          <a:blip r:embed="rId3"/>
+          <a:stretch>
+            <a:fillRect/>
+          </a:stretch>
+        </p:blipFill>
+        <p:spPr>
+          <a:xfrm>
+            <a:off x="713249" y="2930730"/>
+            <a:ext cx="2651299" cy="1660010"/>
+          </a:xfrm>
+          <a:prstGeom prst="rect">
+            <a:avLst/>
+          </a:prstGeom>
+        </p:spPr>
+      </p:pic>
+      <p:sp>
+        <p:nvSpPr>
+          <p:cNvPr id="2" name="Google Shape;480;p63">
+            <a:extLst>
+              <a:ext uri="{FF2B5EF4-FFF2-40B4-BE49-F238E27FC236}">
+                <a16:creationId xmlns:a16="http://schemas.microsoft.com/office/drawing/2014/main" id="{5FD89042-F54B-36A3-42B8-1459B3B266E8}"/>
+              </a:ext>
+            </a:extLst>
+          </p:cNvPr>
+          <p:cNvSpPr txBox="1">
+            <a:spLocks/>
+          </p:cNvSpPr>
+          <p:nvPr/>
+        </p:nvSpPr>
+        <p:spPr>
+          <a:xfrm>
+            <a:off x="713250" y="552758"/>
+            <a:ext cx="7717500" cy="703613"/>
+          </a:xfrm>
+          <a:prstGeom prst="rect">
+            <a:avLst/>
+          </a:prstGeom>
+          <a:ln>
+            <a:solidFill>
+              <a:schemeClr val="accent1"/>
+            </a:solidFill>
+          </a:ln>
+        </p:spPr>
+        <p:txBody>
+          <a:bodyPr spcFirstLastPara="1" wrap="square" lIns="91425" tIns="91425" rIns="91425" bIns="91425" anchor="ctr" anchorCtr="0">
+            <a:noAutofit/>
+          </a:bodyPr>
+          <a:lstStyle>
+            <a:defPPr marR="0" lvl="0" algn="l" rtl="0">
+              <a:lnSpc>
+                <a:spcPct val="100000"/>
+              </a:lnSpc>
+              <a:spcBef>
+                <a:spcPts val="0"/>
+              </a:spcBef>
+              <a:spcAft>
+                <a:spcPts val="0"/>
+              </a:spcAft>
+            </a:defPPr>
+            <a:lvl1pPr marR="0" lvl="0" algn="l" rtl="0">
+              <a:lnSpc>
+                <a:spcPct val="100000"/>
+              </a:lnSpc>
+              <a:spcBef>
+                <a:spcPts val="0"/>
+              </a:spcBef>
+              <a:spcAft>
+                <a:spcPts val="0"/>
+              </a:spcAft>
+              <a:buClr>
+                <a:srgbClr val="000000"/>
+              </a:buClr>
+              <a:buFont typeface="Arial"/>
+              <a:defRPr sz="1400" b="0" i="0" u="none" strike="noStrike" cap="none">
+                <a:solidFill>
+                  <a:srgbClr val="000000"/>
+                </a:solidFill>
+                <a:latin typeface="Arial"/>
+                <a:ea typeface="Arial"/>
+                <a:cs typeface="Arial"/>
+                <a:sym typeface="Arial"/>
+              </a:defRPr>
+            </a:lvl1pPr>
+            <a:lvl2pPr marR="0" lvl="1" algn="l" rtl="0">
+              <a:lnSpc>
+                <a:spcPct val="100000"/>
+              </a:lnSpc>
+              <a:spcBef>
+                <a:spcPts val="0"/>
+              </a:spcBef>
+              <a:spcAft>
+                <a:spcPts val="0"/>
+              </a:spcAft>
+              <a:buClr>
+                <a:srgbClr val="000000"/>
+              </a:buClr>
+              <a:buFont typeface="Arial"/>
+              <a:defRPr sz="1400" b="0" i="0" u="none" strike="noStrike" cap="none">
+                <a:solidFill>
+                  <a:srgbClr val="000000"/>
+                </a:solidFill>
+                <a:latin typeface="Arial"/>
+                <a:ea typeface="Arial"/>
+                <a:cs typeface="Arial"/>
+                <a:sym typeface="Arial"/>
+              </a:defRPr>
+            </a:lvl2pPr>
+            <a:lvl3pPr marR="0" lvl="2" algn="l" rtl="0">
+              <a:lnSpc>
+                <a:spcPct val="100000"/>
+              </a:lnSpc>
+              <a:spcBef>
+                <a:spcPts val="0"/>
+              </a:spcBef>
+              <a:spcAft>
+                <a:spcPts val="0"/>
+              </a:spcAft>
+              <a:buClr>
+                <a:srgbClr val="000000"/>
+              </a:buClr>
+              <a:buFont typeface="Arial"/>
+              <a:defRPr sz="1400" b="0" i="0" u="none" strike="noStrike" cap="none">
+                <a:solidFill>
+                  <a:srgbClr val="000000"/>
+                </a:solidFill>
+                <a:latin typeface="Arial"/>
+                <a:ea typeface="Arial"/>
+                <a:cs typeface="Arial"/>
+                <a:sym typeface="Arial"/>
+              </a:defRPr>
+            </a:lvl3pPr>
+            <a:lvl4pPr marR="0" lvl="3" algn="l" rtl="0">
+              <a:lnSpc>
+                <a:spcPct val="100000"/>
+              </a:lnSpc>
+              <a:spcBef>
+                <a:spcPts val="0"/>
+              </a:spcBef>
+              <a:spcAft>
+                <a:spcPts val="0"/>
+              </a:spcAft>
+              <a:buClr>
+                <a:srgbClr val="000000"/>
+              </a:buClr>
+              <a:buFont typeface="Arial"/>
+              <a:defRPr sz="1400" b="0" i="0" u="none" strike="noStrike" cap="none">
+                <a:solidFill>
+                  <a:srgbClr val="000000"/>
+                </a:solidFill>
+                <a:latin typeface="Arial"/>
+                <a:ea typeface="Arial"/>
+                <a:cs typeface="Arial"/>
+                <a:sym typeface="Arial"/>
+              </a:defRPr>
+            </a:lvl4pPr>
+            <a:lvl5pPr marR="0" lvl="4" algn="l" rtl="0">
+              <a:lnSpc>
+                <a:spcPct val="100000"/>
+              </a:lnSpc>
+              <a:spcBef>
+                <a:spcPts val="0"/>
+              </a:spcBef>
+              <a:spcAft>
+                <a:spcPts val="0"/>
+              </a:spcAft>
+              <a:buClr>
+                <a:srgbClr val="000000"/>
+              </a:buClr>
+              <a:buFont typeface="Arial"/>
+              <a:defRPr sz="1400" b="0" i="0" u="none" strike="noStrike" cap="none">
+                <a:solidFill>
+                  <a:srgbClr val="000000"/>
+                </a:solidFill>
+                <a:latin typeface="Arial"/>
+                <a:ea typeface="Arial"/>
+                <a:cs typeface="Arial"/>
+                <a:sym typeface="Arial"/>
+              </a:defRPr>
+            </a:lvl5pPr>
+            <a:lvl6pPr marR="0" lvl="5" algn="l" rtl="0">
+              <a:lnSpc>
+                <a:spcPct val="100000"/>
+              </a:lnSpc>
+              <a:spcBef>
+                <a:spcPts val="0"/>
+              </a:spcBef>
+              <a:spcAft>
+                <a:spcPts val="0"/>
+              </a:spcAft>
+              <a:buClr>
+                <a:srgbClr val="000000"/>
+              </a:buClr>
+              <a:buFont typeface="Arial"/>
+              <a:defRPr sz="1400" b="0" i="0" u="none" strike="noStrike" cap="none">
+                <a:solidFill>
+                  <a:srgbClr val="000000"/>
+                </a:solidFill>
+                <a:latin typeface="Arial"/>
+                <a:ea typeface="Arial"/>
+                <a:cs typeface="Arial"/>
+                <a:sym typeface="Arial"/>
+              </a:defRPr>
+            </a:lvl6pPr>
+            <a:lvl7pPr marR="0" lvl="6" algn="l" rtl="0">
+              <a:lnSpc>
+                <a:spcPct val="100000"/>
+              </a:lnSpc>
+              <a:spcBef>
+                <a:spcPts val="0"/>
+              </a:spcBef>
+              <a:spcAft>
+                <a:spcPts val="0"/>
+              </a:spcAft>
+              <a:buClr>
+                <a:srgbClr val="000000"/>
+              </a:buClr>
+              <a:buFont typeface="Arial"/>
+              <a:defRPr sz="1400" b="0" i="0" u="none" strike="noStrike" cap="none">
+                <a:solidFill>
+                  <a:srgbClr val="000000"/>
+                </a:solidFill>
+                <a:latin typeface="Arial"/>
+                <a:ea typeface="Arial"/>
+                <a:cs typeface="Arial"/>
+                <a:sym typeface="Arial"/>
+              </a:defRPr>
+            </a:lvl7pPr>
+            <a:lvl8pPr marR="0" lvl="7" algn="l" rtl="0">
+              <a:lnSpc>
+                <a:spcPct val="100000"/>
+              </a:lnSpc>
+              <a:spcBef>
+                <a:spcPts val="0"/>
+              </a:spcBef>
+              <a:spcAft>
+                <a:spcPts val="0"/>
+              </a:spcAft>
+              <a:buClr>
+                <a:srgbClr val="000000"/>
+              </a:buClr>
+              <a:buFont typeface="Arial"/>
+              <a:defRPr sz="1400" b="0" i="0" u="none" strike="noStrike" cap="none">
+                <a:solidFill>
+                  <a:srgbClr val="000000"/>
+                </a:solidFill>
+                <a:latin typeface="Arial"/>
+                <a:ea typeface="Arial"/>
+                <a:cs typeface="Arial"/>
+                <a:sym typeface="Arial"/>
+              </a:defRPr>
+            </a:lvl8pPr>
+            <a:lvl9pPr marR="0" lvl="8" algn="l" rtl="0">
+              <a:lnSpc>
+                <a:spcPct val="100000"/>
+              </a:lnSpc>
+              <a:spcBef>
+                <a:spcPts val="0"/>
+              </a:spcBef>
+              <a:spcAft>
+                <a:spcPts val="0"/>
+              </a:spcAft>
+              <a:buClr>
+                <a:srgbClr val="000000"/>
+              </a:buClr>
+              <a:buFont typeface="Arial"/>
+              <a:defRPr sz="1400" b="0" i="0" u="none" strike="noStrike" cap="none">
+                <a:solidFill>
+                  <a:srgbClr val="000000"/>
+                </a:solidFill>
+                <a:latin typeface="Arial"/>
+                <a:ea typeface="Arial"/>
+                <a:cs typeface="Arial"/>
+                <a:sym typeface="Arial"/>
+              </a:defRPr>
+            </a:lvl9pPr>
+          </a:lstStyle>
+          <a:p>
+            <a:pPr algn="ctr"/>
+            <a:r>
+              <a:rPr lang="en-US" sz="2800" u="sng" dirty="0">
+                <a:solidFill>
+                  <a:schemeClr val="lt1"/>
+                </a:solidFill>
+                <a:latin typeface="Alfa Slab One" panose="020B0604020202020204" charset="0"/>
+              </a:rPr>
+              <a:t>Metric Evaluation of Draft Pick</a:t>
+            </a:r>
+          </a:p>
+        </p:txBody>
+      </p:sp>
+      <p:pic>
+        <p:nvPicPr>
+          <p:cNvPr id="15" name="Picture 14" descr="A graph showing the average bpm by draft pick number&#10;&#10;Description automatically generated">
+            <a:extLst>
+              <a:ext uri="{FF2B5EF4-FFF2-40B4-BE49-F238E27FC236}">
+                <a16:creationId xmlns:a16="http://schemas.microsoft.com/office/drawing/2014/main" id="{3A3DC142-780A-FA05-148B-DE72554CDBFF}"/>
+              </a:ext>
+            </a:extLst>
+          </p:cNvPr>
+          <p:cNvPicPr>
+            <a:picLocks noChangeAspect="1"/>
+          </p:cNvPicPr>
+          <p:nvPr/>
+        </p:nvPicPr>
+        <p:blipFill>
+          <a:blip r:embed="rId4"/>
+          <a:stretch>
+            <a:fillRect/>
+          </a:stretch>
+        </p:blipFill>
+        <p:spPr>
+          <a:xfrm>
+            <a:off x="3378403" y="2932170"/>
+            <a:ext cx="2651299" cy="1660010"/>
+          </a:xfrm>
+          <a:prstGeom prst="rect">
+            <a:avLst/>
+          </a:prstGeom>
+        </p:spPr>
+      </p:pic>
+      <p:pic>
+        <p:nvPicPr>
+          <p:cNvPr id="17" name="Picture 16" descr="A graph of a number of vorps&#10;&#10;Description automatically generated">
+            <a:extLst>
+              <a:ext uri="{FF2B5EF4-FFF2-40B4-BE49-F238E27FC236}">
+                <a16:creationId xmlns:a16="http://schemas.microsoft.com/office/drawing/2014/main" id="{F0EDE236-64FC-28AE-4A6C-B5C9D024771B}"/>
+              </a:ext>
+            </a:extLst>
+          </p:cNvPr>
+          <p:cNvPicPr>
+            <a:picLocks noChangeAspect="1"/>
+          </p:cNvPicPr>
+          <p:nvPr/>
+        </p:nvPicPr>
+        <p:blipFill>
+          <a:blip r:embed="rId5"/>
+          <a:stretch>
+            <a:fillRect/>
+          </a:stretch>
+        </p:blipFill>
+        <p:spPr>
+          <a:xfrm>
+            <a:off x="3378402" y="1263298"/>
+            <a:ext cx="2651299" cy="1653083"/>
+          </a:xfrm>
+          <a:prstGeom prst="rect">
+            <a:avLst/>
+          </a:prstGeom>
+        </p:spPr>
+      </p:pic>
+      <p:graphicFrame>
+        <p:nvGraphicFramePr>
+          <p:cNvPr id="18" name="Table 17">
+            <a:extLst>
+              <a:ext uri="{FF2B5EF4-FFF2-40B4-BE49-F238E27FC236}">
+                <a16:creationId xmlns:a16="http://schemas.microsoft.com/office/drawing/2014/main" id="{8F9BC1F1-CD67-27B5-530A-972C3A7B3AD8}"/>
+              </a:ext>
+            </a:extLst>
+          </p:cNvPr>
+          <p:cNvGraphicFramePr>
+            <a:graphicFrameLocks noGrp="1"/>
+          </p:cNvGraphicFramePr>
+          <p:nvPr>
+            <p:extLst>
+              <p:ext uri="{D42A27DB-BD31-4B8C-83A1-F6EECF244321}">
+                <p14:modId xmlns:p14="http://schemas.microsoft.com/office/powerpoint/2010/main" val="3066845621"/>
+              </p:ext>
+            </p:extLst>
+          </p:nvPr>
+        </p:nvGraphicFramePr>
+        <p:xfrm>
+          <a:off x="6084510" y="1823290"/>
+          <a:ext cx="2279334" cy="1940560"/>
+        </p:xfrm>
+        <a:graphic>
+          <a:graphicData uri="http://schemas.openxmlformats.org/drawingml/2006/table">
+            <a:tbl>
+              <a:tblPr firstRow="1" bandRow="1">
+                <a:tableStyleId>{284E427A-3D55-4303-BF80-6455036E1DE7}</a:tableStyleId>
+              </a:tblPr>
+              <a:tblGrid>
+                <a:gridCol w="1139667">
+                  <a:extLst>
+                    <a:ext uri="{9D8B030D-6E8A-4147-A177-3AD203B41FA5}">
+                      <a16:colId xmlns:a16="http://schemas.microsoft.com/office/drawing/2014/main" val="3858715095"/>
+                    </a:ext>
+                  </a:extLst>
+                </a:gridCol>
+                <a:gridCol w="1139667">
+                  <a:extLst>
+                    <a:ext uri="{9D8B030D-6E8A-4147-A177-3AD203B41FA5}">
+                      <a16:colId xmlns:a16="http://schemas.microsoft.com/office/drawing/2014/main" val="304103325"/>
+                    </a:ext>
+                  </a:extLst>
+                </a:gridCol>
+              </a:tblGrid>
+              <a:tr h="370840">
+                <a:tc>
+                  <a:txBody>
+                    <a:bodyPr/>
+                    <a:lstStyle/>
+                    <a:p>
+                      <a:pPr algn="ctr"/>
+                      <a:r>
+                        <a:rPr lang="en-US" sz="1200" dirty="0"/>
+                        <a:t>Statistical Metric</a:t>
+                      </a:r>
+                    </a:p>
+                  </a:txBody>
+                  <a:tcPr anchor="ctr"/>
+                </a:tc>
+                <a:tc>
+                  <a:txBody>
+                    <a:bodyPr/>
+                    <a:lstStyle/>
+                    <a:p>
+                      <a:pPr algn="ctr"/>
+                      <a:r>
+                        <a:rPr lang="en-US" sz="1200" dirty="0"/>
+                        <a:t>Correlation to Draft Pick</a:t>
+                      </a:r>
+                    </a:p>
+                  </a:txBody>
+                  <a:tcPr anchor="ctr"/>
+                </a:tc>
+                <a:extLst>
+                  <a:ext uri="{0D108BD9-81ED-4DB2-BD59-A6C34878D82A}">
+                    <a16:rowId xmlns:a16="http://schemas.microsoft.com/office/drawing/2014/main" val="2578867662"/>
+                  </a:ext>
+                </a:extLst>
+              </a:tr>
+              <a:tr h="370840">
+                <a:tc>
+                  <a:txBody>
+                    <a:bodyPr/>
+                    <a:lstStyle/>
+                    <a:p>
+                      <a:r>
+                        <a:rPr lang="en-US" sz="1200" dirty="0"/>
+                        <a:t>PER</a:t>
+                      </a:r>
+                    </a:p>
+                  </a:txBody>
+                  <a:tcPr/>
+                </a:tc>
+                <a:tc>
+                  <a:txBody>
+                    <a:bodyPr/>
+                    <a:lstStyle/>
+                    <a:p>
+                      <a:r>
+                        <a:rPr lang="en-US" dirty="0"/>
+                        <a:t>-0.392</a:t>
+                      </a:r>
+                    </a:p>
+                  </a:txBody>
+                  <a:tcPr/>
+                </a:tc>
+                <a:extLst>
+                  <a:ext uri="{0D108BD9-81ED-4DB2-BD59-A6C34878D82A}">
+                    <a16:rowId xmlns:a16="http://schemas.microsoft.com/office/drawing/2014/main" val="454605422"/>
+                  </a:ext>
+                </a:extLst>
+              </a:tr>
+              <a:tr h="370840">
+                <a:tc>
+                  <a:txBody>
+                    <a:bodyPr/>
+                    <a:lstStyle/>
+                    <a:p>
+                      <a:r>
+                        <a:rPr lang="en-US" dirty="0"/>
+                        <a:t>VORP</a:t>
+                      </a:r>
+                    </a:p>
+                  </a:txBody>
+                  <a:tcPr/>
+                </a:tc>
+                <a:tc>
+                  <a:txBody>
+                    <a:bodyPr/>
+                    <a:lstStyle/>
+                    <a:p>
+                      <a:r>
+                        <a:rPr lang="en-US" dirty="0"/>
+                        <a:t>-0.665</a:t>
+                      </a:r>
+                    </a:p>
+                  </a:txBody>
+                  <a:tcPr/>
+                </a:tc>
+                <a:extLst>
+                  <a:ext uri="{0D108BD9-81ED-4DB2-BD59-A6C34878D82A}">
+                    <a16:rowId xmlns:a16="http://schemas.microsoft.com/office/drawing/2014/main" val="2206368520"/>
+                  </a:ext>
+                </a:extLst>
+              </a:tr>
+              <a:tr h="370840">
+                <a:tc>
+                  <a:txBody>
+                    <a:bodyPr/>
+                    <a:lstStyle/>
+                    <a:p>
+                      <a:r>
+                        <a:rPr lang="en-US" dirty="0"/>
+                        <a:t>Win Share</a:t>
+                      </a:r>
+                    </a:p>
+                  </a:txBody>
+                  <a:tcPr/>
+                </a:tc>
+                <a:tc>
+                  <a:txBody>
+                    <a:bodyPr/>
+                    <a:lstStyle/>
+                    <a:p>
+                      <a:r>
+                        <a:rPr lang="en-US" dirty="0"/>
+                        <a:t>-0.768</a:t>
+                      </a:r>
+                    </a:p>
+                  </a:txBody>
+                  <a:tcPr/>
+                </a:tc>
+                <a:extLst>
+                  <a:ext uri="{0D108BD9-81ED-4DB2-BD59-A6C34878D82A}">
+                    <a16:rowId xmlns:a16="http://schemas.microsoft.com/office/drawing/2014/main" val="2006380341"/>
+                  </a:ext>
+                </a:extLst>
+              </a:tr>
+              <a:tr h="370840">
+                <a:tc>
+                  <a:txBody>
+                    <a:bodyPr/>
+                    <a:lstStyle/>
+                    <a:p>
+                      <a:r>
+                        <a:rPr lang="en-US" dirty="0"/>
+                        <a:t>BPM</a:t>
+                      </a:r>
+                    </a:p>
+                  </a:txBody>
+                  <a:tcPr/>
+                </a:tc>
+                <a:tc>
+                  <a:txBody>
+                    <a:bodyPr/>
+                    <a:lstStyle/>
+                    <a:p>
+                      <a:r>
+                        <a:rPr lang="en-US" dirty="0"/>
+                        <a:t>-0.711</a:t>
+                      </a:r>
+                    </a:p>
+                  </a:txBody>
+                  <a:tcPr/>
+                </a:tc>
+                <a:extLst>
+                  <a:ext uri="{0D108BD9-81ED-4DB2-BD59-A6C34878D82A}">
+                    <a16:rowId xmlns:a16="http://schemas.microsoft.com/office/drawing/2014/main" val="1249764992"/>
+                  </a:ext>
+                </a:extLst>
+              </a:tr>
+            </a:tbl>
+          </a:graphicData>
+        </a:graphic>
+      </p:graphicFrame>
+    </p:spTree>
+    <p:extLst>
+      <p:ext uri="{BB962C8B-B14F-4D97-AF65-F5344CB8AC3E}">
+        <p14:creationId xmlns:p14="http://schemas.microsoft.com/office/powerpoint/2010/main" val="3029774980"/>
+      </p:ext>
+    </p:extLst>
+  </p:cSld>
+  <p:clrMapOvr>
+    <a:masterClrMapping/>
+  </p:clrMapOvr>
+</p:sld>
+</file>
+
+<file path=ppt/slides/slide12.xml><?xml version="1.0" encoding="utf-8"?>
+<p:sld xmlns:a="http://schemas.openxmlformats.org/drawingml/2006/main" xmlns:r="http://schemas.openxmlformats.org/officeDocument/2006/relationships" xmlns:p="http://schemas.openxmlformats.org/presentationml/2006/main">
+  <p:cSld>
+    <p:spTree>
+      <p:nvGrpSpPr>
+        <p:cNvPr id="1" name=""/>
+        <p:cNvGrpSpPr/>
+        <p:nvPr/>
+      </p:nvGrpSpPr>
+      <p:grpSpPr>
+        <a:xfrm>
+          <a:off x="0" y="0"/>
+          <a:ext cx="0" cy="0"/>
+          <a:chOff x="0" y="0"/>
+          <a:chExt cx="0" cy="0"/>
+        </a:xfrm>
+      </p:grpSpPr>
+    </p:spTree>
+    <p:extLst>
+      <p:ext uri="{BB962C8B-B14F-4D97-AF65-F5344CB8AC3E}">
+        <p14:creationId xmlns:p14="http://schemas.microsoft.com/office/powerpoint/2010/main" val="2301258660"/>
+      </p:ext>
+    </p:extLst>
+  </p:cSld>
+  <p:clrMapOvr>
+    <a:masterClrMapping/>
+  </p:clrMapOvr>
 </p:sld>
 </file>
 

--- a/CapStone Presentation.pptx
+++ b/CapStone Presentation.pptx
@@ -5,7 +5,7 @@
     <p:sldMasterId id="2147483706" r:id="rId1"/>
   </p:sldMasterIdLst>
   <p:notesMasterIdLst>
-    <p:notesMasterId r:id="rId21"/>
+    <p:notesMasterId r:id="rId22"/>
   </p:notesMasterIdLst>
   <p:sldIdLst>
     <p:sldId id="256" r:id="rId2"/>
@@ -27,20 +27,21 @@
     <p:sldId id="271" r:id="rId18"/>
     <p:sldId id="272" r:id="rId19"/>
     <p:sldId id="276" r:id="rId20"/>
+    <p:sldId id="277" r:id="rId21"/>
   </p:sldIdLst>
   <p:sldSz cx="9144000" cy="5143500" type="screen16x9"/>
   <p:notesSz cx="6858000" cy="9144000"/>
   <p:embeddedFontLst>
     <p:embeddedFont>
       <p:font typeface="Alfa Slab One" panose="020B0604020202020204" charset="0"/>
-      <p:regular r:id="rId22"/>
+      <p:regular r:id="rId23"/>
     </p:embeddedFont>
     <p:embeddedFont>
       <p:font typeface="Roboto" panose="02000000000000000000" pitchFamily="2" charset="0"/>
-      <p:regular r:id="rId23"/>
-      <p:bold r:id="rId24"/>
-      <p:italic r:id="rId25"/>
-      <p:boldItalic r:id="rId26"/>
+      <p:regular r:id="rId24"/>
+      <p:bold r:id="rId25"/>
+      <p:italic r:id="rId26"/>
+      <p:boldItalic r:id="rId27"/>
     </p:embeddedFont>
   </p:embeddedFontLst>
   <p:defaultTextStyle>
@@ -6277,276 +6278,6 @@
           <a:chExt cx="0" cy="0"/>
         </a:xfrm>
       </p:grpSpPr>
-      <p:sp>
-        <p:nvSpPr>
-          <p:cNvPr id="2" name="Google Shape;480;p63">
-            <a:extLst>
-              <a:ext uri="{FF2B5EF4-FFF2-40B4-BE49-F238E27FC236}">
-                <a16:creationId xmlns:a16="http://schemas.microsoft.com/office/drawing/2014/main" id="{49C6CFFE-42C7-9581-97FB-4A6D2901E6B0}"/>
-              </a:ext>
-            </a:extLst>
-          </p:cNvPr>
-          <p:cNvSpPr txBox="1">
-            <a:spLocks/>
-          </p:cNvSpPr>
-          <p:nvPr/>
-        </p:nvSpPr>
-        <p:spPr>
-          <a:xfrm>
-            <a:off x="713250" y="552758"/>
-            <a:ext cx="7717500" cy="572700"/>
-          </a:xfrm>
-          <a:prstGeom prst="rect">
-            <a:avLst/>
-          </a:prstGeom>
-        </p:spPr>
-        <p:txBody>
-          <a:bodyPr spcFirstLastPara="1" wrap="square" lIns="91425" tIns="91425" rIns="91425" bIns="91425" anchor="ctr" anchorCtr="0">
-            <a:noAutofit/>
-          </a:bodyPr>
-          <a:lstStyle>
-            <a:defPPr marR="0" lvl="0" algn="l" rtl="0">
-              <a:lnSpc>
-                <a:spcPct val="100000"/>
-              </a:lnSpc>
-              <a:spcBef>
-                <a:spcPts val="0"/>
-              </a:spcBef>
-              <a:spcAft>
-                <a:spcPts val="0"/>
-              </a:spcAft>
-            </a:defPPr>
-            <a:lvl1pPr marR="0" lvl="0" algn="l" rtl="0">
-              <a:lnSpc>
-                <a:spcPct val="100000"/>
-              </a:lnSpc>
-              <a:spcBef>
-                <a:spcPts val="0"/>
-              </a:spcBef>
-              <a:spcAft>
-                <a:spcPts val="0"/>
-              </a:spcAft>
-              <a:buClr>
-                <a:srgbClr val="000000"/>
-              </a:buClr>
-              <a:buFont typeface="Arial"/>
-              <a:defRPr sz="1400" b="0" i="0" u="none" strike="noStrike" cap="none">
-                <a:solidFill>
-                  <a:srgbClr val="000000"/>
-                </a:solidFill>
-                <a:latin typeface="Arial"/>
-                <a:ea typeface="Arial"/>
-                <a:cs typeface="Arial"/>
-                <a:sym typeface="Arial"/>
-              </a:defRPr>
-            </a:lvl1pPr>
-            <a:lvl2pPr marR="0" lvl="1" algn="l" rtl="0">
-              <a:lnSpc>
-                <a:spcPct val="100000"/>
-              </a:lnSpc>
-              <a:spcBef>
-                <a:spcPts val="0"/>
-              </a:spcBef>
-              <a:spcAft>
-                <a:spcPts val="0"/>
-              </a:spcAft>
-              <a:buClr>
-                <a:srgbClr val="000000"/>
-              </a:buClr>
-              <a:buFont typeface="Arial"/>
-              <a:defRPr sz="1400" b="0" i="0" u="none" strike="noStrike" cap="none">
-                <a:solidFill>
-                  <a:srgbClr val="000000"/>
-                </a:solidFill>
-                <a:latin typeface="Arial"/>
-                <a:ea typeface="Arial"/>
-                <a:cs typeface="Arial"/>
-                <a:sym typeface="Arial"/>
-              </a:defRPr>
-            </a:lvl2pPr>
-            <a:lvl3pPr marR="0" lvl="2" algn="l" rtl="0">
-              <a:lnSpc>
-                <a:spcPct val="100000"/>
-              </a:lnSpc>
-              <a:spcBef>
-                <a:spcPts val="0"/>
-              </a:spcBef>
-              <a:spcAft>
-                <a:spcPts val="0"/>
-              </a:spcAft>
-              <a:buClr>
-                <a:srgbClr val="000000"/>
-              </a:buClr>
-              <a:buFont typeface="Arial"/>
-              <a:defRPr sz="1400" b="0" i="0" u="none" strike="noStrike" cap="none">
-                <a:solidFill>
-                  <a:srgbClr val="000000"/>
-                </a:solidFill>
-                <a:latin typeface="Arial"/>
-                <a:ea typeface="Arial"/>
-                <a:cs typeface="Arial"/>
-                <a:sym typeface="Arial"/>
-              </a:defRPr>
-            </a:lvl3pPr>
-            <a:lvl4pPr marR="0" lvl="3" algn="l" rtl="0">
-              <a:lnSpc>
-                <a:spcPct val="100000"/>
-              </a:lnSpc>
-              <a:spcBef>
-                <a:spcPts val="0"/>
-              </a:spcBef>
-              <a:spcAft>
-                <a:spcPts val="0"/>
-              </a:spcAft>
-              <a:buClr>
-                <a:srgbClr val="000000"/>
-              </a:buClr>
-              <a:buFont typeface="Arial"/>
-              <a:defRPr sz="1400" b="0" i="0" u="none" strike="noStrike" cap="none">
-                <a:solidFill>
-                  <a:srgbClr val="000000"/>
-                </a:solidFill>
-                <a:latin typeface="Arial"/>
-                <a:ea typeface="Arial"/>
-                <a:cs typeface="Arial"/>
-                <a:sym typeface="Arial"/>
-              </a:defRPr>
-            </a:lvl4pPr>
-            <a:lvl5pPr marR="0" lvl="4" algn="l" rtl="0">
-              <a:lnSpc>
-                <a:spcPct val="100000"/>
-              </a:lnSpc>
-              <a:spcBef>
-                <a:spcPts val="0"/>
-              </a:spcBef>
-              <a:spcAft>
-                <a:spcPts val="0"/>
-              </a:spcAft>
-              <a:buClr>
-                <a:srgbClr val="000000"/>
-              </a:buClr>
-              <a:buFont typeface="Arial"/>
-              <a:defRPr sz="1400" b="0" i="0" u="none" strike="noStrike" cap="none">
-                <a:solidFill>
-                  <a:srgbClr val="000000"/>
-                </a:solidFill>
-                <a:latin typeface="Arial"/>
-                <a:ea typeface="Arial"/>
-                <a:cs typeface="Arial"/>
-                <a:sym typeface="Arial"/>
-              </a:defRPr>
-            </a:lvl5pPr>
-            <a:lvl6pPr marR="0" lvl="5" algn="l" rtl="0">
-              <a:lnSpc>
-                <a:spcPct val="100000"/>
-              </a:lnSpc>
-              <a:spcBef>
-                <a:spcPts val="0"/>
-              </a:spcBef>
-              <a:spcAft>
-                <a:spcPts val="0"/>
-              </a:spcAft>
-              <a:buClr>
-                <a:srgbClr val="000000"/>
-              </a:buClr>
-              <a:buFont typeface="Arial"/>
-              <a:defRPr sz="1400" b="0" i="0" u="none" strike="noStrike" cap="none">
-                <a:solidFill>
-                  <a:srgbClr val="000000"/>
-                </a:solidFill>
-                <a:latin typeface="Arial"/>
-                <a:ea typeface="Arial"/>
-                <a:cs typeface="Arial"/>
-                <a:sym typeface="Arial"/>
-              </a:defRPr>
-            </a:lvl6pPr>
-            <a:lvl7pPr marR="0" lvl="6" algn="l" rtl="0">
-              <a:lnSpc>
-                <a:spcPct val="100000"/>
-              </a:lnSpc>
-              <a:spcBef>
-                <a:spcPts val="0"/>
-              </a:spcBef>
-              <a:spcAft>
-                <a:spcPts val="0"/>
-              </a:spcAft>
-              <a:buClr>
-                <a:srgbClr val="000000"/>
-              </a:buClr>
-              <a:buFont typeface="Arial"/>
-              <a:defRPr sz="1400" b="0" i="0" u="none" strike="noStrike" cap="none">
-                <a:solidFill>
-                  <a:srgbClr val="000000"/>
-                </a:solidFill>
-                <a:latin typeface="Arial"/>
-                <a:ea typeface="Arial"/>
-                <a:cs typeface="Arial"/>
-                <a:sym typeface="Arial"/>
-              </a:defRPr>
-            </a:lvl7pPr>
-            <a:lvl8pPr marR="0" lvl="7" algn="l" rtl="0">
-              <a:lnSpc>
-                <a:spcPct val="100000"/>
-              </a:lnSpc>
-              <a:spcBef>
-                <a:spcPts val="0"/>
-              </a:spcBef>
-              <a:spcAft>
-                <a:spcPts val="0"/>
-              </a:spcAft>
-              <a:buClr>
-                <a:srgbClr val="000000"/>
-              </a:buClr>
-              <a:buFont typeface="Arial"/>
-              <a:defRPr sz="1400" b="0" i="0" u="none" strike="noStrike" cap="none">
-                <a:solidFill>
-                  <a:srgbClr val="000000"/>
-                </a:solidFill>
-                <a:latin typeface="Arial"/>
-                <a:ea typeface="Arial"/>
-                <a:cs typeface="Arial"/>
-                <a:sym typeface="Arial"/>
-              </a:defRPr>
-            </a:lvl8pPr>
-            <a:lvl9pPr marR="0" lvl="8" algn="l" rtl="0">
-              <a:lnSpc>
-                <a:spcPct val="100000"/>
-              </a:lnSpc>
-              <a:spcBef>
-                <a:spcPts val="0"/>
-              </a:spcBef>
-              <a:spcAft>
-                <a:spcPts val="0"/>
-              </a:spcAft>
-              <a:buClr>
-                <a:srgbClr val="000000"/>
-              </a:buClr>
-              <a:buFont typeface="Arial"/>
-              <a:defRPr sz="1400" b="0" i="0" u="none" strike="noStrike" cap="none">
-                <a:solidFill>
-                  <a:srgbClr val="000000"/>
-                </a:solidFill>
-                <a:latin typeface="Arial"/>
-                <a:ea typeface="Arial"/>
-                <a:cs typeface="Arial"/>
-                <a:sym typeface="Arial"/>
-              </a:defRPr>
-            </a:lvl9pPr>
-          </a:lstStyle>
-          <a:p>
-            <a:pPr algn="ctr"/>
-            <a:r>
-              <a:rPr lang="en-US" sz="2800" dirty="0">
-                <a:solidFill>
-                  <a:schemeClr val="lt1"/>
-                </a:solidFill>
-                <a:latin typeface="Alfa Slab One" panose="020B0604020202020204" charset="0"/>
-              </a:rPr>
-              <a:t>Analyzing Team’s Scouting Department</a:t>
-            </a:r>
-          </a:p>
-        </p:txBody>
-      </p:sp>
       <p:pic>
         <p:nvPicPr>
           <p:cNvPr id="4" name="Picture 3">
@@ -6593,7 +6324,7 @@
         </p:nvSpPr>
         <p:spPr>
           <a:xfrm>
-            <a:off x="713250" y="552758"/>
+            <a:off x="713250" y="558064"/>
             <a:ext cx="7717500" cy="867164"/>
           </a:xfrm>
           <a:prstGeom prst="rect">
@@ -14604,6 +14335,467 @@
           <a:chExt cx="0" cy="0"/>
         </a:xfrm>
       </p:grpSpPr>
+      <p:sp>
+        <p:nvSpPr>
+          <p:cNvPr id="2" name="Google Shape;480;p63">
+            <a:extLst>
+              <a:ext uri="{FF2B5EF4-FFF2-40B4-BE49-F238E27FC236}">
+                <a16:creationId xmlns:a16="http://schemas.microsoft.com/office/drawing/2014/main" id="{F474CC1E-10C5-57DC-80BC-E993D1B3D538}"/>
+              </a:ext>
+            </a:extLst>
+          </p:cNvPr>
+          <p:cNvSpPr txBox="1">
+            <a:spLocks/>
+          </p:cNvSpPr>
+          <p:nvPr/>
+        </p:nvSpPr>
+        <p:spPr>
+          <a:xfrm>
+            <a:off x="713250" y="552758"/>
+            <a:ext cx="7717500" cy="703613"/>
+          </a:xfrm>
+          <a:prstGeom prst="rect">
+            <a:avLst/>
+          </a:prstGeom>
+          <a:ln>
+            <a:solidFill>
+              <a:schemeClr val="accent1"/>
+            </a:solidFill>
+          </a:ln>
+        </p:spPr>
+        <p:txBody>
+          <a:bodyPr spcFirstLastPara="1" wrap="square" lIns="91425" tIns="91425" rIns="91425" bIns="91425" anchor="ctr" anchorCtr="0">
+            <a:noAutofit/>
+          </a:bodyPr>
+          <a:lstStyle>
+            <a:defPPr marR="0" lvl="0" algn="l" rtl="0">
+              <a:lnSpc>
+                <a:spcPct val="100000"/>
+              </a:lnSpc>
+              <a:spcBef>
+                <a:spcPts val="0"/>
+              </a:spcBef>
+              <a:spcAft>
+                <a:spcPts val="0"/>
+              </a:spcAft>
+            </a:defPPr>
+            <a:lvl1pPr marR="0" lvl="0" algn="l" rtl="0">
+              <a:lnSpc>
+                <a:spcPct val="100000"/>
+              </a:lnSpc>
+              <a:spcBef>
+                <a:spcPts val="0"/>
+              </a:spcBef>
+              <a:spcAft>
+                <a:spcPts val="0"/>
+              </a:spcAft>
+              <a:buClr>
+                <a:srgbClr val="000000"/>
+              </a:buClr>
+              <a:buFont typeface="Arial"/>
+              <a:defRPr sz="1400" b="0" i="0" u="none" strike="noStrike" cap="none">
+                <a:solidFill>
+                  <a:srgbClr val="000000"/>
+                </a:solidFill>
+                <a:latin typeface="Arial"/>
+                <a:ea typeface="Arial"/>
+                <a:cs typeface="Arial"/>
+                <a:sym typeface="Arial"/>
+              </a:defRPr>
+            </a:lvl1pPr>
+            <a:lvl2pPr marR="0" lvl="1" algn="l" rtl="0">
+              <a:lnSpc>
+                <a:spcPct val="100000"/>
+              </a:lnSpc>
+              <a:spcBef>
+                <a:spcPts val="0"/>
+              </a:spcBef>
+              <a:spcAft>
+                <a:spcPts val="0"/>
+              </a:spcAft>
+              <a:buClr>
+                <a:srgbClr val="000000"/>
+              </a:buClr>
+              <a:buFont typeface="Arial"/>
+              <a:defRPr sz="1400" b="0" i="0" u="none" strike="noStrike" cap="none">
+                <a:solidFill>
+                  <a:srgbClr val="000000"/>
+                </a:solidFill>
+                <a:latin typeface="Arial"/>
+                <a:ea typeface="Arial"/>
+                <a:cs typeface="Arial"/>
+                <a:sym typeface="Arial"/>
+              </a:defRPr>
+            </a:lvl2pPr>
+            <a:lvl3pPr marR="0" lvl="2" algn="l" rtl="0">
+              <a:lnSpc>
+                <a:spcPct val="100000"/>
+              </a:lnSpc>
+              <a:spcBef>
+                <a:spcPts val="0"/>
+              </a:spcBef>
+              <a:spcAft>
+                <a:spcPts val="0"/>
+              </a:spcAft>
+              <a:buClr>
+                <a:srgbClr val="000000"/>
+              </a:buClr>
+              <a:buFont typeface="Arial"/>
+              <a:defRPr sz="1400" b="0" i="0" u="none" strike="noStrike" cap="none">
+                <a:solidFill>
+                  <a:srgbClr val="000000"/>
+                </a:solidFill>
+                <a:latin typeface="Arial"/>
+                <a:ea typeface="Arial"/>
+                <a:cs typeface="Arial"/>
+                <a:sym typeface="Arial"/>
+              </a:defRPr>
+            </a:lvl3pPr>
+            <a:lvl4pPr marR="0" lvl="3" algn="l" rtl="0">
+              <a:lnSpc>
+                <a:spcPct val="100000"/>
+              </a:lnSpc>
+              <a:spcBef>
+                <a:spcPts val="0"/>
+              </a:spcBef>
+              <a:spcAft>
+                <a:spcPts val="0"/>
+              </a:spcAft>
+              <a:buClr>
+                <a:srgbClr val="000000"/>
+              </a:buClr>
+              <a:buFont typeface="Arial"/>
+              <a:defRPr sz="1400" b="0" i="0" u="none" strike="noStrike" cap="none">
+                <a:solidFill>
+                  <a:srgbClr val="000000"/>
+                </a:solidFill>
+                <a:latin typeface="Arial"/>
+                <a:ea typeface="Arial"/>
+                <a:cs typeface="Arial"/>
+                <a:sym typeface="Arial"/>
+              </a:defRPr>
+            </a:lvl4pPr>
+            <a:lvl5pPr marR="0" lvl="4" algn="l" rtl="0">
+              <a:lnSpc>
+                <a:spcPct val="100000"/>
+              </a:lnSpc>
+              <a:spcBef>
+                <a:spcPts val="0"/>
+              </a:spcBef>
+              <a:spcAft>
+                <a:spcPts val="0"/>
+              </a:spcAft>
+              <a:buClr>
+                <a:srgbClr val="000000"/>
+              </a:buClr>
+              <a:buFont typeface="Arial"/>
+              <a:defRPr sz="1400" b="0" i="0" u="none" strike="noStrike" cap="none">
+                <a:solidFill>
+                  <a:srgbClr val="000000"/>
+                </a:solidFill>
+                <a:latin typeface="Arial"/>
+                <a:ea typeface="Arial"/>
+                <a:cs typeface="Arial"/>
+                <a:sym typeface="Arial"/>
+              </a:defRPr>
+            </a:lvl5pPr>
+            <a:lvl6pPr marR="0" lvl="5" algn="l" rtl="0">
+              <a:lnSpc>
+                <a:spcPct val="100000"/>
+              </a:lnSpc>
+              <a:spcBef>
+                <a:spcPts val="0"/>
+              </a:spcBef>
+              <a:spcAft>
+                <a:spcPts val="0"/>
+              </a:spcAft>
+              <a:buClr>
+                <a:srgbClr val="000000"/>
+              </a:buClr>
+              <a:buFont typeface="Arial"/>
+              <a:defRPr sz="1400" b="0" i="0" u="none" strike="noStrike" cap="none">
+                <a:solidFill>
+                  <a:srgbClr val="000000"/>
+                </a:solidFill>
+                <a:latin typeface="Arial"/>
+                <a:ea typeface="Arial"/>
+                <a:cs typeface="Arial"/>
+                <a:sym typeface="Arial"/>
+              </a:defRPr>
+            </a:lvl6pPr>
+            <a:lvl7pPr marR="0" lvl="6" algn="l" rtl="0">
+              <a:lnSpc>
+                <a:spcPct val="100000"/>
+              </a:lnSpc>
+              <a:spcBef>
+                <a:spcPts val="0"/>
+              </a:spcBef>
+              <a:spcAft>
+                <a:spcPts val="0"/>
+              </a:spcAft>
+              <a:buClr>
+                <a:srgbClr val="000000"/>
+              </a:buClr>
+              <a:buFont typeface="Arial"/>
+              <a:defRPr sz="1400" b="0" i="0" u="none" strike="noStrike" cap="none">
+                <a:solidFill>
+                  <a:srgbClr val="000000"/>
+                </a:solidFill>
+                <a:latin typeface="Arial"/>
+                <a:ea typeface="Arial"/>
+                <a:cs typeface="Arial"/>
+                <a:sym typeface="Arial"/>
+              </a:defRPr>
+            </a:lvl7pPr>
+            <a:lvl8pPr marR="0" lvl="7" algn="l" rtl="0">
+              <a:lnSpc>
+                <a:spcPct val="100000"/>
+              </a:lnSpc>
+              <a:spcBef>
+                <a:spcPts val="0"/>
+              </a:spcBef>
+              <a:spcAft>
+                <a:spcPts val="0"/>
+              </a:spcAft>
+              <a:buClr>
+                <a:srgbClr val="000000"/>
+              </a:buClr>
+              <a:buFont typeface="Arial"/>
+              <a:defRPr sz="1400" b="0" i="0" u="none" strike="noStrike" cap="none">
+                <a:solidFill>
+                  <a:srgbClr val="000000"/>
+                </a:solidFill>
+                <a:latin typeface="Arial"/>
+                <a:ea typeface="Arial"/>
+                <a:cs typeface="Arial"/>
+                <a:sym typeface="Arial"/>
+              </a:defRPr>
+            </a:lvl8pPr>
+            <a:lvl9pPr marR="0" lvl="8" algn="l" rtl="0">
+              <a:lnSpc>
+                <a:spcPct val="100000"/>
+              </a:lnSpc>
+              <a:spcBef>
+                <a:spcPts val="0"/>
+              </a:spcBef>
+              <a:spcAft>
+                <a:spcPts val="0"/>
+              </a:spcAft>
+              <a:buClr>
+                <a:srgbClr val="000000"/>
+              </a:buClr>
+              <a:buFont typeface="Arial"/>
+              <a:defRPr sz="1400" b="0" i="0" u="none" strike="noStrike" cap="none">
+                <a:solidFill>
+                  <a:srgbClr val="000000"/>
+                </a:solidFill>
+                <a:latin typeface="Arial"/>
+                <a:ea typeface="Arial"/>
+                <a:cs typeface="Arial"/>
+                <a:sym typeface="Arial"/>
+              </a:defRPr>
+            </a:lvl9pPr>
+          </a:lstStyle>
+          <a:p>
+            <a:pPr algn="ctr"/>
+            <a:r>
+              <a:rPr lang="en-US" sz="2800" u="sng" dirty="0">
+                <a:solidFill>
+                  <a:schemeClr val="lt1"/>
+                </a:solidFill>
+                <a:latin typeface="Alfa Slab One" panose="020B0604020202020204" charset="0"/>
+              </a:rPr>
+              <a:t>Conclusions</a:t>
+            </a:r>
+          </a:p>
+        </p:txBody>
+      </p:sp>
+      <p:sp>
+        <p:nvSpPr>
+          <p:cNvPr id="3" name="TextBox 2">
+            <a:extLst>
+              <a:ext uri="{FF2B5EF4-FFF2-40B4-BE49-F238E27FC236}">
+                <a16:creationId xmlns:a16="http://schemas.microsoft.com/office/drawing/2014/main" id="{40F6FA02-A6D1-C73A-FF72-5F4DB772024F}"/>
+              </a:ext>
+            </a:extLst>
+          </p:cNvPr>
+          <p:cNvSpPr txBox="1"/>
+          <p:nvPr/>
+        </p:nvSpPr>
+        <p:spPr>
+          <a:xfrm>
+            <a:off x="1025912" y="1342684"/>
+            <a:ext cx="7092176" cy="2246769"/>
+          </a:xfrm>
+          <a:prstGeom prst="rect">
+            <a:avLst/>
+          </a:prstGeom>
+          <a:noFill/>
+        </p:spPr>
+        <p:txBody>
+          <a:bodyPr wrap="square" rtlCol="0">
+            <a:spAutoFit/>
+          </a:bodyPr>
+          <a:lstStyle/>
+          <a:p>
+            <a:pPr marL="285750" indent="-285750">
+              <a:buClr>
+                <a:schemeClr val="bg1"/>
+              </a:buClr>
+              <a:buFont typeface="Wingdings" panose="05000000000000000000" pitchFamily="2" charset="2"/>
+              <a:buChar char="q"/>
+            </a:pPr>
+            <a:r>
+              <a:rPr lang="en-US" dirty="0">
+                <a:solidFill>
+                  <a:schemeClr val="bg1"/>
+                </a:solidFill>
+              </a:rPr>
+              <a:t>First round rookies seem to have slightly higher PER than second rounders</a:t>
+            </a:r>
+          </a:p>
+          <a:p>
+            <a:pPr marL="285750" indent="-285750">
+              <a:buClr>
+                <a:schemeClr val="bg1"/>
+              </a:buClr>
+              <a:buFont typeface="Wingdings" panose="05000000000000000000" pitchFamily="2" charset="2"/>
+              <a:buChar char="q"/>
+            </a:pPr>
+            <a:endParaRPr lang="en-US" dirty="0">
+              <a:solidFill>
+                <a:schemeClr val="bg1"/>
+              </a:solidFill>
+            </a:endParaRPr>
+          </a:p>
+          <a:p>
+            <a:pPr marL="285750" indent="-285750">
+              <a:buClr>
+                <a:schemeClr val="bg1"/>
+              </a:buClr>
+              <a:buFont typeface="Wingdings" panose="05000000000000000000" pitchFamily="2" charset="2"/>
+              <a:buChar char="q"/>
+            </a:pPr>
+            <a:r>
+              <a:rPr lang="en-US" dirty="0">
+                <a:solidFill>
+                  <a:schemeClr val="bg1"/>
+                </a:solidFill>
+              </a:rPr>
+              <a:t>The best indicator for a plyers efficiency is their box plus/minus</a:t>
+            </a:r>
+          </a:p>
+          <a:p>
+            <a:pPr marL="285750" indent="-285750">
+              <a:buClr>
+                <a:schemeClr val="bg1"/>
+              </a:buClr>
+              <a:buFont typeface="Wingdings" panose="05000000000000000000" pitchFamily="2" charset="2"/>
+              <a:buChar char="q"/>
+            </a:pPr>
+            <a:endParaRPr lang="en-US" dirty="0">
+              <a:solidFill>
+                <a:schemeClr val="bg1"/>
+              </a:solidFill>
+            </a:endParaRPr>
+          </a:p>
+          <a:p>
+            <a:pPr marL="285750" indent="-285750">
+              <a:buClr>
+                <a:schemeClr val="bg1"/>
+              </a:buClr>
+              <a:buFont typeface="Wingdings" panose="05000000000000000000" pitchFamily="2" charset="2"/>
+              <a:buChar char="q"/>
+            </a:pPr>
+            <a:r>
+              <a:rPr lang="en-US" dirty="0">
+                <a:solidFill>
+                  <a:schemeClr val="bg1"/>
+                </a:solidFill>
+              </a:rPr>
+              <a:t>A rookie’s efficiency does not necessarily correlate with their win share</a:t>
+            </a:r>
+          </a:p>
+          <a:p>
+            <a:pPr marL="285750" indent="-285750">
+              <a:buClr>
+                <a:schemeClr val="bg1"/>
+              </a:buClr>
+              <a:buFont typeface="Wingdings" panose="05000000000000000000" pitchFamily="2" charset="2"/>
+              <a:buChar char="q"/>
+            </a:pPr>
+            <a:endParaRPr lang="en-US" dirty="0">
+              <a:solidFill>
+                <a:schemeClr val="bg1"/>
+              </a:solidFill>
+            </a:endParaRPr>
+          </a:p>
+          <a:p>
+            <a:pPr marL="285750" indent="-285750">
+              <a:buClr>
+                <a:schemeClr val="bg1"/>
+              </a:buClr>
+              <a:buFont typeface="Wingdings" panose="05000000000000000000" pitchFamily="2" charset="2"/>
+              <a:buChar char="q"/>
+            </a:pPr>
+            <a:r>
+              <a:rPr lang="en-US" dirty="0">
+                <a:solidFill>
+                  <a:schemeClr val="bg1"/>
+                </a:solidFill>
+              </a:rPr>
+              <a:t>There does not seem to be much of a trend between how well a team drafts and their success</a:t>
+            </a:r>
+          </a:p>
+          <a:p>
+            <a:pPr marL="285750" indent="-285750">
+              <a:buClr>
+                <a:schemeClr val="bg1"/>
+              </a:buClr>
+              <a:buFont typeface="Wingdings" panose="05000000000000000000" pitchFamily="2" charset="2"/>
+              <a:buChar char="q"/>
+            </a:pPr>
+            <a:endParaRPr lang="en-US" dirty="0">
+              <a:solidFill>
+                <a:schemeClr val="bg1"/>
+              </a:solidFill>
+            </a:endParaRPr>
+          </a:p>
+          <a:p>
+            <a:pPr marL="285750" indent="-285750">
+              <a:buClr>
+                <a:schemeClr val="bg1"/>
+              </a:buClr>
+              <a:buFont typeface="Wingdings" panose="05000000000000000000" pitchFamily="2" charset="2"/>
+              <a:buChar char="q"/>
+            </a:pPr>
+            <a:r>
+              <a:rPr lang="en-US" dirty="0">
+                <a:solidFill>
+                  <a:schemeClr val="bg1"/>
+                </a:solidFill>
+              </a:rPr>
+              <a:t>Some of the most efficient rookies tend to be </a:t>
+            </a:r>
+            <a:r>
+              <a:rPr lang="en-US" dirty="0" err="1">
+                <a:solidFill>
+                  <a:schemeClr val="bg1"/>
+                </a:solidFill>
+              </a:rPr>
+              <a:t>bigs</a:t>
+            </a:r>
+            <a:r>
+              <a:rPr lang="en-US" dirty="0">
+                <a:solidFill>
+                  <a:schemeClr val="bg1"/>
+                </a:solidFill>
+              </a:rPr>
+              <a:t> who play near the basket</a:t>
+            </a:r>
+          </a:p>
+        </p:txBody>
+      </p:sp>
     </p:spTree>
     <p:extLst>
       <p:ext uri="{BB962C8B-B14F-4D97-AF65-F5344CB8AC3E}">
@@ -14691,7 +14883,7 @@
           <p:nvPr>
             <p:extLst>
               <p:ext uri="{D42A27DB-BD31-4B8C-83A1-F6EECF244321}">
-                <p14:modId xmlns:p14="http://schemas.microsoft.com/office/powerpoint/2010/main" val="3298371723"/>
+                <p14:modId xmlns:p14="http://schemas.microsoft.com/office/powerpoint/2010/main" val="3463499595"/>
               </p:ext>
             </p:extLst>
           </p:nvPr>
@@ -15142,7 +15334,7 @@
                           <a:cs typeface="Roboto"/>
                           <a:sym typeface="Roboto"/>
                         </a:rPr>
-                        <a:t>Does a rookie’s individual efficiency (PER) correlate to their contribution of winning?</a:t>
+                        <a:t>Breakdown an NBA’s team Scouting Department and how well they draft.</a:t>
                       </a:r>
                       <a:endParaRPr sz="1000" dirty="0">
                         <a:solidFill>
@@ -15460,7 +15652,7 @@
                           <a:cs typeface="Roboto"/>
                           <a:sym typeface="Roboto"/>
                         </a:rPr>
-                        <a:t>How has shot selection change for rookies over the last decade?</a:t>
+                        <a:t>What can be concluded?</a:t>
                       </a:r>
                       <a:endParaRPr sz="1000" dirty="0">
                         <a:solidFill>
@@ -15600,18 +15792,6 @@
                         </a:spcAft>
                         <a:buNone/>
                       </a:pPr>
-                      <a:r>
-                        <a:rPr lang="en-US" sz="1000" dirty="0">
-                          <a:solidFill>
-                            <a:schemeClr val="lt1"/>
-                          </a:solidFill>
-                          <a:latin typeface="Roboto"/>
-                          <a:ea typeface="Roboto"/>
-                          <a:cs typeface="Roboto"/>
-                          <a:sym typeface="Roboto"/>
-                        </a:rPr>
-                        <a:t>How well does each team’s scouting department view rookies?</a:t>
-                      </a:r>
                       <a:endParaRPr sz="1000" dirty="0">
                         <a:solidFill>
                           <a:schemeClr val="lt1"/>
@@ -15673,6 +15853,75 @@
         </a:graphic>
       </p:graphicFrame>
     </p:spTree>
+  </p:cSld>
+  <p:clrMapOvr>
+    <a:masterClrMapping/>
+  </p:clrMapOvr>
+</p:sld>
+</file>
+
+<file path=ppt/slides/slide20.xml><?xml version="1.0" encoding="utf-8"?>
+<p:sld xmlns:a="http://schemas.openxmlformats.org/drawingml/2006/main" xmlns:r="http://schemas.openxmlformats.org/officeDocument/2006/relationships" xmlns:p="http://schemas.openxmlformats.org/presentationml/2006/main">
+  <p:cSld>
+    <p:spTree>
+      <p:nvGrpSpPr>
+        <p:cNvPr id="1" name=""/>
+        <p:cNvGrpSpPr/>
+        <p:nvPr/>
+      </p:nvGrpSpPr>
+      <p:grpSpPr>
+        <a:xfrm>
+          <a:off x="0" y="0"/>
+          <a:ext cx="0" cy="0"/>
+          <a:chOff x="0" y="0"/>
+          <a:chExt cx="0" cy="0"/>
+        </a:xfrm>
+      </p:grpSpPr>
+      <p:sp>
+        <p:nvSpPr>
+          <p:cNvPr id="2" name="TextBox 1">
+            <a:extLst>
+              <a:ext uri="{FF2B5EF4-FFF2-40B4-BE49-F238E27FC236}">
+                <a16:creationId xmlns:a16="http://schemas.microsoft.com/office/drawing/2014/main" id="{0613A46C-2A1E-EF92-F1FA-DB5FE9780BCD}"/>
+              </a:ext>
+            </a:extLst>
+          </p:cNvPr>
+          <p:cNvSpPr txBox="1"/>
+          <p:nvPr/>
+        </p:nvSpPr>
+        <p:spPr>
+          <a:xfrm>
+            <a:off x="3182036" y="2217807"/>
+            <a:ext cx="2779928" cy="707886"/>
+          </a:xfrm>
+          <a:prstGeom prst="rect">
+            <a:avLst/>
+          </a:prstGeom>
+          <a:noFill/>
+        </p:spPr>
+        <p:txBody>
+          <a:bodyPr wrap="none" rtlCol="0">
+            <a:spAutoFit/>
+          </a:bodyPr>
+          <a:lstStyle/>
+          <a:p>
+            <a:r>
+              <a:rPr lang="en-US" sz="4000" dirty="0">
+                <a:solidFill>
+                  <a:schemeClr val="bg1"/>
+                </a:solidFill>
+              </a:rPr>
+              <a:t>Questions?</a:t>
+            </a:r>
+          </a:p>
+        </p:txBody>
+      </p:sp>
+    </p:spTree>
+    <p:extLst>
+      <p:ext uri="{BB962C8B-B14F-4D97-AF65-F5344CB8AC3E}">
+        <p14:creationId xmlns:p14="http://schemas.microsoft.com/office/powerpoint/2010/main" val="21913173"/>
+      </p:ext>
+    </p:extLst>
   </p:cSld>
   <p:clrMapOvr>
     <a:masterClrMapping/>
@@ -17118,7 +17367,7 @@
           <p:nvPr>
             <p:extLst>
               <p:ext uri="{D42A27DB-BD31-4B8C-83A1-F6EECF244321}">
-                <p14:modId xmlns:p14="http://schemas.microsoft.com/office/powerpoint/2010/main" val="3066845621"/>
+                <p14:modId xmlns:p14="http://schemas.microsoft.com/office/powerpoint/2010/main" val="1330156499"/>
               </p:ext>
             </p:extLst>
           </p:nvPr>
@@ -17190,6 +17439,7 @@
                     <a:bodyPr/>
                     <a:lstStyle/>
                     <a:p>
+                      <a:pPr algn="ctr"/>
                       <a:r>
                         <a:rPr lang="en-US" sz="1200" dirty="0"/>
                         <a:t>PER</a:t>
@@ -17203,6 +17453,7 @@
                     <a:bodyPr/>
                     <a:lstStyle/>
                     <a:p>
+                      <a:pPr algn="ctr"/>
                       <a:r>
                         <a:rPr lang="en-US" dirty="0"/>
                         <a:t>-0.392</a:t>
@@ -17223,6 +17474,7 @@
                     <a:bodyPr/>
                     <a:lstStyle/>
                     <a:p>
+                      <a:pPr algn="ctr"/>
                       <a:r>
                         <a:rPr lang="en-US" dirty="0"/>
                         <a:t>VORP</a:t>
@@ -17236,6 +17488,7 @@
                     <a:bodyPr/>
                     <a:lstStyle/>
                     <a:p>
+                      <a:pPr algn="ctr"/>
                       <a:r>
                         <a:rPr lang="en-US" dirty="0"/>
                         <a:t>-0.665</a:t>
@@ -17256,6 +17509,7 @@
                     <a:bodyPr/>
                     <a:lstStyle/>
                     <a:p>
+                      <a:pPr algn="ctr"/>
                       <a:r>
                         <a:rPr lang="en-US" dirty="0"/>
                         <a:t>Win Share</a:t>
@@ -17269,6 +17523,7 @@
                     <a:bodyPr/>
                     <a:lstStyle/>
                     <a:p>
+                      <a:pPr algn="ctr"/>
                       <a:r>
                         <a:rPr lang="en-US" dirty="0"/>
                         <a:t>-0.768</a:t>
@@ -17289,6 +17544,7 @@
                     <a:bodyPr/>
                     <a:lstStyle/>
                     <a:p>
+                      <a:pPr algn="ctr"/>
                       <a:r>
                         <a:rPr lang="en-US" dirty="0"/>
                         <a:t>BPM</a:t>
@@ -17302,6 +17558,7 @@
                     <a:bodyPr/>
                     <a:lstStyle/>
                     <a:p>
+                      <a:pPr algn="ctr"/>
                       <a:r>
                         <a:rPr lang="en-US" dirty="0"/>
                         <a:t>-0.711</a:t>
@@ -17798,6 +18055,36 @@
           <a:chExt cx="0" cy="0"/>
         </a:xfrm>
       </p:grpSpPr>
+      <p:pic>
+        <p:nvPicPr>
+          <p:cNvPr id="9" name="Picture 8" descr="A graph showing a number of points&#10;&#10;Description automatically generated">
+            <a:extLst>
+              <a:ext uri="{FF2B5EF4-FFF2-40B4-BE49-F238E27FC236}">
+                <a16:creationId xmlns:a16="http://schemas.microsoft.com/office/drawing/2014/main" id="{A5EBF59C-32D8-565D-C077-6EF593568127}"/>
+              </a:ext>
+            </a:extLst>
+          </p:cNvPr>
+          <p:cNvPicPr>
+            <a:picLocks noChangeAspect="1"/>
+          </p:cNvPicPr>
+          <p:nvPr/>
+        </p:nvPicPr>
+        <p:blipFill>
+          <a:blip r:embed="rId2"/>
+          <a:stretch>
+            <a:fillRect/>
+          </a:stretch>
+        </p:blipFill>
+        <p:spPr>
+          <a:xfrm>
+            <a:off x="3954965" y="1421254"/>
+            <a:ext cx="3903632" cy="2927724"/>
+          </a:xfrm>
+          <a:prstGeom prst="rect">
+            <a:avLst/>
+          </a:prstGeom>
+        </p:spPr>
+      </p:pic>
       <p:sp>
         <p:nvSpPr>
           <p:cNvPr id="2" name="Google Shape;480;p63">
@@ -18073,36 +18360,6 @@
           </a:p>
         </p:txBody>
       </p:sp>
-      <p:pic>
-        <p:nvPicPr>
-          <p:cNvPr id="4" name="Picture 3" descr="A graph showing a number of points&#10;&#10;Description automatically generated">
-            <a:extLst>
-              <a:ext uri="{FF2B5EF4-FFF2-40B4-BE49-F238E27FC236}">
-                <a16:creationId xmlns:a16="http://schemas.microsoft.com/office/drawing/2014/main" id="{3B76BDE1-A952-B238-DF26-57A1BAE078CD}"/>
-              </a:ext>
-            </a:extLst>
-          </p:cNvPr>
-          <p:cNvPicPr>
-            <a:picLocks noChangeAspect="1"/>
-          </p:cNvPicPr>
-          <p:nvPr/>
-        </p:nvPicPr>
-        <p:blipFill>
-          <a:blip r:embed="rId2"/>
-          <a:stretch>
-            <a:fillRect/>
-          </a:stretch>
-        </p:blipFill>
-        <p:spPr>
-          <a:xfrm>
-            <a:off x="3954965" y="1427356"/>
-            <a:ext cx="3903631" cy="2927723"/>
-          </a:xfrm>
-          <a:prstGeom prst="rect">
-            <a:avLst/>
-          </a:prstGeom>
-        </p:spPr>
-      </p:pic>
       <p:sp>
         <p:nvSpPr>
           <p:cNvPr id="5" name="TextBox 4">
@@ -18117,8 +18374,8 @@
         </p:nvSpPr>
         <p:spPr>
           <a:xfrm>
-            <a:off x="862363" y="1525040"/>
-            <a:ext cx="2469579" cy="2462213"/>
+            <a:off x="862363" y="1663809"/>
+            <a:ext cx="2469579" cy="2677656"/>
           </a:xfrm>
           <a:prstGeom prst="rect">
             <a:avLst/>
@@ -18144,7 +18401,7 @@
                   <a:schemeClr val="bg1"/>
                 </a:solidFill>
               </a:rPr>
-              <a:t>NBA rookies who have been drafted in the last ten years (2014-2023)</a:t>
+              <a:t>The assumption is a players efficiency correlates to win share</a:t>
             </a:r>
           </a:p>
           <a:p>
@@ -18162,7 +18419,7 @@
             </a:endParaRPr>
           </a:p>
           <a:p>
-            <a:pPr marL="285750" lvl="8" indent="-285750">
+            <a:pPr marL="285750" indent="-285750">
               <a:buClr>
                 <a:schemeClr val="bg1"/>
               </a:buClr>
@@ -18175,11 +18432,11 @@
                   <a:schemeClr val="bg1"/>
                 </a:solidFill>
               </a:rPr>
-              <a:t>An NBA Draft consist of two rounds of thirty picks, sixty in total</a:t>
+              <a:t>Very weak correlation</a:t>
             </a:r>
           </a:p>
           <a:p>
-            <a:pPr marL="285750" lvl="8" indent="-285750">
+            <a:pPr marL="285750" indent="-285750">
               <a:buClr>
                 <a:schemeClr val="bg1"/>
               </a:buClr>
@@ -18193,7 +18450,7 @@
             </a:endParaRPr>
           </a:p>
           <a:p>
-            <a:pPr marL="285750" lvl="8" indent="-285750">
+            <a:pPr marL="285750" indent="-285750">
               <a:buClr>
                 <a:schemeClr val="bg1"/>
               </a:buClr>
@@ -18206,7 +18463,73 @@
                   <a:schemeClr val="bg1"/>
                 </a:solidFill>
               </a:rPr>
-              <a:t>All statistics come from the rookie year of the athlete</a:t>
+              <a:t>Most rookies attribute to 0 wins</a:t>
+            </a:r>
+          </a:p>
+          <a:p>
+            <a:pPr marL="285750" indent="-285750">
+              <a:buClr>
+                <a:schemeClr val="bg1"/>
+              </a:buClr>
+              <a:buFont typeface="Wingdings" panose="05000000000000000000" pitchFamily="2" charset="2"/>
+              <a:buChar char="q"/>
+            </a:pPr>
+            <a:endParaRPr lang="en-US" dirty="0">
+              <a:solidFill>
+                <a:schemeClr val="bg1"/>
+              </a:solidFill>
+            </a:endParaRPr>
+          </a:p>
+          <a:p>
+            <a:pPr marL="285750" indent="-285750">
+              <a:buClr>
+                <a:schemeClr val="bg1"/>
+              </a:buClr>
+              <a:buFont typeface="Wingdings" panose="05000000000000000000" pitchFamily="2" charset="2"/>
+              <a:buChar char="q"/>
+            </a:pPr>
+            <a:r>
+              <a:rPr lang="en-US" dirty="0">
+                <a:solidFill>
+                  <a:schemeClr val="bg1"/>
+                </a:solidFill>
+              </a:rPr>
+              <a:t>So, what advanced stats correlate with each other?</a:t>
+            </a:r>
+          </a:p>
+        </p:txBody>
+      </p:sp>
+      <p:sp>
+        <p:nvSpPr>
+          <p:cNvPr id="7" name="TextBox 6">
+            <a:extLst>
+              <a:ext uri="{FF2B5EF4-FFF2-40B4-BE49-F238E27FC236}">
+                <a16:creationId xmlns:a16="http://schemas.microsoft.com/office/drawing/2014/main" id="{16730F6A-BF57-4933-56CD-E4A0D8CDF390}"/>
+              </a:ext>
+            </a:extLst>
+          </p:cNvPr>
+          <p:cNvSpPr txBox="1"/>
+          <p:nvPr/>
+        </p:nvSpPr>
+        <p:spPr>
+          <a:xfrm>
+            <a:off x="4572000" y="1908197"/>
+            <a:ext cx="1308371" cy="246221"/>
+          </a:xfrm>
+          <a:prstGeom prst="rect">
+            <a:avLst/>
+          </a:prstGeom>
+          <a:noFill/>
+        </p:spPr>
+        <p:txBody>
+          <a:bodyPr wrap="none" rtlCol="0">
+            <a:spAutoFit/>
+          </a:bodyPr>
+          <a:lstStyle/>
+          <a:p>
+            <a:r>
+              <a:rPr lang="en-US" sz="1000" dirty="0"/>
+              <a:t>Correlation = 0.230 </a:t>
             </a:r>
           </a:p>
         </p:txBody>
@@ -18516,6 +18839,136 @@
           </a:p>
         </p:txBody>
       </p:sp>
+      <p:pic>
+        <p:nvPicPr>
+          <p:cNvPr id="4" name="Picture 3" descr="A graph showing a number of points&#10;&#10;Description automatically generated with medium confidence">
+            <a:extLst>
+              <a:ext uri="{FF2B5EF4-FFF2-40B4-BE49-F238E27FC236}">
+                <a16:creationId xmlns:a16="http://schemas.microsoft.com/office/drawing/2014/main" id="{93C54D91-1CD1-8274-5612-7B1B99F98B87}"/>
+              </a:ext>
+            </a:extLst>
+          </p:cNvPr>
+          <p:cNvPicPr>
+            <a:picLocks noChangeAspect="1"/>
+          </p:cNvPicPr>
+          <p:nvPr/>
+        </p:nvPicPr>
+        <p:blipFill>
+          <a:blip r:embed="rId2"/>
+          <a:stretch>
+            <a:fillRect/>
+          </a:stretch>
+        </p:blipFill>
+        <p:spPr>
+          <a:xfrm>
+            <a:off x="4572000" y="1568604"/>
+            <a:ext cx="3569753" cy="2677315"/>
+          </a:xfrm>
+          <a:prstGeom prst="rect">
+            <a:avLst/>
+          </a:prstGeom>
+        </p:spPr>
+      </p:pic>
+      <p:pic>
+        <p:nvPicPr>
+          <p:cNvPr id="6" name="Picture 5" descr="A graph showing a number of dots&#10;&#10;Description automatically generated">
+            <a:extLst>
+              <a:ext uri="{FF2B5EF4-FFF2-40B4-BE49-F238E27FC236}">
+                <a16:creationId xmlns:a16="http://schemas.microsoft.com/office/drawing/2014/main" id="{8AD37B5D-2F53-3149-21CC-08A5FB467C31}"/>
+              </a:ext>
+            </a:extLst>
+          </p:cNvPr>
+          <p:cNvPicPr>
+            <a:picLocks noChangeAspect="1"/>
+          </p:cNvPicPr>
+          <p:nvPr/>
+        </p:nvPicPr>
+        <p:blipFill>
+          <a:blip r:embed="rId3"/>
+          <a:stretch>
+            <a:fillRect/>
+          </a:stretch>
+        </p:blipFill>
+        <p:spPr>
+          <a:xfrm>
+            <a:off x="869795" y="1568604"/>
+            <a:ext cx="3569753" cy="2677315"/>
+          </a:xfrm>
+          <a:prstGeom prst="rect">
+            <a:avLst/>
+          </a:prstGeom>
+        </p:spPr>
+      </p:pic>
+      <p:sp>
+        <p:nvSpPr>
+          <p:cNvPr id="7" name="TextBox 6">
+            <a:extLst>
+              <a:ext uri="{FF2B5EF4-FFF2-40B4-BE49-F238E27FC236}">
+                <a16:creationId xmlns:a16="http://schemas.microsoft.com/office/drawing/2014/main" id="{AD1C8CE3-C582-FA7B-C415-F82355119564}"/>
+              </a:ext>
+            </a:extLst>
+          </p:cNvPr>
+          <p:cNvSpPr txBox="1"/>
+          <p:nvPr/>
+        </p:nvSpPr>
+        <p:spPr>
+          <a:xfrm>
+            <a:off x="2728332" y="3536424"/>
+            <a:ext cx="1308371" cy="246221"/>
+          </a:xfrm>
+          <a:prstGeom prst="rect">
+            <a:avLst/>
+          </a:prstGeom>
+          <a:noFill/>
+        </p:spPr>
+        <p:txBody>
+          <a:bodyPr wrap="none" rtlCol="0">
+            <a:spAutoFit/>
+          </a:bodyPr>
+          <a:lstStyle/>
+          <a:p>
+            <a:r>
+              <a:rPr lang="en-US" sz="1000" dirty="0"/>
+              <a:t>Correlation = 0.610 </a:t>
+            </a:r>
+          </a:p>
+        </p:txBody>
+      </p:sp>
+      <p:sp>
+        <p:nvSpPr>
+          <p:cNvPr id="8" name="TextBox 7">
+            <a:extLst>
+              <a:ext uri="{FF2B5EF4-FFF2-40B4-BE49-F238E27FC236}">
+                <a16:creationId xmlns:a16="http://schemas.microsoft.com/office/drawing/2014/main" id="{6692FF09-861E-5AC9-77EC-4563C35BBBC7}"/>
+              </a:ext>
+            </a:extLst>
+          </p:cNvPr>
+          <p:cNvSpPr txBox="1"/>
+          <p:nvPr/>
+        </p:nvSpPr>
+        <p:spPr>
+          <a:xfrm>
+            <a:off x="6428901" y="3536424"/>
+            <a:ext cx="1308371" cy="246221"/>
+          </a:xfrm>
+          <a:prstGeom prst="rect">
+            <a:avLst/>
+          </a:prstGeom>
+          <a:noFill/>
+        </p:spPr>
+        <p:txBody>
+          <a:bodyPr wrap="none" rtlCol="0">
+            <a:spAutoFit/>
+          </a:bodyPr>
+          <a:lstStyle/>
+          <a:p>
+            <a:r>
+              <a:rPr lang="en-US" sz="1000" dirty="0"/>
+              <a:t>Correlation = 0.904 </a:t>
+            </a:r>
+          </a:p>
+        </p:txBody>
+      </p:sp>
     </p:spTree>
     <p:extLst>
       <p:ext uri="{BB962C8B-B14F-4D97-AF65-F5344CB8AC3E}">
@@ -18546,6 +18999,420 @@
           <a:chExt cx="0" cy="0"/>
         </a:xfrm>
       </p:grpSpPr>
+      <p:sp>
+        <p:nvSpPr>
+          <p:cNvPr id="2" name="Google Shape;480;p63">
+            <a:extLst>
+              <a:ext uri="{FF2B5EF4-FFF2-40B4-BE49-F238E27FC236}">
+                <a16:creationId xmlns:a16="http://schemas.microsoft.com/office/drawing/2014/main" id="{933CC2C0-AFE3-6F2D-0DCC-54D8FDD8E85E}"/>
+              </a:ext>
+            </a:extLst>
+          </p:cNvPr>
+          <p:cNvSpPr txBox="1">
+            <a:spLocks/>
+          </p:cNvSpPr>
+          <p:nvPr/>
+        </p:nvSpPr>
+        <p:spPr>
+          <a:xfrm>
+            <a:off x="713250" y="552758"/>
+            <a:ext cx="7717500" cy="703613"/>
+          </a:xfrm>
+          <a:prstGeom prst="rect">
+            <a:avLst/>
+          </a:prstGeom>
+          <a:ln>
+            <a:solidFill>
+              <a:schemeClr val="accent1"/>
+            </a:solidFill>
+          </a:ln>
+        </p:spPr>
+        <p:txBody>
+          <a:bodyPr spcFirstLastPara="1" wrap="square" lIns="91425" tIns="91425" rIns="91425" bIns="91425" anchor="ctr" anchorCtr="0">
+            <a:noAutofit/>
+          </a:bodyPr>
+          <a:lstStyle>
+            <a:defPPr marR="0" lvl="0" algn="l" rtl="0">
+              <a:lnSpc>
+                <a:spcPct val="100000"/>
+              </a:lnSpc>
+              <a:spcBef>
+                <a:spcPts val="0"/>
+              </a:spcBef>
+              <a:spcAft>
+                <a:spcPts val="0"/>
+              </a:spcAft>
+            </a:defPPr>
+            <a:lvl1pPr marR="0" lvl="0" algn="l" rtl="0">
+              <a:lnSpc>
+                <a:spcPct val="100000"/>
+              </a:lnSpc>
+              <a:spcBef>
+                <a:spcPts val="0"/>
+              </a:spcBef>
+              <a:spcAft>
+                <a:spcPts val="0"/>
+              </a:spcAft>
+              <a:buClr>
+                <a:srgbClr val="000000"/>
+              </a:buClr>
+              <a:buFont typeface="Arial"/>
+              <a:defRPr sz="1400" b="0" i="0" u="none" strike="noStrike" cap="none">
+                <a:solidFill>
+                  <a:srgbClr val="000000"/>
+                </a:solidFill>
+                <a:latin typeface="Arial"/>
+                <a:ea typeface="Arial"/>
+                <a:cs typeface="Arial"/>
+                <a:sym typeface="Arial"/>
+              </a:defRPr>
+            </a:lvl1pPr>
+            <a:lvl2pPr marR="0" lvl="1" algn="l" rtl="0">
+              <a:lnSpc>
+                <a:spcPct val="100000"/>
+              </a:lnSpc>
+              <a:spcBef>
+                <a:spcPts val="0"/>
+              </a:spcBef>
+              <a:spcAft>
+                <a:spcPts val="0"/>
+              </a:spcAft>
+              <a:buClr>
+                <a:srgbClr val="000000"/>
+              </a:buClr>
+              <a:buFont typeface="Arial"/>
+              <a:defRPr sz="1400" b="0" i="0" u="none" strike="noStrike" cap="none">
+                <a:solidFill>
+                  <a:srgbClr val="000000"/>
+                </a:solidFill>
+                <a:latin typeface="Arial"/>
+                <a:ea typeface="Arial"/>
+                <a:cs typeface="Arial"/>
+                <a:sym typeface="Arial"/>
+              </a:defRPr>
+            </a:lvl2pPr>
+            <a:lvl3pPr marR="0" lvl="2" algn="l" rtl="0">
+              <a:lnSpc>
+                <a:spcPct val="100000"/>
+              </a:lnSpc>
+              <a:spcBef>
+                <a:spcPts val="0"/>
+              </a:spcBef>
+              <a:spcAft>
+                <a:spcPts val="0"/>
+              </a:spcAft>
+              <a:buClr>
+                <a:srgbClr val="000000"/>
+              </a:buClr>
+              <a:buFont typeface="Arial"/>
+              <a:defRPr sz="1400" b="0" i="0" u="none" strike="noStrike" cap="none">
+                <a:solidFill>
+                  <a:srgbClr val="000000"/>
+                </a:solidFill>
+                <a:latin typeface="Arial"/>
+                <a:ea typeface="Arial"/>
+                <a:cs typeface="Arial"/>
+                <a:sym typeface="Arial"/>
+              </a:defRPr>
+            </a:lvl3pPr>
+            <a:lvl4pPr marR="0" lvl="3" algn="l" rtl="0">
+              <a:lnSpc>
+                <a:spcPct val="100000"/>
+              </a:lnSpc>
+              <a:spcBef>
+                <a:spcPts val="0"/>
+              </a:spcBef>
+              <a:spcAft>
+                <a:spcPts val="0"/>
+              </a:spcAft>
+              <a:buClr>
+                <a:srgbClr val="000000"/>
+              </a:buClr>
+              <a:buFont typeface="Arial"/>
+              <a:defRPr sz="1400" b="0" i="0" u="none" strike="noStrike" cap="none">
+                <a:solidFill>
+                  <a:srgbClr val="000000"/>
+                </a:solidFill>
+                <a:latin typeface="Arial"/>
+                <a:ea typeface="Arial"/>
+                <a:cs typeface="Arial"/>
+                <a:sym typeface="Arial"/>
+              </a:defRPr>
+            </a:lvl4pPr>
+            <a:lvl5pPr marR="0" lvl="4" algn="l" rtl="0">
+              <a:lnSpc>
+                <a:spcPct val="100000"/>
+              </a:lnSpc>
+              <a:spcBef>
+                <a:spcPts val="0"/>
+              </a:spcBef>
+              <a:spcAft>
+                <a:spcPts val="0"/>
+              </a:spcAft>
+              <a:buClr>
+                <a:srgbClr val="000000"/>
+              </a:buClr>
+              <a:buFont typeface="Arial"/>
+              <a:defRPr sz="1400" b="0" i="0" u="none" strike="noStrike" cap="none">
+                <a:solidFill>
+                  <a:srgbClr val="000000"/>
+                </a:solidFill>
+                <a:latin typeface="Arial"/>
+                <a:ea typeface="Arial"/>
+                <a:cs typeface="Arial"/>
+                <a:sym typeface="Arial"/>
+              </a:defRPr>
+            </a:lvl5pPr>
+            <a:lvl6pPr marR="0" lvl="5" algn="l" rtl="0">
+              <a:lnSpc>
+                <a:spcPct val="100000"/>
+              </a:lnSpc>
+              <a:spcBef>
+                <a:spcPts val="0"/>
+              </a:spcBef>
+              <a:spcAft>
+                <a:spcPts val="0"/>
+              </a:spcAft>
+              <a:buClr>
+                <a:srgbClr val="000000"/>
+              </a:buClr>
+              <a:buFont typeface="Arial"/>
+              <a:defRPr sz="1400" b="0" i="0" u="none" strike="noStrike" cap="none">
+                <a:solidFill>
+                  <a:srgbClr val="000000"/>
+                </a:solidFill>
+                <a:latin typeface="Arial"/>
+                <a:ea typeface="Arial"/>
+                <a:cs typeface="Arial"/>
+                <a:sym typeface="Arial"/>
+              </a:defRPr>
+            </a:lvl6pPr>
+            <a:lvl7pPr marR="0" lvl="6" algn="l" rtl="0">
+              <a:lnSpc>
+                <a:spcPct val="100000"/>
+              </a:lnSpc>
+              <a:spcBef>
+                <a:spcPts val="0"/>
+              </a:spcBef>
+              <a:spcAft>
+                <a:spcPts val="0"/>
+              </a:spcAft>
+              <a:buClr>
+                <a:srgbClr val="000000"/>
+              </a:buClr>
+              <a:buFont typeface="Arial"/>
+              <a:defRPr sz="1400" b="0" i="0" u="none" strike="noStrike" cap="none">
+                <a:solidFill>
+                  <a:srgbClr val="000000"/>
+                </a:solidFill>
+                <a:latin typeface="Arial"/>
+                <a:ea typeface="Arial"/>
+                <a:cs typeface="Arial"/>
+                <a:sym typeface="Arial"/>
+              </a:defRPr>
+            </a:lvl7pPr>
+            <a:lvl8pPr marR="0" lvl="7" algn="l" rtl="0">
+              <a:lnSpc>
+                <a:spcPct val="100000"/>
+              </a:lnSpc>
+              <a:spcBef>
+                <a:spcPts val="0"/>
+              </a:spcBef>
+              <a:spcAft>
+                <a:spcPts val="0"/>
+              </a:spcAft>
+              <a:buClr>
+                <a:srgbClr val="000000"/>
+              </a:buClr>
+              <a:buFont typeface="Arial"/>
+              <a:defRPr sz="1400" b="0" i="0" u="none" strike="noStrike" cap="none">
+                <a:solidFill>
+                  <a:srgbClr val="000000"/>
+                </a:solidFill>
+                <a:latin typeface="Arial"/>
+                <a:ea typeface="Arial"/>
+                <a:cs typeface="Arial"/>
+                <a:sym typeface="Arial"/>
+              </a:defRPr>
+            </a:lvl8pPr>
+            <a:lvl9pPr marR="0" lvl="8" algn="l" rtl="0">
+              <a:lnSpc>
+                <a:spcPct val="100000"/>
+              </a:lnSpc>
+              <a:spcBef>
+                <a:spcPts val="0"/>
+              </a:spcBef>
+              <a:spcAft>
+                <a:spcPts val="0"/>
+              </a:spcAft>
+              <a:buClr>
+                <a:srgbClr val="000000"/>
+              </a:buClr>
+              <a:buFont typeface="Arial"/>
+              <a:defRPr sz="1400" b="0" i="0" u="none" strike="noStrike" cap="none">
+                <a:solidFill>
+                  <a:srgbClr val="000000"/>
+                </a:solidFill>
+                <a:latin typeface="Arial"/>
+                <a:ea typeface="Arial"/>
+                <a:cs typeface="Arial"/>
+                <a:sym typeface="Arial"/>
+              </a:defRPr>
+            </a:lvl9pPr>
+          </a:lstStyle>
+          <a:p>
+            <a:pPr algn="ctr"/>
+            <a:r>
+              <a:rPr lang="en-US" sz="2800" u="sng" dirty="0">
+                <a:solidFill>
+                  <a:schemeClr val="lt1"/>
+                </a:solidFill>
+                <a:latin typeface="Alfa Slab One" panose="020B0604020202020204" charset="0"/>
+              </a:rPr>
+              <a:t>Breaking Down How Teams Draft</a:t>
+            </a:r>
+          </a:p>
+        </p:txBody>
+      </p:sp>
+      <p:sp>
+        <p:nvSpPr>
+          <p:cNvPr id="3" name="TextBox 2">
+            <a:extLst>
+              <a:ext uri="{FF2B5EF4-FFF2-40B4-BE49-F238E27FC236}">
+                <a16:creationId xmlns:a16="http://schemas.microsoft.com/office/drawing/2014/main" id="{29935431-BBC1-9938-E156-AD8E861ADD6B}"/>
+              </a:ext>
+            </a:extLst>
+          </p:cNvPr>
+          <p:cNvSpPr txBox="1"/>
+          <p:nvPr/>
+        </p:nvSpPr>
+        <p:spPr>
+          <a:xfrm>
+            <a:off x="862363" y="1663809"/>
+            <a:ext cx="6928622" cy="1600438"/>
+          </a:xfrm>
+          <a:prstGeom prst="rect">
+            <a:avLst/>
+          </a:prstGeom>
+          <a:noFill/>
+        </p:spPr>
+        <p:txBody>
+          <a:bodyPr wrap="square" rtlCol="0">
+            <a:spAutoFit/>
+          </a:bodyPr>
+          <a:lstStyle/>
+          <a:p>
+            <a:pPr marL="285750" indent="-285750">
+              <a:buClr>
+                <a:schemeClr val="bg1"/>
+              </a:buClr>
+              <a:buFont typeface="Wingdings" panose="05000000000000000000" pitchFamily="2" charset="2"/>
+              <a:buChar char="q"/>
+            </a:pPr>
+            <a:r>
+              <a:rPr lang="en-US" dirty="0">
+                <a:solidFill>
+                  <a:schemeClr val="bg1"/>
+                </a:solidFill>
+              </a:rPr>
+              <a:t>Which teams are consistently drafting for immediate help?</a:t>
+            </a:r>
+          </a:p>
+          <a:p>
+            <a:pPr marL="285750" indent="-285750">
+              <a:buClr>
+                <a:schemeClr val="bg1"/>
+              </a:buClr>
+              <a:buFont typeface="Wingdings" panose="05000000000000000000" pitchFamily="2" charset="2"/>
+              <a:buChar char="q"/>
+            </a:pPr>
+            <a:endParaRPr lang="en-US" dirty="0">
+              <a:solidFill>
+                <a:schemeClr val="bg1"/>
+              </a:solidFill>
+            </a:endParaRPr>
+          </a:p>
+          <a:p>
+            <a:pPr marL="285750" indent="-285750">
+              <a:buClr>
+                <a:schemeClr val="bg1"/>
+              </a:buClr>
+              <a:buFont typeface="Wingdings" panose="05000000000000000000" pitchFamily="2" charset="2"/>
+              <a:buChar char="q"/>
+            </a:pPr>
+            <a:r>
+              <a:rPr lang="en-US" dirty="0">
+                <a:solidFill>
+                  <a:schemeClr val="bg1"/>
+                </a:solidFill>
+              </a:rPr>
+              <a:t>Which team whiffs on their draft selections?</a:t>
+            </a:r>
+          </a:p>
+          <a:p>
+            <a:pPr marL="285750" indent="-285750">
+              <a:buClr>
+                <a:schemeClr val="bg1"/>
+              </a:buClr>
+              <a:buFont typeface="Wingdings" panose="05000000000000000000" pitchFamily="2" charset="2"/>
+              <a:buChar char="q"/>
+            </a:pPr>
+            <a:endParaRPr lang="en-US" dirty="0">
+              <a:solidFill>
+                <a:schemeClr val="bg1"/>
+              </a:solidFill>
+            </a:endParaRPr>
+          </a:p>
+          <a:p>
+            <a:pPr marL="285750" indent="-285750">
+              <a:buClr>
+                <a:schemeClr val="bg1"/>
+              </a:buClr>
+              <a:buFont typeface="Wingdings" panose="05000000000000000000" pitchFamily="2" charset="2"/>
+              <a:buChar char="q"/>
+            </a:pPr>
+            <a:r>
+              <a:rPr lang="en-US" dirty="0">
+                <a:solidFill>
+                  <a:schemeClr val="bg1"/>
+                </a:solidFill>
+              </a:rPr>
+              <a:t>What team trends do we see based on how well they draft?</a:t>
+            </a:r>
+          </a:p>
+          <a:p>
+            <a:pPr marL="285750" indent="-285750">
+              <a:buClr>
+                <a:schemeClr val="bg1"/>
+              </a:buClr>
+              <a:buFont typeface="Wingdings" panose="05000000000000000000" pitchFamily="2" charset="2"/>
+              <a:buChar char="q"/>
+            </a:pPr>
+            <a:endParaRPr lang="en-US" dirty="0">
+              <a:solidFill>
+                <a:schemeClr val="bg1"/>
+              </a:solidFill>
+            </a:endParaRPr>
+          </a:p>
+          <a:p>
+            <a:pPr marL="285750" indent="-285750">
+              <a:buClr>
+                <a:schemeClr val="bg1"/>
+              </a:buClr>
+              <a:buFont typeface="Wingdings" panose="05000000000000000000" pitchFamily="2" charset="2"/>
+              <a:buChar char="q"/>
+            </a:pPr>
+            <a:r>
+              <a:rPr lang="en-US" dirty="0">
+                <a:solidFill>
+                  <a:schemeClr val="bg1"/>
+                </a:solidFill>
+              </a:rPr>
+              <a:t>Performance evaluation of the scouting department</a:t>
+            </a:r>
+          </a:p>
+        </p:txBody>
+      </p:sp>
     </p:spTree>
     <p:extLst>
       <p:ext uri="{BB962C8B-B14F-4D97-AF65-F5344CB8AC3E}">
